--- a/P9_03_Presentation.pptx
+++ b/P9_03_Presentation.pptx
@@ -18,11 +18,11 @@
     <p:sldId id="307" r:id="rId6"/>
     <p:sldId id="311" r:id="rId7"/>
     <p:sldId id="301" r:id="rId8"/>
-    <p:sldId id="357" r:id="rId9"/>
-    <p:sldId id="356" r:id="rId10"/>
-    <p:sldId id="360" r:id="rId11"/>
-    <p:sldId id="313" r:id="rId12"/>
-    <p:sldId id="335" r:id="rId13"/>
+    <p:sldId id="361" r:id="rId9"/>
+    <p:sldId id="357" r:id="rId10"/>
+    <p:sldId id="313" r:id="rId11"/>
+    <p:sldId id="335" r:id="rId12"/>
+    <p:sldId id="362" r:id="rId13"/>
     <p:sldId id="328" r:id="rId14"/>
     <p:sldId id="317" r:id="rId15"/>
     <p:sldId id="303" r:id="rId16"/>
@@ -1298,7 +1298,7 @@
     </p:spTree>
     <p:extLst>
       <p:ext uri="{BB962C8B-B14F-4D97-AF65-F5344CB8AC3E}">
-        <p14:creationId xmlns:p14="http://schemas.microsoft.com/office/powerpoint/2010/main" val="379306797"/>
+        <p14:creationId xmlns:p14="http://schemas.microsoft.com/office/powerpoint/2010/main" val="151217703"/>
       </p:ext>
     </p:extLst>
   </p:cSld>
@@ -1364,7 +1364,7 @@
     </p:spTree>
     <p:extLst>
       <p:ext uri="{BB962C8B-B14F-4D97-AF65-F5344CB8AC3E}">
-        <p14:creationId xmlns:p14="http://schemas.microsoft.com/office/powerpoint/2010/main" val="4006431377"/>
+        <p14:creationId xmlns:p14="http://schemas.microsoft.com/office/powerpoint/2010/main" val="379306797"/>
       </p:ext>
     </p:extLst>
   </p:cSld>
@@ -1430,7 +1430,7 @@
     </p:spTree>
     <p:extLst>
       <p:ext uri="{BB962C8B-B14F-4D97-AF65-F5344CB8AC3E}">
-        <p14:creationId xmlns:p14="http://schemas.microsoft.com/office/powerpoint/2010/main" val="1531693015"/>
+        <p14:creationId xmlns:p14="http://schemas.microsoft.com/office/powerpoint/2010/main" val="1265771282"/>
       </p:ext>
     </p:extLst>
   </p:cSld>
@@ -1496,7 +1496,7 @@
     </p:spTree>
     <p:extLst>
       <p:ext uri="{BB962C8B-B14F-4D97-AF65-F5344CB8AC3E}">
-        <p14:creationId xmlns:p14="http://schemas.microsoft.com/office/powerpoint/2010/main" val="1265771282"/>
+        <p14:creationId xmlns:p14="http://schemas.microsoft.com/office/powerpoint/2010/main" val="595340424"/>
       </p:ext>
     </p:extLst>
   </p:cSld>
@@ -2020,6 +2020,1019 @@
 </file>
 
 <file path=ppt/slideLayouts/slideLayout10.xml><?xml version="1.0" encoding="utf-8"?>
+<p:sldLayout xmlns:a="http://schemas.openxmlformats.org/drawingml/2006/main" xmlns:r="http://schemas.openxmlformats.org/officeDocument/2006/relationships" xmlns:p="http://schemas.openxmlformats.org/presentationml/2006/main" matchingName="Half Color Grey - Core Red">
+  <p:cSld name="TITLE_2_1_1_1_1_1">
+    <p:spTree>
+      <p:nvGrpSpPr>
+        <p:cNvPr id="1" name="Shape 179"/>
+        <p:cNvGrpSpPr/>
+        <p:nvPr/>
+      </p:nvGrpSpPr>
+      <p:grpSpPr>
+        <a:xfrm>
+          <a:off x="0" y="0"/>
+          <a:ext cx="0" cy="0"/>
+          <a:chOff x="0" y="0"/>
+          <a:chExt cx="0" cy="0"/>
+        </a:xfrm>
+      </p:grpSpPr>
+      <p:sp>
+        <p:nvSpPr>
+          <p:cNvPr id="180" name="Google Shape;180;p19"/>
+          <p:cNvSpPr/>
+          <p:nvPr userDrawn="1"/>
+        </p:nvSpPr>
+        <p:spPr>
+          <a:xfrm>
+            <a:off x="4554300" y="0"/>
+            <a:ext cx="4589700" cy="5143500"/>
+          </a:xfrm>
+          <a:prstGeom prst="rect">
+            <a:avLst/>
+          </a:prstGeom>
+          <a:solidFill>
+            <a:srgbClr val="F1F3F4"/>
+          </a:solidFill>
+          <a:ln>
+            <a:noFill/>
+          </a:ln>
+        </p:spPr>
+        <p:txBody>
+          <a:bodyPr spcFirstLastPara="1" wrap="square" lIns="91425" tIns="91425" rIns="91425" bIns="91425" anchor="ctr" anchorCtr="0">
+            <a:noAutofit/>
+          </a:bodyPr>
+          <a:lstStyle/>
+          <a:p>
+            <a:pPr marL="0" marR="0" lvl="0" indent="0" algn="l" rtl="0">
+              <a:lnSpc>
+                <a:spcPct val="100000"/>
+              </a:lnSpc>
+              <a:spcBef>
+                <a:spcPts val="0"/>
+              </a:spcBef>
+              <a:spcAft>
+                <a:spcPts val="0"/>
+              </a:spcAft>
+              <a:buClr>
+                <a:srgbClr val="000000"/>
+              </a:buClr>
+              <a:buSzPts val="1400"/>
+              <a:buFont typeface="Arial"/>
+              <a:buNone/>
+            </a:pPr>
+            <a:endParaRPr sz="1400" b="0" i="0" u="none" strike="noStrike" cap="none">
+              <a:solidFill>
+                <a:srgbClr val="000000"/>
+              </a:solidFill>
+              <a:latin typeface="Arial"/>
+              <a:ea typeface="Arial"/>
+              <a:cs typeface="Arial"/>
+              <a:sym typeface="Arial"/>
+            </a:endParaRPr>
+          </a:p>
+        </p:txBody>
+      </p:sp>
+      <p:sp>
+        <p:nvSpPr>
+          <p:cNvPr id="182" name="Google Shape;182;p19"/>
+          <p:cNvSpPr/>
+          <p:nvPr/>
+        </p:nvSpPr>
+        <p:spPr>
+          <a:xfrm>
+            <a:off x="-22468" y="235365"/>
+            <a:ext cx="57900" cy="4672800"/>
+          </a:xfrm>
+          <a:prstGeom prst="rect">
+            <a:avLst/>
+          </a:prstGeom>
+          <a:solidFill>
+            <a:srgbClr val="EA4335"/>
+          </a:solidFill>
+          <a:ln>
+            <a:noFill/>
+          </a:ln>
+        </p:spPr>
+        <p:txBody>
+          <a:bodyPr spcFirstLastPara="1" wrap="square" lIns="19050" tIns="19050" rIns="19050" bIns="19050" anchor="ctr" anchorCtr="0">
+            <a:noAutofit/>
+          </a:bodyPr>
+          <a:lstStyle/>
+          <a:p>
+            <a:pPr marL="0" marR="0" lvl="0" indent="0" algn="ctr" rtl="0">
+              <a:lnSpc>
+                <a:spcPct val="100000"/>
+              </a:lnSpc>
+              <a:spcBef>
+                <a:spcPts val="0"/>
+              </a:spcBef>
+              <a:spcAft>
+                <a:spcPts val="0"/>
+              </a:spcAft>
+              <a:buClr>
+                <a:srgbClr val="519BF7"/>
+              </a:buClr>
+              <a:buSzPts val="1200"/>
+              <a:buFont typeface="Helvetica Neue Light"/>
+              <a:buNone/>
+            </a:pPr>
+            <a:endParaRPr sz="1200" b="0" i="0" u="none" strike="noStrike" cap="none">
+              <a:solidFill>
+                <a:srgbClr val="1D8E3E"/>
+              </a:solidFill>
+              <a:latin typeface="Helvetica Neue Light"/>
+              <a:ea typeface="Helvetica Neue Light"/>
+              <a:cs typeface="Helvetica Neue Light"/>
+              <a:sym typeface="Helvetica Neue Light"/>
+            </a:endParaRPr>
+          </a:p>
+        </p:txBody>
+      </p:sp>
+      <p:sp>
+        <p:nvSpPr>
+          <p:cNvPr id="183" name="Google Shape;183;p19"/>
+          <p:cNvSpPr txBox="1">
+            <a:spLocks noGrp="1"/>
+          </p:cNvSpPr>
+          <p:nvPr>
+            <p:ph type="body" idx="1"/>
+          </p:nvPr>
+        </p:nvSpPr>
+        <p:spPr>
+          <a:xfrm>
+            <a:off x="344501" y="2175900"/>
+            <a:ext cx="2976600" cy="2046300"/>
+          </a:xfrm>
+          <a:prstGeom prst="rect">
+            <a:avLst/>
+          </a:prstGeom>
+          <a:noFill/>
+          <a:ln>
+            <a:noFill/>
+          </a:ln>
+        </p:spPr>
+        <p:txBody>
+          <a:bodyPr spcFirstLastPara="1" wrap="square" lIns="91425" tIns="91425" rIns="91425" bIns="91425" anchor="t" anchorCtr="0">
+            <a:noAutofit/>
+          </a:bodyPr>
+          <a:lstStyle>
+            <a:lvl1pPr marL="457200" marR="0" lvl="0" indent="-285750" algn="l" rtl="0">
+              <a:lnSpc>
+                <a:spcPct val="260000"/>
+              </a:lnSpc>
+              <a:spcBef>
+                <a:spcPts val="0"/>
+              </a:spcBef>
+              <a:spcAft>
+                <a:spcPts val="0"/>
+              </a:spcAft>
+              <a:buClr>
+                <a:srgbClr val="80868B"/>
+              </a:buClr>
+              <a:buSzPts val="900"/>
+              <a:buFont typeface="Roboto"/>
+              <a:buChar char="●"/>
+              <a:defRPr sz="1100" b="0" i="0" u="none" strike="noStrike" cap="none">
+                <a:solidFill>
+                  <a:srgbClr val="5F6368"/>
+                </a:solidFill>
+                <a:latin typeface="Roboto"/>
+                <a:ea typeface="Roboto"/>
+                <a:cs typeface="Roboto"/>
+                <a:sym typeface="Roboto"/>
+              </a:defRPr>
+            </a:lvl1pPr>
+            <a:lvl2pPr marL="914400" marR="0" lvl="1" indent="-285750" algn="l" rtl="0">
+              <a:lnSpc>
+                <a:spcPct val="260000"/>
+              </a:lnSpc>
+              <a:spcBef>
+                <a:spcPts val="0"/>
+              </a:spcBef>
+              <a:spcAft>
+                <a:spcPts val="0"/>
+              </a:spcAft>
+              <a:buClr>
+                <a:srgbClr val="80868B"/>
+              </a:buClr>
+              <a:buSzPts val="900"/>
+              <a:buFont typeface="Roboto"/>
+              <a:buChar char="○"/>
+              <a:defRPr sz="1100" b="0" i="0" u="none" strike="noStrike" cap="none">
+                <a:solidFill>
+                  <a:srgbClr val="5F6368"/>
+                </a:solidFill>
+                <a:latin typeface="Roboto"/>
+                <a:ea typeface="Roboto"/>
+                <a:cs typeface="Roboto"/>
+                <a:sym typeface="Roboto"/>
+              </a:defRPr>
+            </a:lvl2pPr>
+            <a:lvl3pPr marL="1371600" marR="0" lvl="2" indent="-298450" algn="l" rtl="0">
+              <a:lnSpc>
+                <a:spcPct val="260000"/>
+              </a:lnSpc>
+              <a:spcBef>
+                <a:spcPts val="0"/>
+              </a:spcBef>
+              <a:spcAft>
+                <a:spcPts val="0"/>
+              </a:spcAft>
+              <a:buClr>
+                <a:srgbClr val="5F6368"/>
+              </a:buClr>
+              <a:buSzPts val="1100"/>
+              <a:buFont typeface="Roboto"/>
+              <a:buChar char="■"/>
+              <a:defRPr sz="1100" b="0" i="0" u="none" strike="noStrike" cap="none">
+                <a:solidFill>
+                  <a:srgbClr val="5F6368"/>
+                </a:solidFill>
+                <a:latin typeface="Roboto"/>
+                <a:ea typeface="Roboto"/>
+                <a:cs typeface="Roboto"/>
+                <a:sym typeface="Roboto"/>
+              </a:defRPr>
+            </a:lvl3pPr>
+            <a:lvl4pPr marL="1828800" marR="0" lvl="3" indent="-298450" algn="l" rtl="0">
+              <a:lnSpc>
+                <a:spcPct val="260000"/>
+              </a:lnSpc>
+              <a:spcBef>
+                <a:spcPts val="0"/>
+              </a:spcBef>
+              <a:spcAft>
+                <a:spcPts val="0"/>
+              </a:spcAft>
+              <a:buClr>
+                <a:srgbClr val="5F6368"/>
+              </a:buClr>
+              <a:buSzPts val="1100"/>
+              <a:buFont typeface="Roboto"/>
+              <a:buChar char="●"/>
+              <a:defRPr sz="1100" b="0" i="0" u="none" strike="noStrike" cap="none">
+                <a:solidFill>
+                  <a:srgbClr val="5F6368"/>
+                </a:solidFill>
+                <a:latin typeface="Roboto"/>
+                <a:ea typeface="Roboto"/>
+                <a:cs typeface="Roboto"/>
+                <a:sym typeface="Roboto"/>
+              </a:defRPr>
+            </a:lvl4pPr>
+            <a:lvl5pPr marL="2286000" marR="0" lvl="4" indent="-298450" algn="l" rtl="0">
+              <a:lnSpc>
+                <a:spcPct val="260000"/>
+              </a:lnSpc>
+              <a:spcBef>
+                <a:spcPts val="0"/>
+              </a:spcBef>
+              <a:spcAft>
+                <a:spcPts val="0"/>
+              </a:spcAft>
+              <a:buClr>
+                <a:srgbClr val="5F6368"/>
+              </a:buClr>
+              <a:buSzPts val="1100"/>
+              <a:buFont typeface="Roboto"/>
+              <a:buChar char="○"/>
+              <a:defRPr sz="1100" b="0" i="0" u="none" strike="noStrike" cap="none">
+                <a:solidFill>
+                  <a:srgbClr val="5F6368"/>
+                </a:solidFill>
+                <a:latin typeface="Roboto"/>
+                <a:ea typeface="Roboto"/>
+                <a:cs typeface="Roboto"/>
+                <a:sym typeface="Roboto"/>
+              </a:defRPr>
+            </a:lvl5pPr>
+            <a:lvl6pPr marL="2743200" marR="0" lvl="5" indent="-298450" algn="l" rtl="0">
+              <a:lnSpc>
+                <a:spcPct val="260000"/>
+              </a:lnSpc>
+              <a:spcBef>
+                <a:spcPts val="0"/>
+              </a:spcBef>
+              <a:spcAft>
+                <a:spcPts val="0"/>
+              </a:spcAft>
+              <a:buClr>
+                <a:srgbClr val="5F6368"/>
+              </a:buClr>
+              <a:buSzPts val="1100"/>
+              <a:buFont typeface="Roboto"/>
+              <a:buChar char="■"/>
+              <a:defRPr sz="1100" b="0" i="0" u="none" strike="noStrike" cap="none">
+                <a:solidFill>
+                  <a:srgbClr val="5F6368"/>
+                </a:solidFill>
+                <a:latin typeface="Roboto"/>
+                <a:ea typeface="Roboto"/>
+                <a:cs typeface="Roboto"/>
+                <a:sym typeface="Roboto"/>
+              </a:defRPr>
+            </a:lvl6pPr>
+            <a:lvl7pPr marL="3200400" marR="0" lvl="6" indent="-298450" algn="l" rtl="0">
+              <a:lnSpc>
+                <a:spcPct val="260000"/>
+              </a:lnSpc>
+              <a:spcBef>
+                <a:spcPts val="0"/>
+              </a:spcBef>
+              <a:spcAft>
+                <a:spcPts val="0"/>
+              </a:spcAft>
+              <a:buClr>
+                <a:srgbClr val="5F6368"/>
+              </a:buClr>
+              <a:buSzPts val="1100"/>
+              <a:buFont typeface="Roboto"/>
+              <a:buChar char="●"/>
+              <a:defRPr sz="1100" b="0" i="0" u="none" strike="noStrike" cap="none">
+                <a:solidFill>
+                  <a:srgbClr val="5F6368"/>
+                </a:solidFill>
+                <a:latin typeface="Roboto"/>
+                <a:ea typeface="Roboto"/>
+                <a:cs typeface="Roboto"/>
+                <a:sym typeface="Roboto"/>
+              </a:defRPr>
+            </a:lvl7pPr>
+            <a:lvl8pPr marL="3657600" marR="0" lvl="7" indent="-298450" algn="l" rtl="0">
+              <a:lnSpc>
+                <a:spcPct val="260000"/>
+              </a:lnSpc>
+              <a:spcBef>
+                <a:spcPts val="0"/>
+              </a:spcBef>
+              <a:spcAft>
+                <a:spcPts val="0"/>
+              </a:spcAft>
+              <a:buClr>
+                <a:srgbClr val="5F6368"/>
+              </a:buClr>
+              <a:buSzPts val="1100"/>
+              <a:buFont typeface="Roboto"/>
+              <a:buChar char="○"/>
+              <a:defRPr sz="1100" b="0" i="0" u="none" strike="noStrike" cap="none">
+                <a:solidFill>
+                  <a:srgbClr val="5F6368"/>
+                </a:solidFill>
+                <a:latin typeface="Roboto"/>
+                <a:ea typeface="Roboto"/>
+                <a:cs typeface="Roboto"/>
+                <a:sym typeface="Roboto"/>
+              </a:defRPr>
+            </a:lvl8pPr>
+            <a:lvl9pPr marL="4114800" marR="0" lvl="8" indent="-298450" algn="l" rtl="0">
+              <a:lnSpc>
+                <a:spcPct val="260000"/>
+              </a:lnSpc>
+              <a:spcBef>
+                <a:spcPts val="0"/>
+              </a:spcBef>
+              <a:spcAft>
+                <a:spcPts val="0"/>
+              </a:spcAft>
+              <a:buClr>
+                <a:srgbClr val="5F6368"/>
+              </a:buClr>
+              <a:buSzPts val="1100"/>
+              <a:buFont typeface="Roboto"/>
+              <a:buChar char="■"/>
+              <a:defRPr sz="1100" b="0" i="0" u="none" strike="noStrike" cap="none">
+                <a:solidFill>
+                  <a:srgbClr val="5F6368"/>
+                </a:solidFill>
+                <a:latin typeface="Roboto"/>
+                <a:ea typeface="Roboto"/>
+                <a:cs typeface="Roboto"/>
+                <a:sym typeface="Roboto"/>
+              </a:defRPr>
+            </a:lvl9pPr>
+          </a:lstStyle>
+          <a:p>
+            <a:endParaRPr/>
+          </a:p>
+        </p:txBody>
+      </p:sp>
+      <p:sp>
+        <p:nvSpPr>
+          <p:cNvPr id="184" name="Google Shape;184;p19"/>
+          <p:cNvSpPr txBox="1">
+            <a:spLocks noGrp="1"/>
+          </p:cNvSpPr>
+          <p:nvPr>
+            <p:ph type="title"/>
+          </p:nvPr>
+        </p:nvSpPr>
+        <p:spPr>
+          <a:xfrm>
+            <a:off x="344501" y="1365900"/>
+            <a:ext cx="3864600" cy="414300"/>
+          </a:xfrm>
+          <a:prstGeom prst="rect">
+            <a:avLst/>
+          </a:prstGeom>
+          <a:noFill/>
+          <a:ln>
+            <a:noFill/>
+          </a:ln>
+        </p:spPr>
+        <p:txBody>
+          <a:bodyPr spcFirstLastPara="1" wrap="square" lIns="91425" tIns="91425" rIns="91425" bIns="91425" anchor="t" anchorCtr="0">
+            <a:noAutofit/>
+          </a:bodyPr>
+          <a:lstStyle>
+            <a:lvl1pPr marR="0" lvl="0" algn="l" rtl="0">
+              <a:lnSpc>
+                <a:spcPct val="90000"/>
+              </a:lnSpc>
+              <a:spcBef>
+                <a:spcPts val="0"/>
+              </a:spcBef>
+              <a:spcAft>
+                <a:spcPts val="0"/>
+              </a:spcAft>
+              <a:buClr>
+                <a:schemeClr val="dk1"/>
+              </a:buClr>
+              <a:buSzPts val="1100"/>
+              <a:buFont typeface="Arial"/>
+              <a:buNone/>
+              <a:defRPr sz="2400" b="0" i="0" u="none" strike="noStrike" cap="none">
+                <a:solidFill>
+                  <a:srgbClr val="3C4043"/>
+                </a:solidFill>
+                <a:latin typeface="Google Sans"/>
+                <a:ea typeface="Google Sans"/>
+                <a:cs typeface="Google Sans"/>
+                <a:sym typeface="Google Sans"/>
+              </a:defRPr>
+            </a:lvl1pPr>
+            <a:lvl2pPr marR="0" lvl="1" algn="ctr" rtl="0">
+              <a:lnSpc>
+                <a:spcPct val="100000"/>
+              </a:lnSpc>
+              <a:spcBef>
+                <a:spcPts val="0"/>
+              </a:spcBef>
+              <a:spcAft>
+                <a:spcPts val="0"/>
+              </a:spcAft>
+              <a:buClr>
+                <a:srgbClr val="000000"/>
+              </a:buClr>
+              <a:buSzPts val="4200"/>
+              <a:buFont typeface="Helvetica Neue Light"/>
+              <a:buNone/>
+              <a:defRPr sz="4200" b="0" i="0" u="none" strike="noStrike" cap="none">
+                <a:solidFill>
+                  <a:srgbClr val="000000"/>
+                </a:solidFill>
+                <a:latin typeface="Helvetica Neue Light"/>
+                <a:ea typeface="Helvetica Neue Light"/>
+                <a:cs typeface="Helvetica Neue Light"/>
+                <a:sym typeface="Helvetica Neue Light"/>
+              </a:defRPr>
+            </a:lvl2pPr>
+            <a:lvl3pPr marR="0" lvl="2" algn="ctr" rtl="0">
+              <a:lnSpc>
+                <a:spcPct val="100000"/>
+              </a:lnSpc>
+              <a:spcBef>
+                <a:spcPts val="0"/>
+              </a:spcBef>
+              <a:spcAft>
+                <a:spcPts val="0"/>
+              </a:spcAft>
+              <a:buClr>
+                <a:srgbClr val="000000"/>
+              </a:buClr>
+              <a:buSzPts val="4200"/>
+              <a:buFont typeface="Helvetica Neue Light"/>
+              <a:buNone/>
+              <a:defRPr sz="4200" b="0" i="0" u="none" strike="noStrike" cap="none">
+                <a:solidFill>
+                  <a:srgbClr val="000000"/>
+                </a:solidFill>
+                <a:latin typeface="Helvetica Neue Light"/>
+                <a:ea typeface="Helvetica Neue Light"/>
+                <a:cs typeface="Helvetica Neue Light"/>
+                <a:sym typeface="Helvetica Neue Light"/>
+              </a:defRPr>
+            </a:lvl3pPr>
+            <a:lvl4pPr marR="0" lvl="3" algn="ctr" rtl="0">
+              <a:lnSpc>
+                <a:spcPct val="100000"/>
+              </a:lnSpc>
+              <a:spcBef>
+                <a:spcPts val="0"/>
+              </a:spcBef>
+              <a:spcAft>
+                <a:spcPts val="0"/>
+              </a:spcAft>
+              <a:buClr>
+                <a:srgbClr val="000000"/>
+              </a:buClr>
+              <a:buSzPts val="4200"/>
+              <a:buFont typeface="Helvetica Neue Light"/>
+              <a:buNone/>
+              <a:defRPr sz="4200" b="0" i="0" u="none" strike="noStrike" cap="none">
+                <a:solidFill>
+                  <a:srgbClr val="000000"/>
+                </a:solidFill>
+                <a:latin typeface="Helvetica Neue Light"/>
+                <a:ea typeface="Helvetica Neue Light"/>
+                <a:cs typeface="Helvetica Neue Light"/>
+                <a:sym typeface="Helvetica Neue Light"/>
+              </a:defRPr>
+            </a:lvl4pPr>
+            <a:lvl5pPr marR="0" lvl="4" algn="ctr" rtl="0">
+              <a:lnSpc>
+                <a:spcPct val="100000"/>
+              </a:lnSpc>
+              <a:spcBef>
+                <a:spcPts val="0"/>
+              </a:spcBef>
+              <a:spcAft>
+                <a:spcPts val="0"/>
+              </a:spcAft>
+              <a:buClr>
+                <a:srgbClr val="000000"/>
+              </a:buClr>
+              <a:buSzPts val="4200"/>
+              <a:buFont typeface="Helvetica Neue Light"/>
+              <a:buNone/>
+              <a:defRPr sz="4200" b="0" i="0" u="none" strike="noStrike" cap="none">
+                <a:solidFill>
+                  <a:srgbClr val="000000"/>
+                </a:solidFill>
+                <a:latin typeface="Helvetica Neue Light"/>
+                <a:ea typeface="Helvetica Neue Light"/>
+                <a:cs typeface="Helvetica Neue Light"/>
+                <a:sym typeface="Helvetica Neue Light"/>
+              </a:defRPr>
+            </a:lvl5pPr>
+            <a:lvl6pPr marR="0" lvl="5" algn="ctr" rtl="0">
+              <a:lnSpc>
+                <a:spcPct val="100000"/>
+              </a:lnSpc>
+              <a:spcBef>
+                <a:spcPts val="0"/>
+              </a:spcBef>
+              <a:spcAft>
+                <a:spcPts val="0"/>
+              </a:spcAft>
+              <a:buClr>
+                <a:srgbClr val="000000"/>
+              </a:buClr>
+              <a:buSzPts val="4200"/>
+              <a:buFont typeface="Helvetica Neue Light"/>
+              <a:buNone/>
+              <a:defRPr sz="4200" b="0" i="0" u="none" strike="noStrike" cap="none">
+                <a:solidFill>
+                  <a:srgbClr val="000000"/>
+                </a:solidFill>
+                <a:latin typeface="Helvetica Neue Light"/>
+                <a:ea typeface="Helvetica Neue Light"/>
+                <a:cs typeface="Helvetica Neue Light"/>
+                <a:sym typeface="Helvetica Neue Light"/>
+              </a:defRPr>
+            </a:lvl6pPr>
+            <a:lvl7pPr marR="0" lvl="6" algn="ctr" rtl="0">
+              <a:lnSpc>
+                <a:spcPct val="100000"/>
+              </a:lnSpc>
+              <a:spcBef>
+                <a:spcPts val="0"/>
+              </a:spcBef>
+              <a:spcAft>
+                <a:spcPts val="0"/>
+              </a:spcAft>
+              <a:buClr>
+                <a:srgbClr val="000000"/>
+              </a:buClr>
+              <a:buSzPts val="4200"/>
+              <a:buFont typeface="Helvetica Neue Light"/>
+              <a:buNone/>
+              <a:defRPr sz="4200" b="0" i="0" u="none" strike="noStrike" cap="none">
+                <a:solidFill>
+                  <a:srgbClr val="000000"/>
+                </a:solidFill>
+                <a:latin typeface="Helvetica Neue Light"/>
+                <a:ea typeface="Helvetica Neue Light"/>
+                <a:cs typeface="Helvetica Neue Light"/>
+                <a:sym typeface="Helvetica Neue Light"/>
+              </a:defRPr>
+            </a:lvl7pPr>
+            <a:lvl8pPr marR="0" lvl="7" algn="ctr" rtl="0">
+              <a:lnSpc>
+                <a:spcPct val="100000"/>
+              </a:lnSpc>
+              <a:spcBef>
+                <a:spcPts val="0"/>
+              </a:spcBef>
+              <a:spcAft>
+                <a:spcPts val="0"/>
+              </a:spcAft>
+              <a:buClr>
+                <a:srgbClr val="000000"/>
+              </a:buClr>
+              <a:buSzPts val="4200"/>
+              <a:buFont typeface="Helvetica Neue Light"/>
+              <a:buNone/>
+              <a:defRPr sz="4200" b="0" i="0" u="none" strike="noStrike" cap="none">
+                <a:solidFill>
+                  <a:srgbClr val="000000"/>
+                </a:solidFill>
+                <a:latin typeface="Helvetica Neue Light"/>
+                <a:ea typeface="Helvetica Neue Light"/>
+                <a:cs typeface="Helvetica Neue Light"/>
+                <a:sym typeface="Helvetica Neue Light"/>
+              </a:defRPr>
+            </a:lvl8pPr>
+            <a:lvl9pPr marR="0" lvl="8" algn="ctr" rtl="0">
+              <a:lnSpc>
+                <a:spcPct val="100000"/>
+              </a:lnSpc>
+              <a:spcBef>
+                <a:spcPts val="0"/>
+              </a:spcBef>
+              <a:spcAft>
+                <a:spcPts val="0"/>
+              </a:spcAft>
+              <a:buClr>
+                <a:srgbClr val="000000"/>
+              </a:buClr>
+              <a:buSzPts val="4200"/>
+              <a:buFont typeface="Helvetica Neue Light"/>
+              <a:buNone/>
+              <a:defRPr sz="4200" b="0" i="0" u="none" strike="noStrike" cap="none">
+                <a:solidFill>
+                  <a:srgbClr val="000000"/>
+                </a:solidFill>
+                <a:latin typeface="Helvetica Neue Light"/>
+                <a:ea typeface="Helvetica Neue Light"/>
+                <a:cs typeface="Helvetica Neue Light"/>
+                <a:sym typeface="Helvetica Neue Light"/>
+              </a:defRPr>
+            </a:lvl9pPr>
+          </a:lstStyle>
+          <a:p>
+            <a:endParaRPr/>
+          </a:p>
+        </p:txBody>
+      </p:sp>
+      <p:sp>
+        <p:nvSpPr>
+          <p:cNvPr id="185" name="Google Shape;185;p19"/>
+          <p:cNvSpPr txBox="1">
+            <a:spLocks noGrp="1"/>
+          </p:cNvSpPr>
+          <p:nvPr>
+            <p:ph type="body" idx="2"/>
+          </p:nvPr>
+        </p:nvSpPr>
+        <p:spPr>
+          <a:xfrm>
+            <a:off x="344501" y="4743625"/>
+            <a:ext cx="4345800" cy="375600"/>
+          </a:xfrm>
+          <a:prstGeom prst="rect">
+            <a:avLst/>
+          </a:prstGeom>
+          <a:noFill/>
+          <a:ln>
+            <a:noFill/>
+          </a:ln>
+        </p:spPr>
+        <p:txBody>
+          <a:bodyPr spcFirstLastPara="1" wrap="square" lIns="91425" tIns="91425" rIns="91425" bIns="91425" anchor="t" anchorCtr="0">
+            <a:noAutofit/>
+          </a:bodyPr>
+          <a:lstStyle>
+            <a:lvl1pPr marL="457200" marR="0" lvl="0" indent="-228600" algn="l" rtl="0">
+              <a:lnSpc>
+                <a:spcPct val="100000"/>
+              </a:lnSpc>
+              <a:spcBef>
+                <a:spcPts val="0"/>
+              </a:spcBef>
+              <a:spcAft>
+                <a:spcPts val="0"/>
+              </a:spcAft>
+              <a:buClr>
+                <a:srgbClr val="000000"/>
+              </a:buClr>
+              <a:buSzPts val="1100"/>
+              <a:buFont typeface="Arial"/>
+              <a:buNone/>
+              <a:defRPr sz="600" b="0" i="0" u="none" strike="noStrike" cap="none">
+                <a:solidFill>
+                  <a:srgbClr val="D5D5D5"/>
+                </a:solidFill>
+                <a:latin typeface="Roboto"/>
+                <a:ea typeface="Roboto"/>
+                <a:cs typeface="Roboto"/>
+                <a:sym typeface="Roboto"/>
+              </a:defRPr>
+            </a:lvl1pPr>
+            <a:lvl2pPr marL="914400" marR="0" lvl="1" indent="-228600" algn="l" rtl="0">
+              <a:lnSpc>
+                <a:spcPct val="100000"/>
+              </a:lnSpc>
+              <a:spcBef>
+                <a:spcPts val="0"/>
+              </a:spcBef>
+              <a:spcAft>
+                <a:spcPts val="0"/>
+              </a:spcAft>
+              <a:buClr>
+                <a:srgbClr val="000000"/>
+              </a:buClr>
+              <a:buSzPts val="1100"/>
+              <a:buFont typeface="Arial"/>
+              <a:buNone/>
+              <a:defRPr sz="600" b="0" i="0" u="none" strike="noStrike" cap="none">
+                <a:solidFill>
+                  <a:srgbClr val="D5D5D5"/>
+                </a:solidFill>
+                <a:latin typeface="Roboto"/>
+                <a:ea typeface="Roboto"/>
+                <a:cs typeface="Roboto"/>
+                <a:sym typeface="Roboto"/>
+              </a:defRPr>
+            </a:lvl2pPr>
+            <a:lvl3pPr marL="1371600" marR="0" lvl="2" indent="-228600" algn="l" rtl="0">
+              <a:lnSpc>
+                <a:spcPct val="100000"/>
+              </a:lnSpc>
+              <a:spcBef>
+                <a:spcPts val="0"/>
+              </a:spcBef>
+              <a:spcAft>
+                <a:spcPts val="0"/>
+              </a:spcAft>
+              <a:buClr>
+                <a:srgbClr val="000000"/>
+              </a:buClr>
+              <a:buSzPts val="1100"/>
+              <a:buFont typeface="Arial"/>
+              <a:buNone/>
+              <a:defRPr sz="600" b="0" i="0" u="none" strike="noStrike" cap="none">
+                <a:solidFill>
+                  <a:srgbClr val="D5D5D5"/>
+                </a:solidFill>
+                <a:latin typeface="Roboto"/>
+                <a:ea typeface="Roboto"/>
+                <a:cs typeface="Roboto"/>
+                <a:sym typeface="Roboto"/>
+              </a:defRPr>
+            </a:lvl3pPr>
+            <a:lvl4pPr marL="1828800" marR="0" lvl="3" indent="-228600" algn="l" rtl="0">
+              <a:lnSpc>
+                <a:spcPct val="100000"/>
+              </a:lnSpc>
+              <a:spcBef>
+                <a:spcPts val="0"/>
+              </a:spcBef>
+              <a:spcAft>
+                <a:spcPts val="0"/>
+              </a:spcAft>
+              <a:buClr>
+                <a:srgbClr val="000000"/>
+              </a:buClr>
+              <a:buSzPts val="1100"/>
+              <a:buFont typeface="Arial"/>
+              <a:buNone/>
+              <a:defRPr sz="600" b="0" i="0" u="none" strike="noStrike" cap="none">
+                <a:solidFill>
+                  <a:srgbClr val="D5D5D5"/>
+                </a:solidFill>
+                <a:latin typeface="Roboto"/>
+                <a:ea typeface="Roboto"/>
+                <a:cs typeface="Roboto"/>
+                <a:sym typeface="Roboto"/>
+              </a:defRPr>
+            </a:lvl4pPr>
+            <a:lvl5pPr marL="2286000" marR="0" lvl="4" indent="-228600" algn="l" rtl="0">
+              <a:lnSpc>
+                <a:spcPct val="100000"/>
+              </a:lnSpc>
+              <a:spcBef>
+                <a:spcPts val="0"/>
+              </a:spcBef>
+              <a:spcAft>
+                <a:spcPts val="0"/>
+              </a:spcAft>
+              <a:buClr>
+                <a:srgbClr val="000000"/>
+              </a:buClr>
+              <a:buSzPts val="1100"/>
+              <a:buFont typeface="Arial"/>
+              <a:buNone/>
+              <a:defRPr sz="600" b="0" i="0" u="none" strike="noStrike" cap="none">
+                <a:solidFill>
+                  <a:srgbClr val="D5D5D5"/>
+                </a:solidFill>
+                <a:latin typeface="Roboto"/>
+                <a:ea typeface="Roboto"/>
+                <a:cs typeface="Roboto"/>
+                <a:sym typeface="Roboto"/>
+              </a:defRPr>
+            </a:lvl5pPr>
+            <a:lvl6pPr marL="2743200" marR="0" lvl="5" indent="-228600" algn="l" rtl="0">
+              <a:lnSpc>
+                <a:spcPct val="100000"/>
+              </a:lnSpc>
+              <a:spcBef>
+                <a:spcPts val="0"/>
+              </a:spcBef>
+              <a:spcAft>
+                <a:spcPts val="0"/>
+              </a:spcAft>
+              <a:buClr>
+                <a:srgbClr val="000000"/>
+              </a:buClr>
+              <a:buSzPts val="1100"/>
+              <a:buFont typeface="Arial"/>
+              <a:buNone/>
+              <a:defRPr sz="600" b="0" i="0" u="none" strike="noStrike" cap="none">
+                <a:solidFill>
+                  <a:srgbClr val="D5D5D5"/>
+                </a:solidFill>
+                <a:latin typeface="Roboto"/>
+                <a:ea typeface="Roboto"/>
+                <a:cs typeface="Roboto"/>
+                <a:sym typeface="Roboto"/>
+              </a:defRPr>
+            </a:lvl6pPr>
+            <a:lvl7pPr marL="3200400" marR="0" lvl="6" indent="-228600" algn="l" rtl="0">
+              <a:lnSpc>
+                <a:spcPct val="100000"/>
+              </a:lnSpc>
+              <a:spcBef>
+                <a:spcPts val="0"/>
+              </a:spcBef>
+              <a:spcAft>
+                <a:spcPts val="0"/>
+              </a:spcAft>
+              <a:buClr>
+                <a:srgbClr val="000000"/>
+              </a:buClr>
+              <a:buSzPts val="1100"/>
+              <a:buFont typeface="Arial"/>
+              <a:buNone/>
+              <a:defRPr sz="600" b="0" i="0" u="none" strike="noStrike" cap="none">
+                <a:solidFill>
+                  <a:srgbClr val="D5D5D5"/>
+                </a:solidFill>
+                <a:latin typeface="Roboto"/>
+                <a:ea typeface="Roboto"/>
+                <a:cs typeface="Roboto"/>
+                <a:sym typeface="Roboto"/>
+              </a:defRPr>
+            </a:lvl7pPr>
+            <a:lvl8pPr marL="3657600" marR="0" lvl="7" indent="-228600" algn="l" rtl="0">
+              <a:lnSpc>
+                <a:spcPct val="100000"/>
+              </a:lnSpc>
+              <a:spcBef>
+                <a:spcPts val="0"/>
+              </a:spcBef>
+              <a:spcAft>
+                <a:spcPts val="0"/>
+              </a:spcAft>
+              <a:buClr>
+                <a:srgbClr val="000000"/>
+              </a:buClr>
+              <a:buSzPts val="1100"/>
+              <a:buFont typeface="Arial"/>
+              <a:buNone/>
+              <a:defRPr sz="600" b="0" i="0" u="none" strike="noStrike" cap="none">
+                <a:solidFill>
+                  <a:srgbClr val="D5D5D5"/>
+                </a:solidFill>
+                <a:latin typeface="Roboto"/>
+                <a:ea typeface="Roboto"/>
+                <a:cs typeface="Roboto"/>
+                <a:sym typeface="Roboto"/>
+              </a:defRPr>
+            </a:lvl8pPr>
+            <a:lvl9pPr marL="4114800" marR="0" lvl="8" indent="-228600" algn="l" rtl="0">
+              <a:lnSpc>
+                <a:spcPct val="100000"/>
+              </a:lnSpc>
+              <a:spcBef>
+                <a:spcPts val="0"/>
+              </a:spcBef>
+              <a:spcAft>
+                <a:spcPts val="0"/>
+              </a:spcAft>
+              <a:buClr>
+                <a:srgbClr val="000000"/>
+              </a:buClr>
+              <a:buSzPts val="1100"/>
+              <a:buFont typeface="Arial"/>
+              <a:buNone/>
+              <a:defRPr sz="600" b="0" i="0" u="none" strike="noStrike" cap="none">
+                <a:solidFill>
+                  <a:srgbClr val="D5D5D5"/>
+                </a:solidFill>
+                <a:latin typeface="Roboto"/>
+                <a:ea typeface="Roboto"/>
+                <a:cs typeface="Roboto"/>
+                <a:sym typeface="Roboto"/>
+              </a:defRPr>
+            </a:lvl9pPr>
+          </a:lstStyle>
+          <a:p>
+            <a:endParaRPr/>
+          </a:p>
+        </p:txBody>
+      </p:sp>
+      <p:sp>
+        <p:nvSpPr>
+          <p:cNvPr id="2" name="Footer Placeholder 1">
+            <a:extLst>
+              <a:ext uri="{FF2B5EF4-FFF2-40B4-BE49-F238E27FC236}">
+                <a16:creationId xmlns:a16="http://schemas.microsoft.com/office/drawing/2014/main" id="{5F689246-499C-C5D0-169F-C11B7F0D5D79}"/>
+              </a:ext>
+            </a:extLst>
+          </p:cNvPr>
+          <p:cNvSpPr>
+            <a:spLocks noGrp="1"/>
+          </p:cNvSpPr>
+          <p:nvPr>
+            <p:ph type="ftr" sz="quarter" idx="10"/>
+          </p:nvPr>
+        </p:nvSpPr>
+        <p:spPr/>
+        <p:txBody>
+          <a:bodyPr/>
+          <a:lstStyle/>
+          <a:p>
+            <a:endParaRPr lang="fr-FR"/>
+          </a:p>
+        </p:txBody>
+      </p:sp>
+      <p:sp>
+        <p:nvSpPr>
+          <p:cNvPr id="4" name="Slide Number Placeholder 2">
+            <a:extLst>
+              <a:ext uri="{FF2B5EF4-FFF2-40B4-BE49-F238E27FC236}">
+                <a16:creationId xmlns:a16="http://schemas.microsoft.com/office/drawing/2014/main" id="{ED474BB1-684C-F401-63DB-1142F8CDC035}"/>
+              </a:ext>
+            </a:extLst>
+          </p:cNvPr>
+          <p:cNvSpPr>
+            <a:spLocks noGrp="1"/>
+          </p:cNvSpPr>
+          <p:nvPr>
+            <p:ph type="sldNum" sz="quarter" idx="4"/>
+          </p:nvPr>
+        </p:nvSpPr>
+        <p:spPr>
+          <a:xfrm>
+            <a:off x="7086600" y="4868863"/>
+            <a:ext cx="2057400" cy="274637"/>
+          </a:xfrm>
+          <a:prstGeom prst="rect">
+            <a:avLst/>
+          </a:prstGeom>
+        </p:spPr>
+        <p:txBody>
+          <a:bodyPr vert="horz" lIns="91440" tIns="45720" rIns="91440" bIns="45720" rtlCol="0" anchor="ctr"/>
+          <a:lstStyle>
+            <a:lvl1pPr algn="r">
+              <a:defRPr sz="1200">
+                <a:solidFill>
+                  <a:schemeClr val="tx1">
+                    <a:tint val="75000"/>
+                  </a:schemeClr>
+                </a:solidFill>
+              </a:defRPr>
+            </a:lvl1pPr>
+          </a:lstStyle>
+          <a:p>
+            <a:fld id="{0AB334C5-4133-42AC-9B57-CFFA02D8BE36}" type="slidenum">
+              <a:rPr lang="fr-FR" smtClean="0"/>
+              <a:t>‹#›</a:t>
+            </a:fld>
+            <a:endParaRPr lang="fr-FR"/>
+          </a:p>
+        </p:txBody>
+      </p:sp>
+    </p:spTree>
+  </p:cSld>
+  <p:clrMapOvr>
+    <a:masterClrMapping/>
+  </p:clrMapOvr>
+</p:sldLayout>
+</file>
+
+<file path=ppt/slideLayouts/slideLayout11.xml><?xml version="1.0" encoding="utf-8"?>
 <p:sldLayout xmlns:a="http://schemas.openxmlformats.org/drawingml/2006/main" xmlns:r="http://schemas.openxmlformats.org/officeDocument/2006/relationships" xmlns:p="http://schemas.openxmlformats.org/presentationml/2006/main" matchingName="Divider - Dark Yellow 700">
   <p:cSld name="CUSTOM_1_1_1_1_1_1_1_1_1">
     <p:spTree>
@@ -2466,7 +3479,7 @@
 </p:sldLayout>
 </file>
 
-<file path=ppt/slideLayouts/slideLayout11.xml><?xml version="1.0" encoding="utf-8"?>
+<file path=ppt/slideLayouts/slideLayout12.xml><?xml version="1.0" encoding="utf-8"?>
 <p:sldLayout xmlns:a="http://schemas.openxmlformats.org/drawingml/2006/main" xmlns:r="http://schemas.openxmlformats.org/officeDocument/2006/relationships" xmlns:p="http://schemas.openxmlformats.org/presentationml/2006/main" matchingName="Divider - Dark Green 900">
   <p:cSld name="CUSTOM_1_1_1_1_1_1_1_1">
     <p:spTree>
@@ -2913,7 +3926,7 @@
 </p:sldLayout>
 </file>
 
-<file path=ppt/slideLayouts/slideLayout12.xml><?xml version="1.0" encoding="utf-8"?>
+<file path=ppt/slideLayouts/slideLayout13.xml><?xml version="1.0" encoding="utf-8"?>
 <p:sldLayout xmlns:a="http://schemas.openxmlformats.org/drawingml/2006/main" xmlns:r="http://schemas.openxmlformats.org/officeDocument/2006/relationships" xmlns:p="http://schemas.openxmlformats.org/presentationml/2006/main" matchingName="Divider - Dark Red 800">
   <p:cSld name="CUSTOM_1_1_1_1_1">
     <p:spTree>
@@ -3360,7 +4373,7 @@
 </p:sldLayout>
 </file>
 
-<file path=ppt/slideLayouts/slideLayout13.xml><?xml version="1.0" encoding="utf-8"?>
+<file path=ppt/slideLayouts/slideLayout14.xml><?xml version="1.0" encoding="utf-8"?>
 <p:sldLayout xmlns:a="http://schemas.openxmlformats.org/drawingml/2006/main" xmlns:r="http://schemas.openxmlformats.org/officeDocument/2006/relationships" xmlns:p="http://schemas.openxmlformats.org/presentationml/2006/main" matchingName="Internal Intro/Context Slide">
   <p:cSld name="Blank - Title_1_1_3_1_1">
     <p:bg>
@@ -4178,7 +5191,7 @@
 </p:sldLayout>
 </file>
 
-<file path=ppt/slideLayouts/slideLayout14.xml><?xml version="1.0" encoding="utf-8"?>
+<file path=ppt/slideLayouts/slideLayout15.xml><?xml version="1.0" encoding="utf-8"?>
 <p:sldLayout xmlns:a="http://schemas.openxmlformats.org/drawingml/2006/main" xmlns:r="http://schemas.openxmlformats.org/officeDocument/2006/relationships" xmlns:p="http://schemas.openxmlformats.org/presentationml/2006/main" matchingName="Internal header">
   <p:cSld name="Blank - Title_1_1_3_1_1_2">
     <p:bg>
@@ -5189,7 +6202,7 @@
 </p:sldLayout>
 </file>
 
-<file path=ppt/slideLayouts/slideLayout15.xml><?xml version="1.0" encoding="utf-8"?>
+<file path=ppt/slideLayouts/slideLayout16.xml><?xml version="1.0" encoding="utf-8"?>
 <p:sldLayout xmlns:a="http://schemas.openxmlformats.org/drawingml/2006/main" xmlns:r="http://schemas.openxmlformats.org/officeDocument/2006/relationships" xmlns:p="http://schemas.openxmlformats.org/presentationml/2006/main" matchingName="Half Color Grey - Core Yellow">
   <p:cSld name="TITLE_2_1_2">
     <p:spTree>
@@ -5988,7 +7001,7 @@
 </p:sldLayout>
 </file>
 
-<file path=ppt/slideLayouts/slideLayout16.xml><?xml version="1.0" encoding="utf-8"?>
+<file path=ppt/slideLayouts/slideLayout17.xml><?xml version="1.0" encoding="utf-8"?>
 <p:sldLayout xmlns:a="http://schemas.openxmlformats.org/drawingml/2006/main" xmlns:r="http://schemas.openxmlformats.org/officeDocument/2006/relationships" xmlns:p="http://schemas.openxmlformats.org/presentationml/2006/main" matchingName="Body Slide - Basic Text - Red">
   <p:cSld name="TITLE_2_3_3_2">
     <p:spTree>
@@ -6731,7 +7744,7 @@
 </p:sldLayout>
 </file>
 
-<file path=ppt/slideLayouts/slideLayout17.xml><?xml version="1.0" encoding="utf-8"?>
+<file path=ppt/slideLayouts/slideLayout18.xml><?xml version="1.0" encoding="utf-8"?>
 <p:sldLayout xmlns:a="http://schemas.openxmlformats.org/drawingml/2006/main" xmlns:r="http://schemas.openxmlformats.org/officeDocument/2006/relationships" xmlns:p="http://schemas.openxmlformats.org/presentationml/2006/main" matchingName="Internal Slide 1">
   <p:cSld name="Blank - Title_1_1_3_1_1_1_1">
     <p:bg>
@@ -7540,7 +8553,7 @@
 </p:sldLayout>
 </file>
 
-<file path=ppt/slideLayouts/slideLayout18.xml><?xml version="1.0" encoding="utf-8"?>
+<file path=ppt/slideLayouts/slideLayout19.xml><?xml version="1.0" encoding="utf-8"?>
 <p:sldLayout xmlns:a="http://schemas.openxmlformats.org/drawingml/2006/main" xmlns:r="http://schemas.openxmlformats.org/officeDocument/2006/relationships" xmlns:p="http://schemas.openxmlformats.org/presentationml/2006/main" matchingName="Google Cover Slide 1">
   <p:cSld name="CUSTOM_2_1_1">
     <p:bg>
@@ -8038,784 +9051,6 @@
             <a:extLst>
               <a:ext uri="{FF2B5EF4-FFF2-40B4-BE49-F238E27FC236}">
                 <a16:creationId xmlns:a16="http://schemas.microsoft.com/office/drawing/2014/main" id="{DB41B6B3-D8DF-E6C2-62AF-E49E35DDE057}"/>
-              </a:ext>
-            </a:extLst>
-          </p:cNvPr>
-          <p:cNvSpPr>
-            <a:spLocks noGrp="1"/>
-          </p:cNvSpPr>
-          <p:nvPr>
-            <p:ph type="sldNum" sz="quarter" idx="4"/>
-          </p:nvPr>
-        </p:nvSpPr>
-        <p:spPr>
-          <a:xfrm>
-            <a:off x="7086600" y="4868863"/>
-            <a:ext cx="2057400" cy="274637"/>
-          </a:xfrm>
-          <a:prstGeom prst="rect">
-            <a:avLst/>
-          </a:prstGeom>
-        </p:spPr>
-        <p:txBody>
-          <a:bodyPr vert="horz" lIns="91440" tIns="45720" rIns="91440" bIns="45720" rtlCol="0" anchor="ctr"/>
-          <a:lstStyle>
-            <a:lvl1pPr algn="r">
-              <a:defRPr sz="1200">
-                <a:solidFill>
-                  <a:schemeClr val="tx1">
-                    <a:tint val="75000"/>
-                  </a:schemeClr>
-                </a:solidFill>
-              </a:defRPr>
-            </a:lvl1pPr>
-          </a:lstStyle>
-          <a:p>
-            <a:fld id="{0AB334C5-4133-42AC-9B57-CFFA02D8BE36}" type="slidenum">
-              <a:rPr lang="fr-FR" smtClean="0"/>
-              <a:t>‹#›</a:t>
-            </a:fld>
-            <a:endParaRPr lang="fr-FR"/>
-          </a:p>
-        </p:txBody>
-      </p:sp>
-    </p:spTree>
-  </p:cSld>
-  <p:clrMapOvr>
-    <a:masterClrMapping/>
-  </p:clrMapOvr>
-</p:sldLayout>
-</file>
-
-<file path=ppt/slideLayouts/slideLayout19.xml><?xml version="1.0" encoding="utf-8"?>
-<p:sldLayout xmlns:a="http://schemas.openxmlformats.org/drawingml/2006/main" xmlns:r="http://schemas.openxmlformats.org/officeDocument/2006/relationships" xmlns:p="http://schemas.openxmlformats.org/presentationml/2006/main" matchingName="Half Color Grey - Core Yellow 1">
-  <p:cSld name="TITLE_2_1_2_1_1">
-    <p:spTree>
-      <p:nvGrpSpPr>
-        <p:cNvPr id="1" name="Shape 380"/>
-        <p:cNvGrpSpPr/>
-        <p:nvPr/>
-      </p:nvGrpSpPr>
-      <p:grpSpPr>
-        <a:xfrm>
-          <a:off x="0" y="0"/>
-          <a:ext cx="0" cy="0"/>
-          <a:chOff x="0" y="0"/>
-          <a:chExt cx="0" cy="0"/>
-        </a:xfrm>
-      </p:grpSpPr>
-      <p:sp>
-        <p:nvSpPr>
-          <p:cNvPr id="381" name="Google Shape;381;p37"/>
-          <p:cNvSpPr/>
-          <p:nvPr/>
-        </p:nvSpPr>
-        <p:spPr>
-          <a:xfrm>
-            <a:off x="4554300" y="0"/>
-            <a:ext cx="4589700" cy="5143500"/>
-          </a:xfrm>
-          <a:prstGeom prst="rect">
-            <a:avLst/>
-          </a:prstGeom>
-          <a:solidFill>
-            <a:srgbClr val="F1F3F4"/>
-          </a:solidFill>
-          <a:ln>
-            <a:noFill/>
-          </a:ln>
-        </p:spPr>
-        <p:txBody>
-          <a:bodyPr spcFirstLastPara="1" wrap="square" lIns="91425" tIns="91425" rIns="91425" bIns="91425" anchor="ctr" anchorCtr="0">
-            <a:noAutofit/>
-          </a:bodyPr>
-          <a:lstStyle/>
-          <a:p>
-            <a:pPr marL="0" marR="0" lvl="0" indent="0" algn="l" rtl="0">
-              <a:lnSpc>
-                <a:spcPct val="100000"/>
-              </a:lnSpc>
-              <a:spcBef>
-                <a:spcPts val="0"/>
-              </a:spcBef>
-              <a:spcAft>
-                <a:spcPts val="0"/>
-              </a:spcAft>
-              <a:buClr>
-                <a:srgbClr val="000000"/>
-              </a:buClr>
-              <a:buSzPts val="1400"/>
-              <a:buFont typeface="Arial"/>
-              <a:buNone/>
-            </a:pPr>
-            <a:endParaRPr sz="1400" b="0" i="0" u="none" strike="noStrike" cap="none">
-              <a:solidFill>
-                <a:srgbClr val="000000"/>
-              </a:solidFill>
-              <a:latin typeface="Arial"/>
-              <a:ea typeface="Arial"/>
-              <a:cs typeface="Arial"/>
-              <a:sym typeface="Arial"/>
-            </a:endParaRPr>
-          </a:p>
-        </p:txBody>
-      </p:sp>
-      <p:sp>
-        <p:nvSpPr>
-          <p:cNvPr id="383" name="Google Shape;383;p37"/>
-          <p:cNvSpPr/>
-          <p:nvPr/>
-        </p:nvSpPr>
-        <p:spPr>
-          <a:xfrm>
-            <a:off x="-22468" y="235365"/>
-            <a:ext cx="57900" cy="4672800"/>
-          </a:xfrm>
-          <a:prstGeom prst="rect">
-            <a:avLst/>
-          </a:prstGeom>
-          <a:solidFill>
-            <a:srgbClr val="FBBC05"/>
-          </a:solidFill>
-          <a:ln>
-            <a:noFill/>
-          </a:ln>
-        </p:spPr>
-        <p:txBody>
-          <a:bodyPr spcFirstLastPara="1" wrap="square" lIns="19050" tIns="19050" rIns="19050" bIns="19050" anchor="ctr" anchorCtr="0">
-            <a:noAutofit/>
-          </a:bodyPr>
-          <a:lstStyle/>
-          <a:p>
-            <a:pPr marL="0" marR="0" lvl="0" indent="0" algn="ctr" rtl="0">
-              <a:lnSpc>
-                <a:spcPct val="100000"/>
-              </a:lnSpc>
-              <a:spcBef>
-                <a:spcPts val="0"/>
-              </a:spcBef>
-              <a:spcAft>
-                <a:spcPts val="0"/>
-              </a:spcAft>
-              <a:buClr>
-                <a:srgbClr val="519BF7"/>
-              </a:buClr>
-              <a:buSzPts val="1200"/>
-              <a:buFont typeface="Helvetica Neue Light"/>
-              <a:buNone/>
-            </a:pPr>
-            <a:endParaRPr sz="1200" b="0" i="0" u="none" strike="noStrike" cap="none">
-              <a:solidFill>
-                <a:srgbClr val="1D8E3E"/>
-              </a:solidFill>
-              <a:latin typeface="Helvetica Neue Light"/>
-              <a:ea typeface="Helvetica Neue Light"/>
-              <a:cs typeface="Helvetica Neue Light"/>
-              <a:sym typeface="Helvetica Neue Light"/>
-            </a:endParaRPr>
-          </a:p>
-        </p:txBody>
-      </p:sp>
-      <p:sp>
-        <p:nvSpPr>
-          <p:cNvPr id="384" name="Google Shape;384;p37"/>
-          <p:cNvSpPr txBox="1">
-            <a:spLocks noGrp="1"/>
-          </p:cNvSpPr>
-          <p:nvPr>
-            <p:ph type="body" idx="1"/>
-          </p:nvPr>
-        </p:nvSpPr>
-        <p:spPr>
-          <a:xfrm>
-            <a:off x="344501" y="2175900"/>
-            <a:ext cx="2976600" cy="2046300"/>
-          </a:xfrm>
-          <a:prstGeom prst="rect">
-            <a:avLst/>
-          </a:prstGeom>
-        </p:spPr>
-        <p:txBody>
-          <a:bodyPr spcFirstLastPara="1" wrap="square" lIns="91425" tIns="91425" rIns="91425" bIns="91425" anchor="t" anchorCtr="0">
-            <a:noAutofit/>
-          </a:bodyPr>
-          <a:lstStyle>
-            <a:lvl1pPr marL="457200" marR="0" lvl="0" indent="-285750" algn="l" rtl="0">
-              <a:lnSpc>
-                <a:spcPct val="260000"/>
-              </a:lnSpc>
-              <a:spcBef>
-                <a:spcPts val="0"/>
-              </a:spcBef>
-              <a:spcAft>
-                <a:spcPts val="0"/>
-              </a:spcAft>
-              <a:buSzPts val="900"/>
-              <a:buChar char="●"/>
-              <a:defRPr sz="1100">
-                <a:solidFill>
-                  <a:srgbClr val="5F6368"/>
-                </a:solidFill>
-              </a:defRPr>
-            </a:lvl1pPr>
-            <a:lvl2pPr marL="914400" marR="0" lvl="1" indent="-285750" algn="l" rtl="0">
-              <a:lnSpc>
-                <a:spcPct val="260000"/>
-              </a:lnSpc>
-              <a:spcBef>
-                <a:spcPts val="0"/>
-              </a:spcBef>
-              <a:spcAft>
-                <a:spcPts val="0"/>
-              </a:spcAft>
-              <a:buSzPts val="900"/>
-              <a:buChar char="○"/>
-              <a:defRPr sz="1100">
-                <a:solidFill>
-                  <a:srgbClr val="5F6368"/>
-                </a:solidFill>
-              </a:defRPr>
-            </a:lvl2pPr>
-            <a:lvl3pPr marL="1371600" lvl="2" indent="-298450" rtl="0">
-              <a:lnSpc>
-                <a:spcPct val="260000"/>
-              </a:lnSpc>
-              <a:spcBef>
-                <a:spcPts val="0"/>
-              </a:spcBef>
-              <a:spcAft>
-                <a:spcPts val="0"/>
-              </a:spcAft>
-              <a:buClr>
-                <a:srgbClr val="5F6368"/>
-              </a:buClr>
-              <a:buSzPts val="1100"/>
-              <a:buChar char="■"/>
-              <a:defRPr sz="1100">
-                <a:solidFill>
-                  <a:srgbClr val="5F6368"/>
-                </a:solidFill>
-              </a:defRPr>
-            </a:lvl3pPr>
-            <a:lvl4pPr marL="1828800" lvl="3" indent="-298450" rtl="0">
-              <a:lnSpc>
-                <a:spcPct val="260000"/>
-              </a:lnSpc>
-              <a:spcBef>
-                <a:spcPts val="0"/>
-              </a:spcBef>
-              <a:spcAft>
-                <a:spcPts val="0"/>
-              </a:spcAft>
-              <a:buClr>
-                <a:srgbClr val="5F6368"/>
-              </a:buClr>
-              <a:buSzPts val="1100"/>
-              <a:buChar char="●"/>
-              <a:defRPr sz="1100">
-                <a:solidFill>
-                  <a:srgbClr val="5F6368"/>
-                </a:solidFill>
-              </a:defRPr>
-            </a:lvl4pPr>
-            <a:lvl5pPr marL="2286000" lvl="4" indent="-298450" rtl="0">
-              <a:lnSpc>
-                <a:spcPct val="260000"/>
-              </a:lnSpc>
-              <a:spcBef>
-                <a:spcPts val="0"/>
-              </a:spcBef>
-              <a:spcAft>
-                <a:spcPts val="0"/>
-              </a:spcAft>
-              <a:buClr>
-                <a:srgbClr val="5F6368"/>
-              </a:buClr>
-              <a:buSzPts val="1100"/>
-              <a:buChar char="○"/>
-              <a:defRPr sz="1100">
-                <a:solidFill>
-                  <a:srgbClr val="5F6368"/>
-                </a:solidFill>
-              </a:defRPr>
-            </a:lvl5pPr>
-            <a:lvl6pPr marL="2743200" lvl="5" indent="-298450" rtl="0">
-              <a:lnSpc>
-                <a:spcPct val="260000"/>
-              </a:lnSpc>
-              <a:spcBef>
-                <a:spcPts val="0"/>
-              </a:spcBef>
-              <a:spcAft>
-                <a:spcPts val="0"/>
-              </a:spcAft>
-              <a:buClr>
-                <a:srgbClr val="5F6368"/>
-              </a:buClr>
-              <a:buSzPts val="1100"/>
-              <a:buChar char="■"/>
-              <a:defRPr sz="1100">
-                <a:solidFill>
-                  <a:srgbClr val="5F6368"/>
-                </a:solidFill>
-              </a:defRPr>
-            </a:lvl6pPr>
-            <a:lvl7pPr marL="3200400" lvl="6" indent="-298450" rtl="0">
-              <a:lnSpc>
-                <a:spcPct val="260000"/>
-              </a:lnSpc>
-              <a:spcBef>
-                <a:spcPts val="0"/>
-              </a:spcBef>
-              <a:spcAft>
-                <a:spcPts val="0"/>
-              </a:spcAft>
-              <a:buClr>
-                <a:srgbClr val="5F6368"/>
-              </a:buClr>
-              <a:buSzPts val="1100"/>
-              <a:buChar char="●"/>
-              <a:defRPr sz="1100">
-                <a:solidFill>
-                  <a:srgbClr val="5F6368"/>
-                </a:solidFill>
-              </a:defRPr>
-            </a:lvl7pPr>
-            <a:lvl8pPr marL="3657600" lvl="7" indent="-298450" rtl="0">
-              <a:lnSpc>
-                <a:spcPct val="260000"/>
-              </a:lnSpc>
-              <a:spcBef>
-                <a:spcPts val="0"/>
-              </a:spcBef>
-              <a:spcAft>
-                <a:spcPts val="0"/>
-              </a:spcAft>
-              <a:buClr>
-                <a:srgbClr val="5F6368"/>
-              </a:buClr>
-              <a:buSzPts val="1100"/>
-              <a:buChar char="○"/>
-              <a:defRPr sz="1100">
-                <a:solidFill>
-                  <a:srgbClr val="5F6368"/>
-                </a:solidFill>
-              </a:defRPr>
-            </a:lvl8pPr>
-            <a:lvl9pPr marL="4114800" lvl="8" indent="-298450" rtl="0">
-              <a:lnSpc>
-                <a:spcPct val="260000"/>
-              </a:lnSpc>
-              <a:spcBef>
-                <a:spcPts val="0"/>
-              </a:spcBef>
-              <a:spcAft>
-                <a:spcPts val="0"/>
-              </a:spcAft>
-              <a:buClr>
-                <a:srgbClr val="5F6368"/>
-              </a:buClr>
-              <a:buSzPts val="1100"/>
-              <a:buChar char="■"/>
-              <a:defRPr sz="1100">
-                <a:solidFill>
-                  <a:srgbClr val="5F6368"/>
-                </a:solidFill>
-              </a:defRPr>
-            </a:lvl9pPr>
-          </a:lstStyle>
-          <a:p>
-            <a:endParaRPr/>
-          </a:p>
-        </p:txBody>
-      </p:sp>
-      <p:sp>
-        <p:nvSpPr>
-          <p:cNvPr id="385" name="Google Shape;385;p37"/>
-          <p:cNvSpPr txBox="1">
-            <a:spLocks noGrp="1"/>
-          </p:cNvSpPr>
-          <p:nvPr>
-            <p:ph type="title"/>
-          </p:nvPr>
-        </p:nvSpPr>
-        <p:spPr>
-          <a:xfrm>
-            <a:off x="344501" y="1365900"/>
-            <a:ext cx="3864600" cy="414300"/>
-          </a:xfrm>
-          <a:prstGeom prst="rect">
-            <a:avLst/>
-          </a:prstGeom>
-        </p:spPr>
-        <p:txBody>
-          <a:bodyPr spcFirstLastPara="1" wrap="square" lIns="91425" tIns="91425" rIns="91425" bIns="91425" anchor="t" anchorCtr="0">
-            <a:noAutofit/>
-          </a:bodyPr>
-          <a:lstStyle>
-            <a:lvl1pPr marL="0" marR="0" lvl="0" indent="0" algn="l" rtl="0">
-              <a:lnSpc>
-                <a:spcPct val="90000"/>
-              </a:lnSpc>
-              <a:spcBef>
-                <a:spcPts val="0"/>
-              </a:spcBef>
-              <a:spcAft>
-                <a:spcPts val="0"/>
-              </a:spcAft>
-              <a:buClr>
-                <a:schemeClr val="dk1"/>
-              </a:buClr>
-              <a:buSzPts val="1100"/>
-              <a:buFont typeface="Arial"/>
-              <a:buNone/>
-              <a:defRPr/>
-            </a:lvl1pPr>
-            <a:lvl2pPr lvl="1" rtl="0">
-              <a:spcBef>
-                <a:spcPts val="0"/>
-              </a:spcBef>
-              <a:spcAft>
-                <a:spcPts val="0"/>
-              </a:spcAft>
-              <a:buNone/>
-              <a:defRPr/>
-            </a:lvl2pPr>
-            <a:lvl3pPr lvl="2" rtl="0">
-              <a:spcBef>
-                <a:spcPts val="0"/>
-              </a:spcBef>
-              <a:spcAft>
-                <a:spcPts val="0"/>
-              </a:spcAft>
-              <a:buNone/>
-              <a:defRPr/>
-            </a:lvl3pPr>
-            <a:lvl4pPr lvl="3" rtl="0">
-              <a:spcBef>
-                <a:spcPts val="0"/>
-              </a:spcBef>
-              <a:spcAft>
-                <a:spcPts val="0"/>
-              </a:spcAft>
-              <a:buNone/>
-              <a:defRPr/>
-            </a:lvl4pPr>
-            <a:lvl5pPr lvl="4" rtl="0">
-              <a:spcBef>
-                <a:spcPts val="0"/>
-              </a:spcBef>
-              <a:spcAft>
-                <a:spcPts val="0"/>
-              </a:spcAft>
-              <a:buNone/>
-              <a:defRPr/>
-            </a:lvl5pPr>
-            <a:lvl6pPr lvl="5" rtl="0">
-              <a:spcBef>
-                <a:spcPts val="0"/>
-              </a:spcBef>
-              <a:spcAft>
-                <a:spcPts val="0"/>
-              </a:spcAft>
-              <a:buNone/>
-              <a:defRPr/>
-            </a:lvl6pPr>
-            <a:lvl7pPr lvl="6" rtl="0">
-              <a:spcBef>
-                <a:spcPts val="0"/>
-              </a:spcBef>
-              <a:spcAft>
-                <a:spcPts val="0"/>
-              </a:spcAft>
-              <a:buNone/>
-              <a:defRPr/>
-            </a:lvl7pPr>
-            <a:lvl8pPr lvl="7" rtl="0">
-              <a:spcBef>
-                <a:spcPts val="0"/>
-              </a:spcBef>
-              <a:spcAft>
-                <a:spcPts val="0"/>
-              </a:spcAft>
-              <a:buNone/>
-              <a:defRPr/>
-            </a:lvl8pPr>
-            <a:lvl9pPr lvl="8" rtl="0">
-              <a:spcBef>
-                <a:spcPts val="0"/>
-              </a:spcBef>
-              <a:spcAft>
-                <a:spcPts val="0"/>
-              </a:spcAft>
-              <a:buNone/>
-              <a:defRPr/>
-            </a:lvl9pPr>
-          </a:lstStyle>
-          <a:p>
-            <a:endParaRPr/>
-          </a:p>
-        </p:txBody>
-      </p:sp>
-      <p:sp>
-        <p:nvSpPr>
-          <p:cNvPr id="386" name="Google Shape;386;p37"/>
-          <p:cNvSpPr txBox="1">
-            <a:spLocks noGrp="1"/>
-          </p:cNvSpPr>
-          <p:nvPr>
-            <p:ph type="body" idx="2"/>
-          </p:nvPr>
-        </p:nvSpPr>
-        <p:spPr>
-          <a:xfrm>
-            <a:off x="344501" y="4743625"/>
-            <a:ext cx="4345800" cy="375600"/>
-          </a:xfrm>
-          <a:prstGeom prst="rect">
-            <a:avLst/>
-          </a:prstGeom>
-        </p:spPr>
-        <p:txBody>
-          <a:bodyPr spcFirstLastPara="1" wrap="square" lIns="91425" tIns="91425" rIns="91425" bIns="91425" anchor="t" anchorCtr="0">
-            <a:noAutofit/>
-          </a:bodyPr>
-          <a:lstStyle>
-            <a:lvl1pPr marL="457200" marR="0" lvl="0" indent="-228600" algn="l" rtl="0">
-              <a:lnSpc>
-                <a:spcPct val="100000"/>
-              </a:lnSpc>
-              <a:spcBef>
-                <a:spcPts val="0"/>
-              </a:spcBef>
-              <a:spcAft>
-                <a:spcPts val="0"/>
-              </a:spcAft>
-              <a:buClr>
-                <a:srgbClr val="000000"/>
-              </a:buClr>
-              <a:buSzPts val="1100"/>
-              <a:buFont typeface="Arial"/>
-              <a:buNone/>
-              <a:defRPr sz="600">
-                <a:solidFill>
-                  <a:srgbClr val="D5D5D5"/>
-                </a:solidFill>
-              </a:defRPr>
-            </a:lvl1pPr>
-            <a:lvl2pPr marL="914400" marR="0" lvl="1" indent="-228600" algn="l" rtl="0">
-              <a:lnSpc>
-                <a:spcPct val="100000"/>
-              </a:lnSpc>
-              <a:spcBef>
-                <a:spcPts val="0"/>
-              </a:spcBef>
-              <a:spcAft>
-                <a:spcPts val="0"/>
-              </a:spcAft>
-              <a:buClr>
-                <a:srgbClr val="000000"/>
-              </a:buClr>
-              <a:buSzPts val="1100"/>
-              <a:buFont typeface="Arial"/>
-              <a:buNone/>
-              <a:defRPr sz="600">
-                <a:solidFill>
-                  <a:srgbClr val="D5D5D5"/>
-                </a:solidFill>
-              </a:defRPr>
-            </a:lvl2pPr>
-            <a:lvl3pPr marL="1371600" marR="0" lvl="2" indent="-228600" algn="l" rtl="0">
-              <a:lnSpc>
-                <a:spcPct val="100000"/>
-              </a:lnSpc>
-              <a:spcBef>
-                <a:spcPts val="0"/>
-              </a:spcBef>
-              <a:spcAft>
-                <a:spcPts val="0"/>
-              </a:spcAft>
-              <a:buClr>
-                <a:srgbClr val="000000"/>
-              </a:buClr>
-              <a:buSzPts val="1100"/>
-              <a:buFont typeface="Arial"/>
-              <a:buNone/>
-              <a:defRPr sz="600">
-                <a:solidFill>
-                  <a:srgbClr val="D5D5D5"/>
-                </a:solidFill>
-              </a:defRPr>
-            </a:lvl3pPr>
-            <a:lvl4pPr marL="1828800" marR="0" lvl="3" indent="-228600" algn="l" rtl="0">
-              <a:lnSpc>
-                <a:spcPct val="100000"/>
-              </a:lnSpc>
-              <a:spcBef>
-                <a:spcPts val="0"/>
-              </a:spcBef>
-              <a:spcAft>
-                <a:spcPts val="0"/>
-              </a:spcAft>
-              <a:buClr>
-                <a:srgbClr val="000000"/>
-              </a:buClr>
-              <a:buSzPts val="1100"/>
-              <a:buFont typeface="Arial"/>
-              <a:buNone/>
-              <a:defRPr sz="600">
-                <a:solidFill>
-                  <a:srgbClr val="D5D5D5"/>
-                </a:solidFill>
-              </a:defRPr>
-            </a:lvl4pPr>
-            <a:lvl5pPr marL="2286000" marR="0" lvl="4" indent="-228600" algn="l" rtl="0">
-              <a:lnSpc>
-                <a:spcPct val="100000"/>
-              </a:lnSpc>
-              <a:spcBef>
-                <a:spcPts val="0"/>
-              </a:spcBef>
-              <a:spcAft>
-                <a:spcPts val="0"/>
-              </a:spcAft>
-              <a:buClr>
-                <a:srgbClr val="000000"/>
-              </a:buClr>
-              <a:buSzPts val="1100"/>
-              <a:buFont typeface="Arial"/>
-              <a:buNone/>
-              <a:defRPr sz="600">
-                <a:solidFill>
-                  <a:srgbClr val="D5D5D5"/>
-                </a:solidFill>
-              </a:defRPr>
-            </a:lvl5pPr>
-            <a:lvl6pPr marL="2743200" marR="0" lvl="5" indent="-228600" algn="l" rtl="0">
-              <a:lnSpc>
-                <a:spcPct val="100000"/>
-              </a:lnSpc>
-              <a:spcBef>
-                <a:spcPts val="0"/>
-              </a:spcBef>
-              <a:spcAft>
-                <a:spcPts val="0"/>
-              </a:spcAft>
-              <a:buClr>
-                <a:srgbClr val="000000"/>
-              </a:buClr>
-              <a:buSzPts val="1100"/>
-              <a:buFont typeface="Arial"/>
-              <a:buNone/>
-              <a:defRPr sz="600">
-                <a:solidFill>
-                  <a:srgbClr val="D5D5D5"/>
-                </a:solidFill>
-              </a:defRPr>
-            </a:lvl6pPr>
-            <a:lvl7pPr marL="3200400" marR="0" lvl="6" indent="-228600" algn="l" rtl="0">
-              <a:lnSpc>
-                <a:spcPct val="100000"/>
-              </a:lnSpc>
-              <a:spcBef>
-                <a:spcPts val="0"/>
-              </a:spcBef>
-              <a:spcAft>
-                <a:spcPts val="0"/>
-              </a:spcAft>
-              <a:buClr>
-                <a:srgbClr val="000000"/>
-              </a:buClr>
-              <a:buSzPts val="1100"/>
-              <a:buFont typeface="Arial"/>
-              <a:buNone/>
-              <a:defRPr sz="600">
-                <a:solidFill>
-                  <a:srgbClr val="D5D5D5"/>
-                </a:solidFill>
-              </a:defRPr>
-            </a:lvl7pPr>
-            <a:lvl8pPr marL="3657600" marR="0" lvl="7" indent="-228600" algn="l" rtl="0">
-              <a:lnSpc>
-                <a:spcPct val="100000"/>
-              </a:lnSpc>
-              <a:spcBef>
-                <a:spcPts val="0"/>
-              </a:spcBef>
-              <a:spcAft>
-                <a:spcPts val="0"/>
-              </a:spcAft>
-              <a:buClr>
-                <a:srgbClr val="000000"/>
-              </a:buClr>
-              <a:buSzPts val="1100"/>
-              <a:buFont typeface="Arial"/>
-              <a:buNone/>
-              <a:defRPr sz="600">
-                <a:solidFill>
-                  <a:srgbClr val="D5D5D5"/>
-                </a:solidFill>
-              </a:defRPr>
-            </a:lvl8pPr>
-            <a:lvl9pPr marL="4114800" marR="0" lvl="8" indent="-228600" algn="l" rtl="0">
-              <a:lnSpc>
-                <a:spcPct val="100000"/>
-              </a:lnSpc>
-              <a:spcBef>
-                <a:spcPts val="0"/>
-              </a:spcBef>
-              <a:spcAft>
-                <a:spcPts val="0"/>
-              </a:spcAft>
-              <a:buClr>
-                <a:srgbClr val="000000"/>
-              </a:buClr>
-              <a:buSzPts val="1100"/>
-              <a:buFont typeface="Arial"/>
-              <a:buNone/>
-              <a:defRPr sz="600">
-                <a:solidFill>
-                  <a:srgbClr val="D5D5D5"/>
-                </a:solidFill>
-              </a:defRPr>
-            </a:lvl9pPr>
-          </a:lstStyle>
-          <a:p>
-            <a:endParaRPr/>
-          </a:p>
-        </p:txBody>
-      </p:sp>
-      <p:sp>
-        <p:nvSpPr>
-          <p:cNvPr id="2" name="Footer Placeholder 1">
-            <a:extLst>
-              <a:ext uri="{FF2B5EF4-FFF2-40B4-BE49-F238E27FC236}">
-                <a16:creationId xmlns:a16="http://schemas.microsoft.com/office/drawing/2014/main" id="{F47D86B8-6544-3592-1C29-F145B36579F0}"/>
-              </a:ext>
-            </a:extLst>
-          </p:cNvPr>
-          <p:cNvSpPr>
-            <a:spLocks noGrp="1"/>
-          </p:cNvSpPr>
-          <p:nvPr>
-            <p:ph type="ftr" sz="quarter" idx="10"/>
-          </p:nvPr>
-        </p:nvSpPr>
-        <p:spPr/>
-        <p:txBody>
-          <a:bodyPr/>
-          <a:lstStyle/>
-          <a:p>
-            <a:endParaRPr lang="fr-FR"/>
-          </a:p>
-        </p:txBody>
-      </p:sp>
-      <p:sp>
-        <p:nvSpPr>
-          <p:cNvPr id="4" name="Slide Number Placeholder 2">
-            <a:extLst>
-              <a:ext uri="{FF2B5EF4-FFF2-40B4-BE49-F238E27FC236}">
-                <a16:creationId xmlns:a16="http://schemas.microsoft.com/office/drawing/2014/main" id="{763FFBE8-9943-C64A-C7F2-8B9BB1BD3852}"/>
               </a:ext>
             </a:extLst>
           </p:cNvPr>
@@ -9314,6 +9549,784 @@
 </file>
 
 <file path=ppt/slideLayouts/slideLayout20.xml><?xml version="1.0" encoding="utf-8"?>
+<p:sldLayout xmlns:a="http://schemas.openxmlformats.org/drawingml/2006/main" xmlns:r="http://schemas.openxmlformats.org/officeDocument/2006/relationships" xmlns:p="http://schemas.openxmlformats.org/presentationml/2006/main" matchingName="Half Color Grey - Core Yellow 1">
+  <p:cSld name="TITLE_2_1_2_1_1">
+    <p:spTree>
+      <p:nvGrpSpPr>
+        <p:cNvPr id="1" name="Shape 380"/>
+        <p:cNvGrpSpPr/>
+        <p:nvPr/>
+      </p:nvGrpSpPr>
+      <p:grpSpPr>
+        <a:xfrm>
+          <a:off x="0" y="0"/>
+          <a:ext cx="0" cy="0"/>
+          <a:chOff x="0" y="0"/>
+          <a:chExt cx="0" cy="0"/>
+        </a:xfrm>
+      </p:grpSpPr>
+      <p:sp>
+        <p:nvSpPr>
+          <p:cNvPr id="381" name="Google Shape;381;p37"/>
+          <p:cNvSpPr/>
+          <p:nvPr/>
+        </p:nvSpPr>
+        <p:spPr>
+          <a:xfrm>
+            <a:off x="4554300" y="0"/>
+            <a:ext cx="4589700" cy="5143500"/>
+          </a:xfrm>
+          <a:prstGeom prst="rect">
+            <a:avLst/>
+          </a:prstGeom>
+          <a:solidFill>
+            <a:srgbClr val="F1F3F4"/>
+          </a:solidFill>
+          <a:ln>
+            <a:noFill/>
+          </a:ln>
+        </p:spPr>
+        <p:txBody>
+          <a:bodyPr spcFirstLastPara="1" wrap="square" lIns="91425" tIns="91425" rIns="91425" bIns="91425" anchor="ctr" anchorCtr="0">
+            <a:noAutofit/>
+          </a:bodyPr>
+          <a:lstStyle/>
+          <a:p>
+            <a:pPr marL="0" marR="0" lvl="0" indent="0" algn="l" rtl="0">
+              <a:lnSpc>
+                <a:spcPct val="100000"/>
+              </a:lnSpc>
+              <a:spcBef>
+                <a:spcPts val="0"/>
+              </a:spcBef>
+              <a:spcAft>
+                <a:spcPts val="0"/>
+              </a:spcAft>
+              <a:buClr>
+                <a:srgbClr val="000000"/>
+              </a:buClr>
+              <a:buSzPts val="1400"/>
+              <a:buFont typeface="Arial"/>
+              <a:buNone/>
+            </a:pPr>
+            <a:endParaRPr sz="1400" b="0" i="0" u="none" strike="noStrike" cap="none">
+              <a:solidFill>
+                <a:srgbClr val="000000"/>
+              </a:solidFill>
+              <a:latin typeface="Arial"/>
+              <a:ea typeface="Arial"/>
+              <a:cs typeface="Arial"/>
+              <a:sym typeface="Arial"/>
+            </a:endParaRPr>
+          </a:p>
+        </p:txBody>
+      </p:sp>
+      <p:sp>
+        <p:nvSpPr>
+          <p:cNvPr id="383" name="Google Shape;383;p37"/>
+          <p:cNvSpPr/>
+          <p:nvPr/>
+        </p:nvSpPr>
+        <p:spPr>
+          <a:xfrm>
+            <a:off x="-22468" y="235365"/>
+            <a:ext cx="57900" cy="4672800"/>
+          </a:xfrm>
+          <a:prstGeom prst="rect">
+            <a:avLst/>
+          </a:prstGeom>
+          <a:solidFill>
+            <a:srgbClr val="FBBC05"/>
+          </a:solidFill>
+          <a:ln>
+            <a:noFill/>
+          </a:ln>
+        </p:spPr>
+        <p:txBody>
+          <a:bodyPr spcFirstLastPara="1" wrap="square" lIns="19050" tIns="19050" rIns="19050" bIns="19050" anchor="ctr" anchorCtr="0">
+            <a:noAutofit/>
+          </a:bodyPr>
+          <a:lstStyle/>
+          <a:p>
+            <a:pPr marL="0" marR="0" lvl="0" indent="0" algn="ctr" rtl="0">
+              <a:lnSpc>
+                <a:spcPct val="100000"/>
+              </a:lnSpc>
+              <a:spcBef>
+                <a:spcPts val="0"/>
+              </a:spcBef>
+              <a:spcAft>
+                <a:spcPts val="0"/>
+              </a:spcAft>
+              <a:buClr>
+                <a:srgbClr val="519BF7"/>
+              </a:buClr>
+              <a:buSzPts val="1200"/>
+              <a:buFont typeface="Helvetica Neue Light"/>
+              <a:buNone/>
+            </a:pPr>
+            <a:endParaRPr sz="1200" b="0" i="0" u="none" strike="noStrike" cap="none">
+              <a:solidFill>
+                <a:srgbClr val="1D8E3E"/>
+              </a:solidFill>
+              <a:latin typeface="Helvetica Neue Light"/>
+              <a:ea typeface="Helvetica Neue Light"/>
+              <a:cs typeface="Helvetica Neue Light"/>
+              <a:sym typeface="Helvetica Neue Light"/>
+            </a:endParaRPr>
+          </a:p>
+        </p:txBody>
+      </p:sp>
+      <p:sp>
+        <p:nvSpPr>
+          <p:cNvPr id="384" name="Google Shape;384;p37"/>
+          <p:cNvSpPr txBox="1">
+            <a:spLocks noGrp="1"/>
+          </p:cNvSpPr>
+          <p:nvPr>
+            <p:ph type="body" idx="1"/>
+          </p:nvPr>
+        </p:nvSpPr>
+        <p:spPr>
+          <a:xfrm>
+            <a:off x="344501" y="2175900"/>
+            <a:ext cx="2976600" cy="2046300"/>
+          </a:xfrm>
+          <a:prstGeom prst="rect">
+            <a:avLst/>
+          </a:prstGeom>
+        </p:spPr>
+        <p:txBody>
+          <a:bodyPr spcFirstLastPara="1" wrap="square" lIns="91425" tIns="91425" rIns="91425" bIns="91425" anchor="t" anchorCtr="0">
+            <a:noAutofit/>
+          </a:bodyPr>
+          <a:lstStyle>
+            <a:lvl1pPr marL="457200" marR="0" lvl="0" indent="-285750" algn="l" rtl="0">
+              <a:lnSpc>
+                <a:spcPct val="260000"/>
+              </a:lnSpc>
+              <a:spcBef>
+                <a:spcPts val="0"/>
+              </a:spcBef>
+              <a:spcAft>
+                <a:spcPts val="0"/>
+              </a:spcAft>
+              <a:buSzPts val="900"/>
+              <a:buChar char="●"/>
+              <a:defRPr sz="1100">
+                <a:solidFill>
+                  <a:srgbClr val="5F6368"/>
+                </a:solidFill>
+              </a:defRPr>
+            </a:lvl1pPr>
+            <a:lvl2pPr marL="914400" marR="0" lvl="1" indent="-285750" algn="l" rtl="0">
+              <a:lnSpc>
+                <a:spcPct val="260000"/>
+              </a:lnSpc>
+              <a:spcBef>
+                <a:spcPts val="0"/>
+              </a:spcBef>
+              <a:spcAft>
+                <a:spcPts val="0"/>
+              </a:spcAft>
+              <a:buSzPts val="900"/>
+              <a:buChar char="○"/>
+              <a:defRPr sz="1100">
+                <a:solidFill>
+                  <a:srgbClr val="5F6368"/>
+                </a:solidFill>
+              </a:defRPr>
+            </a:lvl2pPr>
+            <a:lvl3pPr marL="1371600" lvl="2" indent="-298450" rtl="0">
+              <a:lnSpc>
+                <a:spcPct val="260000"/>
+              </a:lnSpc>
+              <a:spcBef>
+                <a:spcPts val="0"/>
+              </a:spcBef>
+              <a:spcAft>
+                <a:spcPts val="0"/>
+              </a:spcAft>
+              <a:buClr>
+                <a:srgbClr val="5F6368"/>
+              </a:buClr>
+              <a:buSzPts val="1100"/>
+              <a:buChar char="■"/>
+              <a:defRPr sz="1100">
+                <a:solidFill>
+                  <a:srgbClr val="5F6368"/>
+                </a:solidFill>
+              </a:defRPr>
+            </a:lvl3pPr>
+            <a:lvl4pPr marL="1828800" lvl="3" indent="-298450" rtl="0">
+              <a:lnSpc>
+                <a:spcPct val="260000"/>
+              </a:lnSpc>
+              <a:spcBef>
+                <a:spcPts val="0"/>
+              </a:spcBef>
+              <a:spcAft>
+                <a:spcPts val="0"/>
+              </a:spcAft>
+              <a:buClr>
+                <a:srgbClr val="5F6368"/>
+              </a:buClr>
+              <a:buSzPts val="1100"/>
+              <a:buChar char="●"/>
+              <a:defRPr sz="1100">
+                <a:solidFill>
+                  <a:srgbClr val="5F6368"/>
+                </a:solidFill>
+              </a:defRPr>
+            </a:lvl4pPr>
+            <a:lvl5pPr marL="2286000" lvl="4" indent="-298450" rtl="0">
+              <a:lnSpc>
+                <a:spcPct val="260000"/>
+              </a:lnSpc>
+              <a:spcBef>
+                <a:spcPts val="0"/>
+              </a:spcBef>
+              <a:spcAft>
+                <a:spcPts val="0"/>
+              </a:spcAft>
+              <a:buClr>
+                <a:srgbClr val="5F6368"/>
+              </a:buClr>
+              <a:buSzPts val="1100"/>
+              <a:buChar char="○"/>
+              <a:defRPr sz="1100">
+                <a:solidFill>
+                  <a:srgbClr val="5F6368"/>
+                </a:solidFill>
+              </a:defRPr>
+            </a:lvl5pPr>
+            <a:lvl6pPr marL="2743200" lvl="5" indent="-298450" rtl="0">
+              <a:lnSpc>
+                <a:spcPct val="260000"/>
+              </a:lnSpc>
+              <a:spcBef>
+                <a:spcPts val="0"/>
+              </a:spcBef>
+              <a:spcAft>
+                <a:spcPts val="0"/>
+              </a:spcAft>
+              <a:buClr>
+                <a:srgbClr val="5F6368"/>
+              </a:buClr>
+              <a:buSzPts val="1100"/>
+              <a:buChar char="■"/>
+              <a:defRPr sz="1100">
+                <a:solidFill>
+                  <a:srgbClr val="5F6368"/>
+                </a:solidFill>
+              </a:defRPr>
+            </a:lvl6pPr>
+            <a:lvl7pPr marL="3200400" lvl="6" indent="-298450" rtl="0">
+              <a:lnSpc>
+                <a:spcPct val="260000"/>
+              </a:lnSpc>
+              <a:spcBef>
+                <a:spcPts val="0"/>
+              </a:spcBef>
+              <a:spcAft>
+                <a:spcPts val="0"/>
+              </a:spcAft>
+              <a:buClr>
+                <a:srgbClr val="5F6368"/>
+              </a:buClr>
+              <a:buSzPts val="1100"/>
+              <a:buChar char="●"/>
+              <a:defRPr sz="1100">
+                <a:solidFill>
+                  <a:srgbClr val="5F6368"/>
+                </a:solidFill>
+              </a:defRPr>
+            </a:lvl7pPr>
+            <a:lvl8pPr marL="3657600" lvl="7" indent="-298450" rtl="0">
+              <a:lnSpc>
+                <a:spcPct val="260000"/>
+              </a:lnSpc>
+              <a:spcBef>
+                <a:spcPts val="0"/>
+              </a:spcBef>
+              <a:spcAft>
+                <a:spcPts val="0"/>
+              </a:spcAft>
+              <a:buClr>
+                <a:srgbClr val="5F6368"/>
+              </a:buClr>
+              <a:buSzPts val="1100"/>
+              <a:buChar char="○"/>
+              <a:defRPr sz="1100">
+                <a:solidFill>
+                  <a:srgbClr val="5F6368"/>
+                </a:solidFill>
+              </a:defRPr>
+            </a:lvl8pPr>
+            <a:lvl9pPr marL="4114800" lvl="8" indent="-298450" rtl="0">
+              <a:lnSpc>
+                <a:spcPct val="260000"/>
+              </a:lnSpc>
+              <a:spcBef>
+                <a:spcPts val="0"/>
+              </a:spcBef>
+              <a:spcAft>
+                <a:spcPts val="0"/>
+              </a:spcAft>
+              <a:buClr>
+                <a:srgbClr val="5F6368"/>
+              </a:buClr>
+              <a:buSzPts val="1100"/>
+              <a:buChar char="■"/>
+              <a:defRPr sz="1100">
+                <a:solidFill>
+                  <a:srgbClr val="5F6368"/>
+                </a:solidFill>
+              </a:defRPr>
+            </a:lvl9pPr>
+          </a:lstStyle>
+          <a:p>
+            <a:endParaRPr/>
+          </a:p>
+        </p:txBody>
+      </p:sp>
+      <p:sp>
+        <p:nvSpPr>
+          <p:cNvPr id="385" name="Google Shape;385;p37"/>
+          <p:cNvSpPr txBox="1">
+            <a:spLocks noGrp="1"/>
+          </p:cNvSpPr>
+          <p:nvPr>
+            <p:ph type="title"/>
+          </p:nvPr>
+        </p:nvSpPr>
+        <p:spPr>
+          <a:xfrm>
+            <a:off x="344501" y="1365900"/>
+            <a:ext cx="3864600" cy="414300"/>
+          </a:xfrm>
+          <a:prstGeom prst="rect">
+            <a:avLst/>
+          </a:prstGeom>
+        </p:spPr>
+        <p:txBody>
+          <a:bodyPr spcFirstLastPara="1" wrap="square" lIns="91425" tIns="91425" rIns="91425" bIns="91425" anchor="t" anchorCtr="0">
+            <a:noAutofit/>
+          </a:bodyPr>
+          <a:lstStyle>
+            <a:lvl1pPr marL="0" marR="0" lvl="0" indent="0" algn="l" rtl="0">
+              <a:lnSpc>
+                <a:spcPct val="90000"/>
+              </a:lnSpc>
+              <a:spcBef>
+                <a:spcPts val="0"/>
+              </a:spcBef>
+              <a:spcAft>
+                <a:spcPts val="0"/>
+              </a:spcAft>
+              <a:buClr>
+                <a:schemeClr val="dk1"/>
+              </a:buClr>
+              <a:buSzPts val="1100"/>
+              <a:buFont typeface="Arial"/>
+              <a:buNone/>
+              <a:defRPr/>
+            </a:lvl1pPr>
+            <a:lvl2pPr lvl="1" rtl="0">
+              <a:spcBef>
+                <a:spcPts val="0"/>
+              </a:spcBef>
+              <a:spcAft>
+                <a:spcPts val="0"/>
+              </a:spcAft>
+              <a:buNone/>
+              <a:defRPr/>
+            </a:lvl2pPr>
+            <a:lvl3pPr lvl="2" rtl="0">
+              <a:spcBef>
+                <a:spcPts val="0"/>
+              </a:spcBef>
+              <a:spcAft>
+                <a:spcPts val="0"/>
+              </a:spcAft>
+              <a:buNone/>
+              <a:defRPr/>
+            </a:lvl3pPr>
+            <a:lvl4pPr lvl="3" rtl="0">
+              <a:spcBef>
+                <a:spcPts val="0"/>
+              </a:spcBef>
+              <a:spcAft>
+                <a:spcPts val="0"/>
+              </a:spcAft>
+              <a:buNone/>
+              <a:defRPr/>
+            </a:lvl4pPr>
+            <a:lvl5pPr lvl="4" rtl="0">
+              <a:spcBef>
+                <a:spcPts val="0"/>
+              </a:spcBef>
+              <a:spcAft>
+                <a:spcPts val="0"/>
+              </a:spcAft>
+              <a:buNone/>
+              <a:defRPr/>
+            </a:lvl5pPr>
+            <a:lvl6pPr lvl="5" rtl="0">
+              <a:spcBef>
+                <a:spcPts val="0"/>
+              </a:spcBef>
+              <a:spcAft>
+                <a:spcPts val="0"/>
+              </a:spcAft>
+              <a:buNone/>
+              <a:defRPr/>
+            </a:lvl6pPr>
+            <a:lvl7pPr lvl="6" rtl="0">
+              <a:spcBef>
+                <a:spcPts val="0"/>
+              </a:spcBef>
+              <a:spcAft>
+                <a:spcPts val="0"/>
+              </a:spcAft>
+              <a:buNone/>
+              <a:defRPr/>
+            </a:lvl7pPr>
+            <a:lvl8pPr lvl="7" rtl="0">
+              <a:spcBef>
+                <a:spcPts val="0"/>
+              </a:spcBef>
+              <a:spcAft>
+                <a:spcPts val="0"/>
+              </a:spcAft>
+              <a:buNone/>
+              <a:defRPr/>
+            </a:lvl8pPr>
+            <a:lvl9pPr lvl="8" rtl="0">
+              <a:spcBef>
+                <a:spcPts val="0"/>
+              </a:spcBef>
+              <a:spcAft>
+                <a:spcPts val="0"/>
+              </a:spcAft>
+              <a:buNone/>
+              <a:defRPr/>
+            </a:lvl9pPr>
+          </a:lstStyle>
+          <a:p>
+            <a:endParaRPr/>
+          </a:p>
+        </p:txBody>
+      </p:sp>
+      <p:sp>
+        <p:nvSpPr>
+          <p:cNvPr id="386" name="Google Shape;386;p37"/>
+          <p:cNvSpPr txBox="1">
+            <a:spLocks noGrp="1"/>
+          </p:cNvSpPr>
+          <p:nvPr>
+            <p:ph type="body" idx="2"/>
+          </p:nvPr>
+        </p:nvSpPr>
+        <p:spPr>
+          <a:xfrm>
+            <a:off x="344501" y="4743625"/>
+            <a:ext cx="4345800" cy="375600"/>
+          </a:xfrm>
+          <a:prstGeom prst="rect">
+            <a:avLst/>
+          </a:prstGeom>
+        </p:spPr>
+        <p:txBody>
+          <a:bodyPr spcFirstLastPara="1" wrap="square" lIns="91425" tIns="91425" rIns="91425" bIns="91425" anchor="t" anchorCtr="0">
+            <a:noAutofit/>
+          </a:bodyPr>
+          <a:lstStyle>
+            <a:lvl1pPr marL="457200" marR="0" lvl="0" indent="-228600" algn="l" rtl="0">
+              <a:lnSpc>
+                <a:spcPct val="100000"/>
+              </a:lnSpc>
+              <a:spcBef>
+                <a:spcPts val="0"/>
+              </a:spcBef>
+              <a:spcAft>
+                <a:spcPts val="0"/>
+              </a:spcAft>
+              <a:buClr>
+                <a:srgbClr val="000000"/>
+              </a:buClr>
+              <a:buSzPts val="1100"/>
+              <a:buFont typeface="Arial"/>
+              <a:buNone/>
+              <a:defRPr sz="600">
+                <a:solidFill>
+                  <a:srgbClr val="D5D5D5"/>
+                </a:solidFill>
+              </a:defRPr>
+            </a:lvl1pPr>
+            <a:lvl2pPr marL="914400" marR="0" lvl="1" indent="-228600" algn="l" rtl="0">
+              <a:lnSpc>
+                <a:spcPct val="100000"/>
+              </a:lnSpc>
+              <a:spcBef>
+                <a:spcPts val="0"/>
+              </a:spcBef>
+              <a:spcAft>
+                <a:spcPts val="0"/>
+              </a:spcAft>
+              <a:buClr>
+                <a:srgbClr val="000000"/>
+              </a:buClr>
+              <a:buSzPts val="1100"/>
+              <a:buFont typeface="Arial"/>
+              <a:buNone/>
+              <a:defRPr sz="600">
+                <a:solidFill>
+                  <a:srgbClr val="D5D5D5"/>
+                </a:solidFill>
+              </a:defRPr>
+            </a:lvl2pPr>
+            <a:lvl3pPr marL="1371600" marR="0" lvl="2" indent="-228600" algn="l" rtl="0">
+              <a:lnSpc>
+                <a:spcPct val="100000"/>
+              </a:lnSpc>
+              <a:spcBef>
+                <a:spcPts val="0"/>
+              </a:spcBef>
+              <a:spcAft>
+                <a:spcPts val="0"/>
+              </a:spcAft>
+              <a:buClr>
+                <a:srgbClr val="000000"/>
+              </a:buClr>
+              <a:buSzPts val="1100"/>
+              <a:buFont typeface="Arial"/>
+              <a:buNone/>
+              <a:defRPr sz="600">
+                <a:solidFill>
+                  <a:srgbClr val="D5D5D5"/>
+                </a:solidFill>
+              </a:defRPr>
+            </a:lvl3pPr>
+            <a:lvl4pPr marL="1828800" marR="0" lvl="3" indent="-228600" algn="l" rtl="0">
+              <a:lnSpc>
+                <a:spcPct val="100000"/>
+              </a:lnSpc>
+              <a:spcBef>
+                <a:spcPts val="0"/>
+              </a:spcBef>
+              <a:spcAft>
+                <a:spcPts val="0"/>
+              </a:spcAft>
+              <a:buClr>
+                <a:srgbClr val="000000"/>
+              </a:buClr>
+              <a:buSzPts val="1100"/>
+              <a:buFont typeface="Arial"/>
+              <a:buNone/>
+              <a:defRPr sz="600">
+                <a:solidFill>
+                  <a:srgbClr val="D5D5D5"/>
+                </a:solidFill>
+              </a:defRPr>
+            </a:lvl4pPr>
+            <a:lvl5pPr marL="2286000" marR="0" lvl="4" indent="-228600" algn="l" rtl="0">
+              <a:lnSpc>
+                <a:spcPct val="100000"/>
+              </a:lnSpc>
+              <a:spcBef>
+                <a:spcPts val="0"/>
+              </a:spcBef>
+              <a:spcAft>
+                <a:spcPts val="0"/>
+              </a:spcAft>
+              <a:buClr>
+                <a:srgbClr val="000000"/>
+              </a:buClr>
+              <a:buSzPts val="1100"/>
+              <a:buFont typeface="Arial"/>
+              <a:buNone/>
+              <a:defRPr sz="600">
+                <a:solidFill>
+                  <a:srgbClr val="D5D5D5"/>
+                </a:solidFill>
+              </a:defRPr>
+            </a:lvl5pPr>
+            <a:lvl6pPr marL="2743200" marR="0" lvl="5" indent="-228600" algn="l" rtl="0">
+              <a:lnSpc>
+                <a:spcPct val="100000"/>
+              </a:lnSpc>
+              <a:spcBef>
+                <a:spcPts val="0"/>
+              </a:spcBef>
+              <a:spcAft>
+                <a:spcPts val="0"/>
+              </a:spcAft>
+              <a:buClr>
+                <a:srgbClr val="000000"/>
+              </a:buClr>
+              <a:buSzPts val="1100"/>
+              <a:buFont typeface="Arial"/>
+              <a:buNone/>
+              <a:defRPr sz="600">
+                <a:solidFill>
+                  <a:srgbClr val="D5D5D5"/>
+                </a:solidFill>
+              </a:defRPr>
+            </a:lvl6pPr>
+            <a:lvl7pPr marL="3200400" marR="0" lvl="6" indent="-228600" algn="l" rtl="0">
+              <a:lnSpc>
+                <a:spcPct val="100000"/>
+              </a:lnSpc>
+              <a:spcBef>
+                <a:spcPts val="0"/>
+              </a:spcBef>
+              <a:spcAft>
+                <a:spcPts val="0"/>
+              </a:spcAft>
+              <a:buClr>
+                <a:srgbClr val="000000"/>
+              </a:buClr>
+              <a:buSzPts val="1100"/>
+              <a:buFont typeface="Arial"/>
+              <a:buNone/>
+              <a:defRPr sz="600">
+                <a:solidFill>
+                  <a:srgbClr val="D5D5D5"/>
+                </a:solidFill>
+              </a:defRPr>
+            </a:lvl7pPr>
+            <a:lvl8pPr marL="3657600" marR="0" lvl="7" indent="-228600" algn="l" rtl="0">
+              <a:lnSpc>
+                <a:spcPct val="100000"/>
+              </a:lnSpc>
+              <a:spcBef>
+                <a:spcPts val="0"/>
+              </a:spcBef>
+              <a:spcAft>
+                <a:spcPts val="0"/>
+              </a:spcAft>
+              <a:buClr>
+                <a:srgbClr val="000000"/>
+              </a:buClr>
+              <a:buSzPts val="1100"/>
+              <a:buFont typeface="Arial"/>
+              <a:buNone/>
+              <a:defRPr sz="600">
+                <a:solidFill>
+                  <a:srgbClr val="D5D5D5"/>
+                </a:solidFill>
+              </a:defRPr>
+            </a:lvl8pPr>
+            <a:lvl9pPr marL="4114800" marR="0" lvl="8" indent="-228600" algn="l" rtl="0">
+              <a:lnSpc>
+                <a:spcPct val="100000"/>
+              </a:lnSpc>
+              <a:spcBef>
+                <a:spcPts val="0"/>
+              </a:spcBef>
+              <a:spcAft>
+                <a:spcPts val="0"/>
+              </a:spcAft>
+              <a:buClr>
+                <a:srgbClr val="000000"/>
+              </a:buClr>
+              <a:buSzPts val="1100"/>
+              <a:buFont typeface="Arial"/>
+              <a:buNone/>
+              <a:defRPr sz="600">
+                <a:solidFill>
+                  <a:srgbClr val="D5D5D5"/>
+                </a:solidFill>
+              </a:defRPr>
+            </a:lvl9pPr>
+          </a:lstStyle>
+          <a:p>
+            <a:endParaRPr/>
+          </a:p>
+        </p:txBody>
+      </p:sp>
+      <p:sp>
+        <p:nvSpPr>
+          <p:cNvPr id="2" name="Footer Placeholder 1">
+            <a:extLst>
+              <a:ext uri="{FF2B5EF4-FFF2-40B4-BE49-F238E27FC236}">
+                <a16:creationId xmlns:a16="http://schemas.microsoft.com/office/drawing/2014/main" id="{F47D86B8-6544-3592-1C29-F145B36579F0}"/>
+              </a:ext>
+            </a:extLst>
+          </p:cNvPr>
+          <p:cNvSpPr>
+            <a:spLocks noGrp="1"/>
+          </p:cNvSpPr>
+          <p:nvPr>
+            <p:ph type="ftr" sz="quarter" idx="10"/>
+          </p:nvPr>
+        </p:nvSpPr>
+        <p:spPr/>
+        <p:txBody>
+          <a:bodyPr/>
+          <a:lstStyle/>
+          <a:p>
+            <a:endParaRPr lang="fr-FR"/>
+          </a:p>
+        </p:txBody>
+      </p:sp>
+      <p:sp>
+        <p:nvSpPr>
+          <p:cNvPr id="4" name="Slide Number Placeholder 2">
+            <a:extLst>
+              <a:ext uri="{FF2B5EF4-FFF2-40B4-BE49-F238E27FC236}">
+                <a16:creationId xmlns:a16="http://schemas.microsoft.com/office/drawing/2014/main" id="{763FFBE8-9943-C64A-C7F2-8B9BB1BD3852}"/>
+              </a:ext>
+            </a:extLst>
+          </p:cNvPr>
+          <p:cNvSpPr>
+            <a:spLocks noGrp="1"/>
+          </p:cNvSpPr>
+          <p:nvPr>
+            <p:ph type="sldNum" sz="quarter" idx="4"/>
+          </p:nvPr>
+        </p:nvSpPr>
+        <p:spPr>
+          <a:xfrm>
+            <a:off x="7086600" y="4868863"/>
+            <a:ext cx="2057400" cy="274637"/>
+          </a:xfrm>
+          <a:prstGeom prst="rect">
+            <a:avLst/>
+          </a:prstGeom>
+        </p:spPr>
+        <p:txBody>
+          <a:bodyPr vert="horz" lIns="91440" tIns="45720" rIns="91440" bIns="45720" rtlCol="0" anchor="ctr"/>
+          <a:lstStyle>
+            <a:lvl1pPr algn="r">
+              <a:defRPr sz="1200">
+                <a:solidFill>
+                  <a:schemeClr val="tx1">
+                    <a:tint val="75000"/>
+                  </a:schemeClr>
+                </a:solidFill>
+              </a:defRPr>
+            </a:lvl1pPr>
+          </a:lstStyle>
+          <a:p>
+            <a:fld id="{0AB334C5-4133-42AC-9B57-CFFA02D8BE36}" type="slidenum">
+              <a:rPr lang="fr-FR" smtClean="0"/>
+              <a:t>‹#›</a:t>
+            </a:fld>
+            <a:endParaRPr lang="fr-FR"/>
+          </a:p>
+        </p:txBody>
+      </p:sp>
+    </p:spTree>
+  </p:cSld>
+  <p:clrMapOvr>
+    <a:masterClrMapping/>
+  </p:clrMapOvr>
+</p:sldLayout>
+</file>
+
+<file path=ppt/slideLayouts/slideLayout21.xml><?xml version="1.0" encoding="utf-8"?>
 <p:sldLayout xmlns:a="http://schemas.openxmlformats.org/drawingml/2006/main" xmlns:r="http://schemas.openxmlformats.org/officeDocument/2006/relationships" xmlns:p="http://schemas.openxmlformats.org/presentationml/2006/main" matchingName="Half Color Grey - Core Blue 1">
   <p:cSld name="TITLE_2_2_1_1">
     <p:spTree>
@@ -10091,7 +11104,7 @@
 </p:sldLayout>
 </file>
 
-<file path=ppt/slideLayouts/slideLayout21.xml><?xml version="1.0" encoding="utf-8"?>
+<file path=ppt/slideLayouts/slideLayout22.xml><?xml version="1.0" encoding="utf-8"?>
 <p:sldLayout xmlns:a="http://schemas.openxmlformats.org/drawingml/2006/main" xmlns:r="http://schemas.openxmlformats.org/officeDocument/2006/relationships" xmlns:p="http://schemas.openxmlformats.org/presentationml/2006/main" matchingName="Half Color Grey - Core Green 1">
   <p:cSld name="TITLE_2_1_1_2_1_1">
     <p:spTree>
@@ -10869,7 +11882,7 @@
 </p:sldLayout>
 </file>
 
-<file path=ppt/slideLayouts/slideLayout22.xml><?xml version="1.0" encoding="utf-8"?>
+<file path=ppt/slideLayouts/slideLayout23.xml><?xml version="1.0" encoding="utf-8"?>
 <p:sldLayout xmlns:a="http://schemas.openxmlformats.org/drawingml/2006/main" xmlns:r="http://schemas.openxmlformats.org/officeDocument/2006/relationships" xmlns:p="http://schemas.openxmlformats.org/presentationml/2006/main" matchingName="Half Color Grey - Core Red 1">
   <p:cSld name="TITLE_2_1_1_1_1_1_1">
     <p:spTree>
@@ -11960,6 +12973,218 @@
 </file>
 
 <file path=ppt/slideLayouts/slideLayout5.xml><?xml version="1.0" encoding="utf-8"?>
+<p:sldLayout xmlns:a="http://schemas.openxmlformats.org/drawingml/2006/main" xmlns:r="http://schemas.openxmlformats.org/officeDocument/2006/relationships" xmlns:p="http://schemas.openxmlformats.org/presentationml/2006/main" matchingName="Body Slide - Blue" preserve="1">
+  <p:cSld name="Body Slide - Green">
+    <p:spTree>
+      <p:nvGrpSpPr>
+        <p:cNvPr id="1" name="Shape 41"/>
+        <p:cNvGrpSpPr/>
+        <p:nvPr/>
+      </p:nvGrpSpPr>
+      <p:grpSpPr>
+        <a:xfrm>
+          <a:off x="0" y="0"/>
+          <a:ext cx="0" cy="0"/>
+          <a:chOff x="0" y="0"/>
+          <a:chExt cx="0" cy="0"/>
+        </a:xfrm>
+      </p:grpSpPr>
+      <p:sp>
+        <p:nvSpPr>
+          <p:cNvPr id="42" name="Google Shape;42;p6"/>
+          <p:cNvSpPr/>
+          <p:nvPr/>
+        </p:nvSpPr>
+        <p:spPr>
+          <a:xfrm>
+            <a:off x="426300" y="492975"/>
+            <a:ext cx="7797000" cy="414300"/>
+          </a:xfrm>
+          <a:prstGeom prst="rect">
+            <a:avLst/>
+          </a:prstGeom>
+          <a:noFill/>
+          <a:ln>
+            <a:noFill/>
+          </a:ln>
+        </p:spPr>
+        <p:txBody>
+          <a:bodyPr spcFirstLastPara="1" wrap="square" lIns="19050" tIns="19050" rIns="19050" bIns="19050" anchor="t" anchorCtr="0">
+            <a:noAutofit/>
+          </a:bodyPr>
+          <a:lstStyle/>
+          <a:p>
+            <a:pPr marL="0" marR="0" lvl="0" indent="0" algn="l" rtl="0">
+              <a:lnSpc>
+                <a:spcPct val="90000"/>
+              </a:lnSpc>
+              <a:spcBef>
+                <a:spcPts val="0"/>
+              </a:spcBef>
+              <a:spcAft>
+                <a:spcPts val="0"/>
+              </a:spcAft>
+              <a:buClr>
+                <a:schemeClr val="dk1"/>
+              </a:buClr>
+              <a:buSzPts val="1100"/>
+              <a:buFont typeface="Arial"/>
+              <a:buNone/>
+            </a:pPr>
+            <a:endParaRPr sz="2400" b="0" i="0" u="none" strike="noStrike" cap="none">
+              <a:solidFill>
+                <a:srgbClr val="3C4043"/>
+              </a:solidFill>
+              <a:latin typeface="Google Sans"/>
+              <a:ea typeface="Google Sans"/>
+              <a:cs typeface="Google Sans"/>
+              <a:sym typeface="Google Sans"/>
+            </a:endParaRPr>
+          </a:p>
+        </p:txBody>
+      </p:sp>
+      <p:sp>
+        <p:nvSpPr>
+          <p:cNvPr id="44" name="Google Shape;44;p6"/>
+          <p:cNvSpPr/>
+          <p:nvPr/>
+        </p:nvSpPr>
+        <p:spPr>
+          <a:xfrm>
+            <a:off x="-22468" y="235365"/>
+            <a:ext cx="57900" cy="4672800"/>
+          </a:xfrm>
+          <a:prstGeom prst="rect">
+            <a:avLst/>
+          </a:prstGeom>
+          <a:solidFill>
+            <a:srgbClr val="00B050"/>
+          </a:solidFill>
+          <a:ln>
+            <a:noFill/>
+          </a:ln>
+        </p:spPr>
+        <p:txBody>
+          <a:bodyPr spcFirstLastPara="1" wrap="square" lIns="19050" tIns="19050" rIns="19050" bIns="19050" anchor="ctr" anchorCtr="0">
+            <a:noAutofit/>
+          </a:bodyPr>
+          <a:lstStyle/>
+          <a:p>
+            <a:pPr marL="0" marR="0" lvl="0" indent="0" algn="ctr" rtl="0">
+              <a:lnSpc>
+                <a:spcPct val="100000"/>
+              </a:lnSpc>
+              <a:spcBef>
+                <a:spcPts val="0"/>
+              </a:spcBef>
+              <a:spcAft>
+                <a:spcPts val="0"/>
+              </a:spcAft>
+              <a:buClr>
+                <a:srgbClr val="519BF7"/>
+              </a:buClr>
+              <a:buSzPts val="1200"/>
+              <a:buFont typeface="Helvetica Neue Light"/>
+              <a:buNone/>
+            </a:pPr>
+            <a:endParaRPr sz="1200" b="0" i="0" u="none" strike="noStrike" cap="none">
+              <a:solidFill>
+                <a:srgbClr val="1D8E3E"/>
+              </a:solidFill>
+              <a:latin typeface="Helvetica Neue Light"/>
+              <a:ea typeface="Helvetica Neue Light"/>
+              <a:cs typeface="Helvetica Neue Light"/>
+              <a:sym typeface="Helvetica Neue Light"/>
+            </a:endParaRPr>
+          </a:p>
+        </p:txBody>
+      </p:sp>
+      <p:sp>
+        <p:nvSpPr>
+          <p:cNvPr id="2" name="Footer Placeholder 1">
+            <a:extLst>
+              <a:ext uri="{FF2B5EF4-FFF2-40B4-BE49-F238E27FC236}">
+                <a16:creationId xmlns:a16="http://schemas.microsoft.com/office/drawing/2014/main" id="{FCFDFDA8-4B97-8648-D679-4BD366B2075B}"/>
+              </a:ext>
+            </a:extLst>
+          </p:cNvPr>
+          <p:cNvSpPr>
+            <a:spLocks noGrp="1"/>
+          </p:cNvSpPr>
+          <p:nvPr>
+            <p:ph type="ftr" sz="quarter" idx="10"/>
+          </p:nvPr>
+        </p:nvSpPr>
+        <p:spPr/>
+        <p:txBody>
+          <a:bodyPr/>
+          <a:lstStyle/>
+          <a:p>
+            <a:endParaRPr lang="fr-FR"/>
+          </a:p>
+        </p:txBody>
+      </p:sp>
+      <p:sp>
+        <p:nvSpPr>
+          <p:cNvPr id="4" name="Slide Number Placeholder 2">
+            <a:extLst>
+              <a:ext uri="{FF2B5EF4-FFF2-40B4-BE49-F238E27FC236}">
+                <a16:creationId xmlns:a16="http://schemas.microsoft.com/office/drawing/2014/main" id="{29DA6EC4-932B-1557-FC08-DA019C9ED1B5}"/>
+              </a:ext>
+            </a:extLst>
+          </p:cNvPr>
+          <p:cNvSpPr>
+            <a:spLocks noGrp="1"/>
+          </p:cNvSpPr>
+          <p:nvPr>
+            <p:ph type="sldNum" sz="quarter" idx="4"/>
+          </p:nvPr>
+        </p:nvSpPr>
+        <p:spPr>
+          <a:xfrm>
+            <a:off x="7086600" y="4868863"/>
+            <a:ext cx="2057400" cy="274637"/>
+          </a:xfrm>
+          <a:prstGeom prst="rect">
+            <a:avLst/>
+          </a:prstGeom>
+        </p:spPr>
+        <p:txBody>
+          <a:bodyPr vert="horz" lIns="91440" tIns="45720" rIns="91440" bIns="45720" rtlCol="0" anchor="ctr"/>
+          <a:lstStyle>
+            <a:lvl1pPr algn="r">
+              <a:defRPr sz="1200">
+                <a:solidFill>
+                  <a:schemeClr val="tx1">
+                    <a:tint val="75000"/>
+                  </a:schemeClr>
+                </a:solidFill>
+              </a:defRPr>
+            </a:lvl1pPr>
+          </a:lstStyle>
+          <a:p>
+            <a:fld id="{0AB334C5-4133-42AC-9B57-CFFA02D8BE36}" type="slidenum">
+              <a:rPr lang="fr-FR" smtClean="0"/>
+              <a:t>‹#›</a:t>
+            </a:fld>
+            <a:endParaRPr lang="fr-FR"/>
+          </a:p>
+        </p:txBody>
+      </p:sp>
+    </p:spTree>
+    <p:extLst>
+      <p:ext uri="{BB962C8B-B14F-4D97-AF65-F5344CB8AC3E}">
+        <p14:creationId xmlns:p14="http://schemas.microsoft.com/office/powerpoint/2010/main" val="2868481789"/>
+      </p:ext>
+    </p:extLst>
+  </p:cSld>
+  <p:clrMapOvr>
+    <a:masterClrMapping/>
+  </p:clrMapOvr>
+</p:sldLayout>
+</file>
+
+<file path=ppt/slideLayouts/slideLayout6.xml><?xml version="1.0" encoding="utf-8"?>
 <p:sldLayout xmlns:a="http://schemas.openxmlformats.org/drawingml/2006/main" xmlns:r="http://schemas.openxmlformats.org/officeDocument/2006/relationships" xmlns:p="http://schemas.openxmlformats.org/presentationml/2006/main" matchingName="Body Slide - Basic Text - Blue">
   <p:cSld name="TITLE_2_3">
     <p:spTree>
@@ -12702,7 +13927,7 @@
 </p:sldLayout>
 </file>
 
-<file path=ppt/slideLayouts/slideLayout6.xml><?xml version="1.0" encoding="utf-8"?>
+<file path=ppt/slideLayouts/slideLayout7.xml><?xml version="1.0" encoding="utf-8"?>
 <p:sldLayout xmlns:a="http://schemas.openxmlformats.org/drawingml/2006/main" xmlns:r="http://schemas.openxmlformats.org/officeDocument/2006/relationships" xmlns:p="http://schemas.openxmlformats.org/presentationml/2006/main" matchingName="Divider - Core Yellow">
   <p:cSld name="CUSTOM_1">
     <p:spTree>
@@ -13149,7 +14374,7 @@
 </p:sldLayout>
 </file>
 
-<file path=ppt/slideLayouts/slideLayout7.xml><?xml version="1.0" encoding="utf-8"?>
+<file path=ppt/slideLayouts/slideLayout8.xml><?xml version="1.0" encoding="utf-8"?>
 <p:sldLayout xmlns:a="http://schemas.openxmlformats.org/drawingml/2006/main" xmlns:r="http://schemas.openxmlformats.org/officeDocument/2006/relationships" xmlns:p="http://schemas.openxmlformats.org/presentationml/2006/main" matchingName="Divider - Core Green">
   <p:cSld name="CUSTOM_1_1">
     <p:spTree>
@@ -13596,7 +14821,7 @@
 </p:sldLayout>
 </file>
 
-<file path=ppt/slideLayouts/slideLayout8.xml><?xml version="1.0" encoding="utf-8"?>
+<file path=ppt/slideLayouts/slideLayout9.xml><?xml version="1.0" encoding="utf-8"?>
 <p:sldLayout xmlns:a="http://schemas.openxmlformats.org/drawingml/2006/main" xmlns:r="http://schemas.openxmlformats.org/officeDocument/2006/relationships" xmlns:p="http://schemas.openxmlformats.org/presentationml/2006/main" matchingName="Divider - Core Red">
   <p:cSld name="CUSTOM_1_1_1">
     <p:spTree>
@@ -13994,1019 +15219,6 @@
             <a:extLst>
               <a:ext uri="{FF2B5EF4-FFF2-40B4-BE49-F238E27FC236}">
                 <a16:creationId xmlns:a16="http://schemas.microsoft.com/office/drawing/2014/main" id="{FAB84032-7F35-7E9B-E500-BDB6E941C0B8}"/>
-              </a:ext>
-            </a:extLst>
-          </p:cNvPr>
-          <p:cNvSpPr>
-            <a:spLocks noGrp="1"/>
-          </p:cNvSpPr>
-          <p:nvPr>
-            <p:ph type="sldNum" sz="quarter" idx="4"/>
-          </p:nvPr>
-        </p:nvSpPr>
-        <p:spPr>
-          <a:xfrm>
-            <a:off x="7086600" y="4868863"/>
-            <a:ext cx="2057400" cy="274637"/>
-          </a:xfrm>
-          <a:prstGeom prst="rect">
-            <a:avLst/>
-          </a:prstGeom>
-        </p:spPr>
-        <p:txBody>
-          <a:bodyPr vert="horz" lIns="91440" tIns="45720" rIns="91440" bIns="45720" rtlCol="0" anchor="ctr"/>
-          <a:lstStyle>
-            <a:lvl1pPr algn="r">
-              <a:defRPr sz="1200">
-                <a:solidFill>
-                  <a:schemeClr val="tx1">
-                    <a:tint val="75000"/>
-                  </a:schemeClr>
-                </a:solidFill>
-              </a:defRPr>
-            </a:lvl1pPr>
-          </a:lstStyle>
-          <a:p>
-            <a:fld id="{0AB334C5-4133-42AC-9B57-CFFA02D8BE36}" type="slidenum">
-              <a:rPr lang="fr-FR" smtClean="0"/>
-              <a:t>‹#›</a:t>
-            </a:fld>
-            <a:endParaRPr lang="fr-FR"/>
-          </a:p>
-        </p:txBody>
-      </p:sp>
-    </p:spTree>
-  </p:cSld>
-  <p:clrMapOvr>
-    <a:masterClrMapping/>
-  </p:clrMapOvr>
-</p:sldLayout>
-</file>
-
-<file path=ppt/slideLayouts/slideLayout9.xml><?xml version="1.0" encoding="utf-8"?>
-<p:sldLayout xmlns:a="http://schemas.openxmlformats.org/drawingml/2006/main" xmlns:r="http://schemas.openxmlformats.org/officeDocument/2006/relationships" xmlns:p="http://schemas.openxmlformats.org/presentationml/2006/main" matchingName="Half Color Grey - Core Red">
-  <p:cSld name="TITLE_2_1_1_1_1_1">
-    <p:spTree>
-      <p:nvGrpSpPr>
-        <p:cNvPr id="1" name="Shape 179"/>
-        <p:cNvGrpSpPr/>
-        <p:nvPr/>
-      </p:nvGrpSpPr>
-      <p:grpSpPr>
-        <a:xfrm>
-          <a:off x="0" y="0"/>
-          <a:ext cx="0" cy="0"/>
-          <a:chOff x="0" y="0"/>
-          <a:chExt cx="0" cy="0"/>
-        </a:xfrm>
-      </p:grpSpPr>
-      <p:sp>
-        <p:nvSpPr>
-          <p:cNvPr id="180" name="Google Shape;180;p19"/>
-          <p:cNvSpPr/>
-          <p:nvPr userDrawn="1"/>
-        </p:nvSpPr>
-        <p:spPr>
-          <a:xfrm>
-            <a:off x="4554300" y="0"/>
-            <a:ext cx="4589700" cy="5143500"/>
-          </a:xfrm>
-          <a:prstGeom prst="rect">
-            <a:avLst/>
-          </a:prstGeom>
-          <a:solidFill>
-            <a:srgbClr val="F1F3F4"/>
-          </a:solidFill>
-          <a:ln>
-            <a:noFill/>
-          </a:ln>
-        </p:spPr>
-        <p:txBody>
-          <a:bodyPr spcFirstLastPara="1" wrap="square" lIns="91425" tIns="91425" rIns="91425" bIns="91425" anchor="ctr" anchorCtr="0">
-            <a:noAutofit/>
-          </a:bodyPr>
-          <a:lstStyle/>
-          <a:p>
-            <a:pPr marL="0" marR="0" lvl="0" indent="0" algn="l" rtl="0">
-              <a:lnSpc>
-                <a:spcPct val="100000"/>
-              </a:lnSpc>
-              <a:spcBef>
-                <a:spcPts val="0"/>
-              </a:spcBef>
-              <a:spcAft>
-                <a:spcPts val="0"/>
-              </a:spcAft>
-              <a:buClr>
-                <a:srgbClr val="000000"/>
-              </a:buClr>
-              <a:buSzPts val="1400"/>
-              <a:buFont typeface="Arial"/>
-              <a:buNone/>
-            </a:pPr>
-            <a:endParaRPr sz="1400" b="0" i="0" u="none" strike="noStrike" cap="none">
-              <a:solidFill>
-                <a:srgbClr val="000000"/>
-              </a:solidFill>
-              <a:latin typeface="Arial"/>
-              <a:ea typeface="Arial"/>
-              <a:cs typeface="Arial"/>
-              <a:sym typeface="Arial"/>
-            </a:endParaRPr>
-          </a:p>
-        </p:txBody>
-      </p:sp>
-      <p:sp>
-        <p:nvSpPr>
-          <p:cNvPr id="182" name="Google Shape;182;p19"/>
-          <p:cNvSpPr/>
-          <p:nvPr/>
-        </p:nvSpPr>
-        <p:spPr>
-          <a:xfrm>
-            <a:off x="-22468" y="235365"/>
-            <a:ext cx="57900" cy="4672800"/>
-          </a:xfrm>
-          <a:prstGeom prst="rect">
-            <a:avLst/>
-          </a:prstGeom>
-          <a:solidFill>
-            <a:srgbClr val="EA4335"/>
-          </a:solidFill>
-          <a:ln>
-            <a:noFill/>
-          </a:ln>
-        </p:spPr>
-        <p:txBody>
-          <a:bodyPr spcFirstLastPara="1" wrap="square" lIns="19050" tIns="19050" rIns="19050" bIns="19050" anchor="ctr" anchorCtr="0">
-            <a:noAutofit/>
-          </a:bodyPr>
-          <a:lstStyle/>
-          <a:p>
-            <a:pPr marL="0" marR="0" lvl="0" indent="0" algn="ctr" rtl="0">
-              <a:lnSpc>
-                <a:spcPct val="100000"/>
-              </a:lnSpc>
-              <a:spcBef>
-                <a:spcPts val="0"/>
-              </a:spcBef>
-              <a:spcAft>
-                <a:spcPts val="0"/>
-              </a:spcAft>
-              <a:buClr>
-                <a:srgbClr val="519BF7"/>
-              </a:buClr>
-              <a:buSzPts val="1200"/>
-              <a:buFont typeface="Helvetica Neue Light"/>
-              <a:buNone/>
-            </a:pPr>
-            <a:endParaRPr sz="1200" b="0" i="0" u="none" strike="noStrike" cap="none">
-              <a:solidFill>
-                <a:srgbClr val="1D8E3E"/>
-              </a:solidFill>
-              <a:latin typeface="Helvetica Neue Light"/>
-              <a:ea typeface="Helvetica Neue Light"/>
-              <a:cs typeface="Helvetica Neue Light"/>
-              <a:sym typeface="Helvetica Neue Light"/>
-            </a:endParaRPr>
-          </a:p>
-        </p:txBody>
-      </p:sp>
-      <p:sp>
-        <p:nvSpPr>
-          <p:cNvPr id="183" name="Google Shape;183;p19"/>
-          <p:cNvSpPr txBox="1">
-            <a:spLocks noGrp="1"/>
-          </p:cNvSpPr>
-          <p:nvPr>
-            <p:ph type="body" idx="1"/>
-          </p:nvPr>
-        </p:nvSpPr>
-        <p:spPr>
-          <a:xfrm>
-            <a:off x="344501" y="2175900"/>
-            <a:ext cx="2976600" cy="2046300"/>
-          </a:xfrm>
-          <a:prstGeom prst="rect">
-            <a:avLst/>
-          </a:prstGeom>
-          <a:noFill/>
-          <a:ln>
-            <a:noFill/>
-          </a:ln>
-        </p:spPr>
-        <p:txBody>
-          <a:bodyPr spcFirstLastPara="1" wrap="square" lIns="91425" tIns="91425" rIns="91425" bIns="91425" anchor="t" anchorCtr="0">
-            <a:noAutofit/>
-          </a:bodyPr>
-          <a:lstStyle>
-            <a:lvl1pPr marL="457200" marR="0" lvl="0" indent="-285750" algn="l" rtl="0">
-              <a:lnSpc>
-                <a:spcPct val="260000"/>
-              </a:lnSpc>
-              <a:spcBef>
-                <a:spcPts val="0"/>
-              </a:spcBef>
-              <a:spcAft>
-                <a:spcPts val="0"/>
-              </a:spcAft>
-              <a:buClr>
-                <a:srgbClr val="80868B"/>
-              </a:buClr>
-              <a:buSzPts val="900"/>
-              <a:buFont typeface="Roboto"/>
-              <a:buChar char="●"/>
-              <a:defRPr sz="1100" b="0" i="0" u="none" strike="noStrike" cap="none">
-                <a:solidFill>
-                  <a:srgbClr val="5F6368"/>
-                </a:solidFill>
-                <a:latin typeface="Roboto"/>
-                <a:ea typeface="Roboto"/>
-                <a:cs typeface="Roboto"/>
-                <a:sym typeface="Roboto"/>
-              </a:defRPr>
-            </a:lvl1pPr>
-            <a:lvl2pPr marL="914400" marR="0" lvl="1" indent="-285750" algn="l" rtl="0">
-              <a:lnSpc>
-                <a:spcPct val="260000"/>
-              </a:lnSpc>
-              <a:spcBef>
-                <a:spcPts val="0"/>
-              </a:spcBef>
-              <a:spcAft>
-                <a:spcPts val="0"/>
-              </a:spcAft>
-              <a:buClr>
-                <a:srgbClr val="80868B"/>
-              </a:buClr>
-              <a:buSzPts val="900"/>
-              <a:buFont typeface="Roboto"/>
-              <a:buChar char="○"/>
-              <a:defRPr sz="1100" b="0" i="0" u="none" strike="noStrike" cap="none">
-                <a:solidFill>
-                  <a:srgbClr val="5F6368"/>
-                </a:solidFill>
-                <a:latin typeface="Roboto"/>
-                <a:ea typeface="Roboto"/>
-                <a:cs typeface="Roboto"/>
-                <a:sym typeface="Roboto"/>
-              </a:defRPr>
-            </a:lvl2pPr>
-            <a:lvl3pPr marL="1371600" marR="0" lvl="2" indent="-298450" algn="l" rtl="0">
-              <a:lnSpc>
-                <a:spcPct val="260000"/>
-              </a:lnSpc>
-              <a:spcBef>
-                <a:spcPts val="0"/>
-              </a:spcBef>
-              <a:spcAft>
-                <a:spcPts val="0"/>
-              </a:spcAft>
-              <a:buClr>
-                <a:srgbClr val="5F6368"/>
-              </a:buClr>
-              <a:buSzPts val="1100"/>
-              <a:buFont typeface="Roboto"/>
-              <a:buChar char="■"/>
-              <a:defRPr sz="1100" b="0" i="0" u="none" strike="noStrike" cap="none">
-                <a:solidFill>
-                  <a:srgbClr val="5F6368"/>
-                </a:solidFill>
-                <a:latin typeface="Roboto"/>
-                <a:ea typeface="Roboto"/>
-                <a:cs typeface="Roboto"/>
-                <a:sym typeface="Roboto"/>
-              </a:defRPr>
-            </a:lvl3pPr>
-            <a:lvl4pPr marL="1828800" marR="0" lvl="3" indent="-298450" algn="l" rtl="0">
-              <a:lnSpc>
-                <a:spcPct val="260000"/>
-              </a:lnSpc>
-              <a:spcBef>
-                <a:spcPts val="0"/>
-              </a:spcBef>
-              <a:spcAft>
-                <a:spcPts val="0"/>
-              </a:spcAft>
-              <a:buClr>
-                <a:srgbClr val="5F6368"/>
-              </a:buClr>
-              <a:buSzPts val="1100"/>
-              <a:buFont typeface="Roboto"/>
-              <a:buChar char="●"/>
-              <a:defRPr sz="1100" b="0" i="0" u="none" strike="noStrike" cap="none">
-                <a:solidFill>
-                  <a:srgbClr val="5F6368"/>
-                </a:solidFill>
-                <a:latin typeface="Roboto"/>
-                <a:ea typeface="Roboto"/>
-                <a:cs typeface="Roboto"/>
-                <a:sym typeface="Roboto"/>
-              </a:defRPr>
-            </a:lvl4pPr>
-            <a:lvl5pPr marL="2286000" marR="0" lvl="4" indent="-298450" algn="l" rtl="0">
-              <a:lnSpc>
-                <a:spcPct val="260000"/>
-              </a:lnSpc>
-              <a:spcBef>
-                <a:spcPts val="0"/>
-              </a:spcBef>
-              <a:spcAft>
-                <a:spcPts val="0"/>
-              </a:spcAft>
-              <a:buClr>
-                <a:srgbClr val="5F6368"/>
-              </a:buClr>
-              <a:buSzPts val="1100"/>
-              <a:buFont typeface="Roboto"/>
-              <a:buChar char="○"/>
-              <a:defRPr sz="1100" b="0" i="0" u="none" strike="noStrike" cap="none">
-                <a:solidFill>
-                  <a:srgbClr val="5F6368"/>
-                </a:solidFill>
-                <a:latin typeface="Roboto"/>
-                <a:ea typeface="Roboto"/>
-                <a:cs typeface="Roboto"/>
-                <a:sym typeface="Roboto"/>
-              </a:defRPr>
-            </a:lvl5pPr>
-            <a:lvl6pPr marL="2743200" marR="0" lvl="5" indent="-298450" algn="l" rtl="0">
-              <a:lnSpc>
-                <a:spcPct val="260000"/>
-              </a:lnSpc>
-              <a:spcBef>
-                <a:spcPts val="0"/>
-              </a:spcBef>
-              <a:spcAft>
-                <a:spcPts val="0"/>
-              </a:spcAft>
-              <a:buClr>
-                <a:srgbClr val="5F6368"/>
-              </a:buClr>
-              <a:buSzPts val="1100"/>
-              <a:buFont typeface="Roboto"/>
-              <a:buChar char="■"/>
-              <a:defRPr sz="1100" b="0" i="0" u="none" strike="noStrike" cap="none">
-                <a:solidFill>
-                  <a:srgbClr val="5F6368"/>
-                </a:solidFill>
-                <a:latin typeface="Roboto"/>
-                <a:ea typeface="Roboto"/>
-                <a:cs typeface="Roboto"/>
-                <a:sym typeface="Roboto"/>
-              </a:defRPr>
-            </a:lvl6pPr>
-            <a:lvl7pPr marL="3200400" marR="0" lvl="6" indent="-298450" algn="l" rtl="0">
-              <a:lnSpc>
-                <a:spcPct val="260000"/>
-              </a:lnSpc>
-              <a:spcBef>
-                <a:spcPts val="0"/>
-              </a:spcBef>
-              <a:spcAft>
-                <a:spcPts val="0"/>
-              </a:spcAft>
-              <a:buClr>
-                <a:srgbClr val="5F6368"/>
-              </a:buClr>
-              <a:buSzPts val="1100"/>
-              <a:buFont typeface="Roboto"/>
-              <a:buChar char="●"/>
-              <a:defRPr sz="1100" b="0" i="0" u="none" strike="noStrike" cap="none">
-                <a:solidFill>
-                  <a:srgbClr val="5F6368"/>
-                </a:solidFill>
-                <a:latin typeface="Roboto"/>
-                <a:ea typeface="Roboto"/>
-                <a:cs typeface="Roboto"/>
-                <a:sym typeface="Roboto"/>
-              </a:defRPr>
-            </a:lvl7pPr>
-            <a:lvl8pPr marL="3657600" marR="0" lvl="7" indent="-298450" algn="l" rtl="0">
-              <a:lnSpc>
-                <a:spcPct val="260000"/>
-              </a:lnSpc>
-              <a:spcBef>
-                <a:spcPts val="0"/>
-              </a:spcBef>
-              <a:spcAft>
-                <a:spcPts val="0"/>
-              </a:spcAft>
-              <a:buClr>
-                <a:srgbClr val="5F6368"/>
-              </a:buClr>
-              <a:buSzPts val="1100"/>
-              <a:buFont typeface="Roboto"/>
-              <a:buChar char="○"/>
-              <a:defRPr sz="1100" b="0" i="0" u="none" strike="noStrike" cap="none">
-                <a:solidFill>
-                  <a:srgbClr val="5F6368"/>
-                </a:solidFill>
-                <a:latin typeface="Roboto"/>
-                <a:ea typeface="Roboto"/>
-                <a:cs typeface="Roboto"/>
-                <a:sym typeface="Roboto"/>
-              </a:defRPr>
-            </a:lvl8pPr>
-            <a:lvl9pPr marL="4114800" marR="0" lvl="8" indent="-298450" algn="l" rtl="0">
-              <a:lnSpc>
-                <a:spcPct val="260000"/>
-              </a:lnSpc>
-              <a:spcBef>
-                <a:spcPts val="0"/>
-              </a:spcBef>
-              <a:spcAft>
-                <a:spcPts val="0"/>
-              </a:spcAft>
-              <a:buClr>
-                <a:srgbClr val="5F6368"/>
-              </a:buClr>
-              <a:buSzPts val="1100"/>
-              <a:buFont typeface="Roboto"/>
-              <a:buChar char="■"/>
-              <a:defRPr sz="1100" b="0" i="0" u="none" strike="noStrike" cap="none">
-                <a:solidFill>
-                  <a:srgbClr val="5F6368"/>
-                </a:solidFill>
-                <a:latin typeface="Roboto"/>
-                <a:ea typeface="Roboto"/>
-                <a:cs typeface="Roboto"/>
-                <a:sym typeface="Roboto"/>
-              </a:defRPr>
-            </a:lvl9pPr>
-          </a:lstStyle>
-          <a:p>
-            <a:endParaRPr/>
-          </a:p>
-        </p:txBody>
-      </p:sp>
-      <p:sp>
-        <p:nvSpPr>
-          <p:cNvPr id="184" name="Google Shape;184;p19"/>
-          <p:cNvSpPr txBox="1">
-            <a:spLocks noGrp="1"/>
-          </p:cNvSpPr>
-          <p:nvPr>
-            <p:ph type="title"/>
-          </p:nvPr>
-        </p:nvSpPr>
-        <p:spPr>
-          <a:xfrm>
-            <a:off x="344501" y="1365900"/>
-            <a:ext cx="3864600" cy="414300"/>
-          </a:xfrm>
-          <a:prstGeom prst="rect">
-            <a:avLst/>
-          </a:prstGeom>
-          <a:noFill/>
-          <a:ln>
-            <a:noFill/>
-          </a:ln>
-        </p:spPr>
-        <p:txBody>
-          <a:bodyPr spcFirstLastPara="1" wrap="square" lIns="91425" tIns="91425" rIns="91425" bIns="91425" anchor="t" anchorCtr="0">
-            <a:noAutofit/>
-          </a:bodyPr>
-          <a:lstStyle>
-            <a:lvl1pPr marR="0" lvl="0" algn="l" rtl="0">
-              <a:lnSpc>
-                <a:spcPct val="90000"/>
-              </a:lnSpc>
-              <a:spcBef>
-                <a:spcPts val="0"/>
-              </a:spcBef>
-              <a:spcAft>
-                <a:spcPts val="0"/>
-              </a:spcAft>
-              <a:buClr>
-                <a:schemeClr val="dk1"/>
-              </a:buClr>
-              <a:buSzPts val="1100"/>
-              <a:buFont typeface="Arial"/>
-              <a:buNone/>
-              <a:defRPr sz="2400" b="0" i="0" u="none" strike="noStrike" cap="none">
-                <a:solidFill>
-                  <a:srgbClr val="3C4043"/>
-                </a:solidFill>
-                <a:latin typeface="Google Sans"/>
-                <a:ea typeface="Google Sans"/>
-                <a:cs typeface="Google Sans"/>
-                <a:sym typeface="Google Sans"/>
-              </a:defRPr>
-            </a:lvl1pPr>
-            <a:lvl2pPr marR="0" lvl="1" algn="ctr" rtl="0">
-              <a:lnSpc>
-                <a:spcPct val="100000"/>
-              </a:lnSpc>
-              <a:spcBef>
-                <a:spcPts val="0"/>
-              </a:spcBef>
-              <a:spcAft>
-                <a:spcPts val="0"/>
-              </a:spcAft>
-              <a:buClr>
-                <a:srgbClr val="000000"/>
-              </a:buClr>
-              <a:buSzPts val="4200"/>
-              <a:buFont typeface="Helvetica Neue Light"/>
-              <a:buNone/>
-              <a:defRPr sz="4200" b="0" i="0" u="none" strike="noStrike" cap="none">
-                <a:solidFill>
-                  <a:srgbClr val="000000"/>
-                </a:solidFill>
-                <a:latin typeface="Helvetica Neue Light"/>
-                <a:ea typeface="Helvetica Neue Light"/>
-                <a:cs typeface="Helvetica Neue Light"/>
-                <a:sym typeface="Helvetica Neue Light"/>
-              </a:defRPr>
-            </a:lvl2pPr>
-            <a:lvl3pPr marR="0" lvl="2" algn="ctr" rtl="0">
-              <a:lnSpc>
-                <a:spcPct val="100000"/>
-              </a:lnSpc>
-              <a:spcBef>
-                <a:spcPts val="0"/>
-              </a:spcBef>
-              <a:spcAft>
-                <a:spcPts val="0"/>
-              </a:spcAft>
-              <a:buClr>
-                <a:srgbClr val="000000"/>
-              </a:buClr>
-              <a:buSzPts val="4200"/>
-              <a:buFont typeface="Helvetica Neue Light"/>
-              <a:buNone/>
-              <a:defRPr sz="4200" b="0" i="0" u="none" strike="noStrike" cap="none">
-                <a:solidFill>
-                  <a:srgbClr val="000000"/>
-                </a:solidFill>
-                <a:latin typeface="Helvetica Neue Light"/>
-                <a:ea typeface="Helvetica Neue Light"/>
-                <a:cs typeface="Helvetica Neue Light"/>
-                <a:sym typeface="Helvetica Neue Light"/>
-              </a:defRPr>
-            </a:lvl3pPr>
-            <a:lvl4pPr marR="0" lvl="3" algn="ctr" rtl="0">
-              <a:lnSpc>
-                <a:spcPct val="100000"/>
-              </a:lnSpc>
-              <a:spcBef>
-                <a:spcPts val="0"/>
-              </a:spcBef>
-              <a:spcAft>
-                <a:spcPts val="0"/>
-              </a:spcAft>
-              <a:buClr>
-                <a:srgbClr val="000000"/>
-              </a:buClr>
-              <a:buSzPts val="4200"/>
-              <a:buFont typeface="Helvetica Neue Light"/>
-              <a:buNone/>
-              <a:defRPr sz="4200" b="0" i="0" u="none" strike="noStrike" cap="none">
-                <a:solidFill>
-                  <a:srgbClr val="000000"/>
-                </a:solidFill>
-                <a:latin typeface="Helvetica Neue Light"/>
-                <a:ea typeface="Helvetica Neue Light"/>
-                <a:cs typeface="Helvetica Neue Light"/>
-                <a:sym typeface="Helvetica Neue Light"/>
-              </a:defRPr>
-            </a:lvl4pPr>
-            <a:lvl5pPr marR="0" lvl="4" algn="ctr" rtl="0">
-              <a:lnSpc>
-                <a:spcPct val="100000"/>
-              </a:lnSpc>
-              <a:spcBef>
-                <a:spcPts val="0"/>
-              </a:spcBef>
-              <a:spcAft>
-                <a:spcPts val="0"/>
-              </a:spcAft>
-              <a:buClr>
-                <a:srgbClr val="000000"/>
-              </a:buClr>
-              <a:buSzPts val="4200"/>
-              <a:buFont typeface="Helvetica Neue Light"/>
-              <a:buNone/>
-              <a:defRPr sz="4200" b="0" i="0" u="none" strike="noStrike" cap="none">
-                <a:solidFill>
-                  <a:srgbClr val="000000"/>
-                </a:solidFill>
-                <a:latin typeface="Helvetica Neue Light"/>
-                <a:ea typeface="Helvetica Neue Light"/>
-                <a:cs typeface="Helvetica Neue Light"/>
-                <a:sym typeface="Helvetica Neue Light"/>
-              </a:defRPr>
-            </a:lvl5pPr>
-            <a:lvl6pPr marR="0" lvl="5" algn="ctr" rtl="0">
-              <a:lnSpc>
-                <a:spcPct val="100000"/>
-              </a:lnSpc>
-              <a:spcBef>
-                <a:spcPts val="0"/>
-              </a:spcBef>
-              <a:spcAft>
-                <a:spcPts val="0"/>
-              </a:spcAft>
-              <a:buClr>
-                <a:srgbClr val="000000"/>
-              </a:buClr>
-              <a:buSzPts val="4200"/>
-              <a:buFont typeface="Helvetica Neue Light"/>
-              <a:buNone/>
-              <a:defRPr sz="4200" b="0" i="0" u="none" strike="noStrike" cap="none">
-                <a:solidFill>
-                  <a:srgbClr val="000000"/>
-                </a:solidFill>
-                <a:latin typeface="Helvetica Neue Light"/>
-                <a:ea typeface="Helvetica Neue Light"/>
-                <a:cs typeface="Helvetica Neue Light"/>
-                <a:sym typeface="Helvetica Neue Light"/>
-              </a:defRPr>
-            </a:lvl6pPr>
-            <a:lvl7pPr marR="0" lvl="6" algn="ctr" rtl="0">
-              <a:lnSpc>
-                <a:spcPct val="100000"/>
-              </a:lnSpc>
-              <a:spcBef>
-                <a:spcPts val="0"/>
-              </a:spcBef>
-              <a:spcAft>
-                <a:spcPts val="0"/>
-              </a:spcAft>
-              <a:buClr>
-                <a:srgbClr val="000000"/>
-              </a:buClr>
-              <a:buSzPts val="4200"/>
-              <a:buFont typeface="Helvetica Neue Light"/>
-              <a:buNone/>
-              <a:defRPr sz="4200" b="0" i="0" u="none" strike="noStrike" cap="none">
-                <a:solidFill>
-                  <a:srgbClr val="000000"/>
-                </a:solidFill>
-                <a:latin typeface="Helvetica Neue Light"/>
-                <a:ea typeface="Helvetica Neue Light"/>
-                <a:cs typeface="Helvetica Neue Light"/>
-                <a:sym typeface="Helvetica Neue Light"/>
-              </a:defRPr>
-            </a:lvl7pPr>
-            <a:lvl8pPr marR="0" lvl="7" algn="ctr" rtl="0">
-              <a:lnSpc>
-                <a:spcPct val="100000"/>
-              </a:lnSpc>
-              <a:spcBef>
-                <a:spcPts val="0"/>
-              </a:spcBef>
-              <a:spcAft>
-                <a:spcPts val="0"/>
-              </a:spcAft>
-              <a:buClr>
-                <a:srgbClr val="000000"/>
-              </a:buClr>
-              <a:buSzPts val="4200"/>
-              <a:buFont typeface="Helvetica Neue Light"/>
-              <a:buNone/>
-              <a:defRPr sz="4200" b="0" i="0" u="none" strike="noStrike" cap="none">
-                <a:solidFill>
-                  <a:srgbClr val="000000"/>
-                </a:solidFill>
-                <a:latin typeface="Helvetica Neue Light"/>
-                <a:ea typeface="Helvetica Neue Light"/>
-                <a:cs typeface="Helvetica Neue Light"/>
-                <a:sym typeface="Helvetica Neue Light"/>
-              </a:defRPr>
-            </a:lvl8pPr>
-            <a:lvl9pPr marR="0" lvl="8" algn="ctr" rtl="0">
-              <a:lnSpc>
-                <a:spcPct val="100000"/>
-              </a:lnSpc>
-              <a:spcBef>
-                <a:spcPts val="0"/>
-              </a:spcBef>
-              <a:spcAft>
-                <a:spcPts val="0"/>
-              </a:spcAft>
-              <a:buClr>
-                <a:srgbClr val="000000"/>
-              </a:buClr>
-              <a:buSzPts val="4200"/>
-              <a:buFont typeface="Helvetica Neue Light"/>
-              <a:buNone/>
-              <a:defRPr sz="4200" b="0" i="0" u="none" strike="noStrike" cap="none">
-                <a:solidFill>
-                  <a:srgbClr val="000000"/>
-                </a:solidFill>
-                <a:latin typeface="Helvetica Neue Light"/>
-                <a:ea typeface="Helvetica Neue Light"/>
-                <a:cs typeface="Helvetica Neue Light"/>
-                <a:sym typeface="Helvetica Neue Light"/>
-              </a:defRPr>
-            </a:lvl9pPr>
-          </a:lstStyle>
-          <a:p>
-            <a:endParaRPr/>
-          </a:p>
-        </p:txBody>
-      </p:sp>
-      <p:sp>
-        <p:nvSpPr>
-          <p:cNvPr id="185" name="Google Shape;185;p19"/>
-          <p:cNvSpPr txBox="1">
-            <a:spLocks noGrp="1"/>
-          </p:cNvSpPr>
-          <p:nvPr>
-            <p:ph type="body" idx="2"/>
-          </p:nvPr>
-        </p:nvSpPr>
-        <p:spPr>
-          <a:xfrm>
-            <a:off x="344501" y="4743625"/>
-            <a:ext cx="4345800" cy="375600"/>
-          </a:xfrm>
-          <a:prstGeom prst="rect">
-            <a:avLst/>
-          </a:prstGeom>
-          <a:noFill/>
-          <a:ln>
-            <a:noFill/>
-          </a:ln>
-        </p:spPr>
-        <p:txBody>
-          <a:bodyPr spcFirstLastPara="1" wrap="square" lIns="91425" tIns="91425" rIns="91425" bIns="91425" anchor="t" anchorCtr="0">
-            <a:noAutofit/>
-          </a:bodyPr>
-          <a:lstStyle>
-            <a:lvl1pPr marL="457200" marR="0" lvl="0" indent="-228600" algn="l" rtl="0">
-              <a:lnSpc>
-                <a:spcPct val="100000"/>
-              </a:lnSpc>
-              <a:spcBef>
-                <a:spcPts val="0"/>
-              </a:spcBef>
-              <a:spcAft>
-                <a:spcPts val="0"/>
-              </a:spcAft>
-              <a:buClr>
-                <a:srgbClr val="000000"/>
-              </a:buClr>
-              <a:buSzPts val="1100"/>
-              <a:buFont typeface="Arial"/>
-              <a:buNone/>
-              <a:defRPr sz="600" b="0" i="0" u="none" strike="noStrike" cap="none">
-                <a:solidFill>
-                  <a:srgbClr val="D5D5D5"/>
-                </a:solidFill>
-                <a:latin typeface="Roboto"/>
-                <a:ea typeface="Roboto"/>
-                <a:cs typeface="Roboto"/>
-                <a:sym typeface="Roboto"/>
-              </a:defRPr>
-            </a:lvl1pPr>
-            <a:lvl2pPr marL="914400" marR="0" lvl="1" indent="-228600" algn="l" rtl="0">
-              <a:lnSpc>
-                <a:spcPct val="100000"/>
-              </a:lnSpc>
-              <a:spcBef>
-                <a:spcPts val="0"/>
-              </a:spcBef>
-              <a:spcAft>
-                <a:spcPts val="0"/>
-              </a:spcAft>
-              <a:buClr>
-                <a:srgbClr val="000000"/>
-              </a:buClr>
-              <a:buSzPts val="1100"/>
-              <a:buFont typeface="Arial"/>
-              <a:buNone/>
-              <a:defRPr sz="600" b="0" i="0" u="none" strike="noStrike" cap="none">
-                <a:solidFill>
-                  <a:srgbClr val="D5D5D5"/>
-                </a:solidFill>
-                <a:latin typeface="Roboto"/>
-                <a:ea typeface="Roboto"/>
-                <a:cs typeface="Roboto"/>
-                <a:sym typeface="Roboto"/>
-              </a:defRPr>
-            </a:lvl2pPr>
-            <a:lvl3pPr marL="1371600" marR="0" lvl="2" indent="-228600" algn="l" rtl="0">
-              <a:lnSpc>
-                <a:spcPct val="100000"/>
-              </a:lnSpc>
-              <a:spcBef>
-                <a:spcPts val="0"/>
-              </a:spcBef>
-              <a:spcAft>
-                <a:spcPts val="0"/>
-              </a:spcAft>
-              <a:buClr>
-                <a:srgbClr val="000000"/>
-              </a:buClr>
-              <a:buSzPts val="1100"/>
-              <a:buFont typeface="Arial"/>
-              <a:buNone/>
-              <a:defRPr sz="600" b="0" i="0" u="none" strike="noStrike" cap="none">
-                <a:solidFill>
-                  <a:srgbClr val="D5D5D5"/>
-                </a:solidFill>
-                <a:latin typeface="Roboto"/>
-                <a:ea typeface="Roboto"/>
-                <a:cs typeface="Roboto"/>
-                <a:sym typeface="Roboto"/>
-              </a:defRPr>
-            </a:lvl3pPr>
-            <a:lvl4pPr marL="1828800" marR="0" lvl="3" indent="-228600" algn="l" rtl="0">
-              <a:lnSpc>
-                <a:spcPct val="100000"/>
-              </a:lnSpc>
-              <a:spcBef>
-                <a:spcPts val="0"/>
-              </a:spcBef>
-              <a:spcAft>
-                <a:spcPts val="0"/>
-              </a:spcAft>
-              <a:buClr>
-                <a:srgbClr val="000000"/>
-              </a:buClr>
-              <a:buSzPts val="1100"/>
-              <a:buFont typeface="Arial"/>
-              <a:buNone/>
-              <a:defRPr sz="600" b="0" i="0" u="none" strike="noStrike" cap="none">
-                <a:solidFill>
-                  <a:srgbClr val="D5D5D5"/>
-                </a:solidFill>
-                <a:latin typeface="Roboto"/>
-                <a:ea typeface="Roboto"/>
-                <a:cs typeface="Roboto"/>
-                <a:sym typeface="Roboto"/>
-              </a:defRPr>
-            </a:lvl4pPr>
-            <a:lvl5pPr marL="2286000" marR="0" lvl="4" indent="-228600" algn="l" rtl="0">
-              <a:lnSpc>
-                <a:spcPct val="100000"/>
-              </a:lnSpc>
-              <a:spcBef>
-                <a:spcPts val="0"/>
-              </a:spcBef>
-              <a:spcAft>
-                <a:spcPts val="0"/>
-              </a:spcAft>
-              <a:buClr>
-                <a:srgbClr val="000000"/>
-              </a:buClr>
-              <a:buSzPts val="1100"/>
-              <a:buFont typeface="Arial"/>
-              <a:buNone/>
-              <a:defRPr sz="600" b="0" i="0" u="none" strike="noStrike" cap="none">
-                <a:solidFill>
-                  <a:srgbClr val="D5D5D5"/>
-                </a:solidFill>
-                <a:latin typeface="Roboto"/>
-                <a:ea typeface="Roboto"/>
-                <a:cs typeface="Roboto"/>
-                <a:sym typeface="Roboto"/>
-              </a:defRPr>
-            </a:lvl5pPr>
-            <a:lvl6pPr marL="2743200" marR="0" lvl="5" indent="-228600" algn="l" rtl="0">
-              <a:lnSpc>
-                <a:spcPct val="100000"/>
-              </a:lnSpc>
-              <a:spcBef>
-                <a:spcPts val="0"/>
-              </a:spcBef>
-              <a:spcAft>
-                <a:spcPts val="0"/>
-              </a:spcAft>
-              <a:buClr>
-                <a:srgbClr val="000000"/>
-              </a:buClr>
-              <a:buSzPts val="1100"/>
-              <a:buFont typeface="Arial"/>
-              <a:buNone/>
-              <a:defRPr sz="600" b="0" i="0" u="none" strike="noStrike" cap="none">
-                <a:solidFill>
-                  <a:srgbClr val="D5D5D5"/>
-                </a:solidFill>
-                <a:latin typeface="Roboto"/>
-                <a:ea typeface="Roboto"/>
-                <a:cs typeface="Roboto"/>
-                <a:sym typeface="Roboto"/>
-              </a:defRPr>
-            </a:lvl6pPr>
-            <a:lvl7pPr marL="3200400" marR="0" lvl="6" indent="-228600" algn="l" rtl="0">
-              <a:lnSpc>
-                <a:spcPct val="100000"/>
-              </a:lnSpc>
-              <a:spcBef>
-                <a:spcPts val="0"/>
-              </a:spcBef>
-              <a:spcAft>
-                <a:spcPts val="0"/>
-              </a:spcAft>
-              <a:buClr>
-                <a:srgbClr val="000000"/>
-              </a:buClr>
-              <a:buSzPts val="1100"/>
-              <a:buFont typeface="Arial"/>
-              <a:buNone/>
-              <a:defRPr sz="600" b="0" i="0" u="none" strike="noStrike" cap="none">
-                <a:solidFill>
-                  <a:srgbClr val="D5D5D5"/>
-                </a:solidFill>
-                <a:latin typeface="Roboto"/>
-                <a:ea typeface="Roboto"/>
-                <a:cs typeface="Roboto"/>
-                <a:sym typeface="Roboto"/>
-              </a:defRPr>
-            </a:lvl7pPr>
-            <a:lvl8pPr marL="3657600" marR="0" lvl="7" indent="-228600" algn="l" rtl="0">
-              <a:lnSpc>
-                <a:spcPct val="100000"/>
-              </a:lnSpc>
-              <a:spcBef>
-                <a:spcPts val="0"/>
-              </a:spcBef>
-              <a:spcAft>
-                <a:spcPts val="0"/>
-              </a:spcAft>
-              <a:buClr>
-                <a:srgbClr val="000000"/>
-              </a:buClr>
-              <a:buSzPts val="1100"/>
-              <a:buFont typeface="Arial"/>
-              <a:buNone/>
-              <a:defRPr sz="600" b="0" i="0" u="none" strike="noStrike" cap="none">
-                <a:solidFill>
-                  <a:srgbClr val="D5D5D5"/>
-                </a:solidFill>
-                <a:latin typeface="Roboto"/>
-                <a:ea typeface="Roboto"/>
-                <a:cs typeface="Roboto"/>
-                <a:sym typeface="Roboto"/>
-              </a:defRPr>
-            </a:lvl8pPr>
-            <a:lvl9pPr marL="4114800" marR="0" lvl="8" indent="-228600" algn="l" rtl="0">
-              <a:lnSpc>
-                <a:spcPct val="100000"/>
-              </a:lnSpc>
-              <a:spcBef>
-                <a:spcPts val="0"/>
-              </a:spcBef>
-              <a:spcAft>
-                <a:spcPts val="0"/>
-              </a:spcAft>
-              <a:buClr>
-                <a:srgbClr val="000000"/>
-              </a:buClr>
-              <a:buSzPts val="1100"/>
-              <a:buFont typeface="Arial"/>
-              <a:buNone/>
-              <a:defRPr sz="600" b="0" i="0" u="none" strike="noStrike" cap="none">
-                <a:solidFill>
-                  <a:srgbClr val="D5D5D5"/>
-                </a:solidFill>
-                <a:latin typeface="Roboto"/>
-                <a:ea typeface="Roboto"/>
-                <a:cs typeface="Roboto"/>
-                <a:sym typeface="Roboto"/>
-              </a:defRPr>
-            </a:lvl9pPr>
-          </a:lstStyle>
-          <a:p>
-            <a:endParaRPr/>
-          </a:p>
-        </p:txBody>
-      </p:sp>
-      <p:sp>
-        <p:nvSpPr>
-          <p:cNvPr id="2" name="Footer Placeholder 1">
-            <a:extLst>
-              <a:ext uri="{FF2B5EF4-FFF2-40B4-BE49-F238E27FC236}">
-                <a16:creationId xmlns:a16="http://schemas.microsoft.com/office/drawing/2014/main" id="{5F689246-499C-C5D0-169F-C11B7F0D5D79}"/>
-              </a:ext>
-            </a:extLst>
-          </p:cNvPr>
-          <p:cNvSpPr>
-            <a:spLocks noGrp="1"/>
-          </p:cNvSpPr>
-          <p:nvPr>
-            <p:ph type="ftr" sz="quarter" idx="10"/>
-          </p:nvPr>
-        </p:nvSpPr>
-        <p:spPr/>
-        <p:txBody>
-          <a:bodyPr/>
-          <a:lstStyle/>
-          <a:p>
-            <a:endParaRPr lang="fr-FR"/>
-          </a:p>
-        </p:txBody>
-      </p:sp>
-      <p:sp>
-        <p:nvSpPr>
-          <p:cNvPr id="4" name="Slide Number Placeholder 2">
-            <a:extLst>
-              <a:ext uri="{FF2B5EF4-FFF2-40B4-BE49-F238E27FC236}">
-                <a16:creationId xmlns:a16="http://schemas.microsoft.com/office/drawing/2014/main" id="{ED474BB1-684C-F401-63DB-1142F8CDC035}"/>
               </a:ext>
             </a:extLst>
           </p:cNvPr>
@@ -15715,24 +15927,25 @@
     <p:sldLayoutId id="2147483650" r:id="rId2"/>
     <p:sldLayoutId id="2147483651" r:id="rId3"/>
     <p:sldLayoutId id="2147483652" r:id="rId4"/>
-    <p:sldLayoutId id="2147483653" r:id="rId5"/>
-    <p:sldLayoutId id="2147483656" r:id="rId6"/>
-    <p:sldLayoutId id="2147483659" r:id="rId7"/>
-    <p:sldLayoutId id="2147483661" r:id="rId8"/>
-    <p:sldLayoutId id="2147483665" r:id="rId9"/>
-    <p:sldLayoutId id="2147483667" r:id="rId10"/>
-    <p:sldLayoutId id="2147483668" r:id="rId11"/>
-    <p:sldLayoutId id="2147483669" r:id="rId12"/>
-    <p:sldLayoutId id="2147483670" r:id="rId13"/>
-    <p:sldLayoutId id="2147483671" r:id="rId14"/>
-    <p:sldLayoutId id="2147483672" r:id="rId15"/>
-    <p:sldLayoutId id="2147483677" r:id="rId16"/>
-    <p:sldLayoutId id="2147483681" r:id="rId17"/>
-    <p:sldLayoutId id="2147483682" r:id="rId18"/>
-    <p:sldLayoutId id="2147483683" r:id="rId19"/>
-    <p:sldLayoutId id="2147483684" r:id="rId20"/>
-    <p:sldLayoutId id="2147483685" r:id="rId21"/>
-    <p:sldLayoutId id="2147483686" r:id="rId22"/>
+    <p:sldLayoutId id="2147483687" r:id="rId5"/>
+    <p:sldLayoutId id="2147483653" r:id="rId6"/>
+    <p:sldLayoutId id="2147483656" r:id="rId7"/>
+    <p:sldLayoutId id="2147483659" r:id="rId8"/>
+    <p:sldLayoutId id="2147483661" r:id="rId9"/>
+    <p:sldLayoutId id="2147483665" r:id="rId10"/>
+    <p:sldLayoutId id="2147483667" r:id="rId11"/>
+    <p:sldLayoutId id="2147483668" r:id="rId12"/>
+    <p:sldLayoutId id="2147483669" r:id="rId13"/>
+    <p:sldLayoutId id="2147483670" r:id="rId14"/>
+    <p:sldLayoutId id="2147483671" r:id="rId15"/>
+    <p:sldLayoutId id="2147483672" r:id="rId16"/>
+    <p:sldLayoutId id="2147483677" r:id="rId17"/>
+    <p:sldLayoutId id="2147483681" r:id="rId18"/>
+    <p:sldLayoutId id="2147483682" r:id="rId19"/>
+    <p:sldLayoutId id="2147483683" r:id="rId20"/>
+    <p:sldLayoutId id="2147483684" r:id="rId21"/>
+    <p:sldLayoutId id="2147483685" r:id="rId22"/>
+    <p:sldLayoutId id="2147483686" r:id="rId23"/>
   </p:sldLayoutIdLst>
   <p:hf hdr="0" ftr="0" dt="0"/>
   <p:txStyles>
@@ -16831,186 +17044,10 @@
       </p:grpSpPr>
       <p:sp>
         <p:nvSpPr>
-          <p:cNvPr id="4" name="Text Placeholder 3">
+          <p:cNvPr id="5" name="Title 4">
             <a:extLst>
               <a:ext uri="{FF2B5EF4-FFF2-40B4-BE49-F238E27FC236}">
-                <a16:creationId xmlns:a16="http://schemas.microsoft.com/office/drawing/2014/main" id="{41610F1B-947A-3609-E34C-6D6EF6D3BCE2}"/>
-              </a:ext>
-            </a:extLst>
-          </p:cNvPr>
-          <p:cNvSpPr>
-            <a:spLocks noGrp="1"/>
-          </p:cNvSpPr>
-          <p:nvPr>
-            <p:ph type="body" idx="1"/>
-          </p:nvPr>
-        </p:nvSpPr>
-        <p:spPr>
-          <a:xfrm>
-            <a:off x="-165600" y="504913"/>
-            <a:ext cx="4665599" cy="4638587"/>
-          </a:xfrm>
-        </p:spPr>
-        <p:txBody>
-          <a:bodyPr/>
-          <a:lstStyle/>
-          <a:p>
-            <a:pPr>
-              <a:lnSpc>
-                <a:spcPct val="200000"/>
-              </a:lnSpc>
-            </a:pPr>
-            <a:r>
-              <a:rPr lang="en-US" sz="1400" dirty="0">
-                <a:solidFill>
-                  <a:schemeClr val="tx1"/>
-                </a:solidFill>
-                <a:sym typeface="Wingdings" panose="05000000000000000000" pitchFamily="2" charset="2"/>
-              </a:rPr>
-              <a:t>Encoder used : </a:t>
-            </a:r>
-            <a:r>
-              <a:rPr lang="en-US" sz="1400" b="1" dirty="0">
-                <a:solidFill>
-                  <a:schemeClr val="tx1"/>
-                </a:solidFill>
-                <a:sym typeface="Wingdings" panose="05000000000000000000" pitchFamily="2" charset="2"/>
-              </a:rPr>
-              <a:t>ResNet18 </a:t>
-            </a:r>
-            <a:r>
-              <a:rPr lang="en-US" sz="1400" dirty="0">
-                <a:solidFill>
-                  <a:schemeClr val="tx1"/>
-                </a:solidFill>
-                <a:sym typeface="Wingdings" panose="05000000000000000000" pitchFamily="2" charset="2"/>
-              </a:rPr>
-              <a:t>loaded with ImageNet weights</a:t>
-            </a:r>
-          </a:p>
-          <a:p>
-            <a:pPr>
-              <a:lnSpc>
-                <a:spcPct val="200000"/>
-              </a:lnSpc>
-            </a:pPr>
-            <a:r>
-              <a:rPr lang="en-US" sz="1400" dirty="0">
-                <a:solidFill>
-                  <a:schemeClr val="tx1"/>
-                </a:solidFill>
-                <a:sym typeface="Wingdings" panose="05000000000000000000" pitchFamily="2" charset="2"/>
-              </a:rPr>
-              <a:t>Decoder : base version of </a:t>
-            </a:r>
-            <a:r>
-              <a:rPr lang="en-US" sz="1400" b="1" dirty="0" err="1">
-                <a:solidFill>
-                  <a:schemeClr val="tx1"/>
-                </a:solidFill>
-                <a:sym typeface="Wingdings" panose="05000000000000000000" pitchFamily="2" charset="2"/>
-              </a:rPr>
-              <a:t>LinkNet</a:t>
-            </a:r>
-            <a:endParaRPr lang="en-US" sz="1400" b="1" dirty="0">
-              <a:solidFill>
-                <a:schemeClr val="tx1"/>
-              </a:solidFill>
-              <a:sym typeface="Wingdings" panose="05000000000000000000" pitchFamily="2" charset="2"/>
-            </a:endParaRPr>
-          </a:p>
-          <a:p>
-            <a:pPr>
-              <a:lnSpc>
-                <a:spcPct val="200000"/>
-              </a:lnSpc>
-            </a:pPr>
-            <a:r>
-              <a:rPr lang="en-US" sz="1400" dirty="0">
-                <a:solidFill>
-                  <a:schemeClr val="tx1"/>
-                </a:solidFill>
-                <a:sym typeface="Wingdings" panose="05000000000000000000" pitchFamily="2" charset="2"/>
-              </a:rPr>
-              <a:t>Automatic generation of model architecture with segmentation-models module</a:t>
-            </a:r>
-            <a:endParaRPr lang="en-US" sz="1400" b="1" dirty="0">
-              <a:solidFill>
-                <a:schemeClr val="tx1"/>
-              </a:solidFill>
-              <a:sym typeface="Wingdings" panose="05000000000000000000" pitchFamily="2" charset="2"/>
-            </a:endParaRPr>
-          </a:p>
-          <a:p>
-            <a:pPr>
-              <a:lnSpc>
-                <a:spcPct val="150000"/>
-              </a:lnSpc>
-            </a:pPr>
-            <a:r>
-              <a:rPr lang="en-US" sz="1400" b="1" dirty="0">
-                <a:solidFill>
-                  <a:schemeClr val="tx1"/>
-                </a:solidFill>
-                <a:sym typeface="Wingdings" panose="05000000000000000000" pitchFamily="2" charset="2"/>
-              </a:rPr>
-              <a:t>Final Dice Coeff: 0.909   Mean IOU : 0.732</a:t>
-            </a:r>
-          </a:p>
-          <a:p>
-            <a:pPr>
-              <a:lnSpc>
-                <a:spcPct val="150000"/>
-              </a:lnSpc>
-            </a:pPr>
-            <a:r>
-              <a:rPr lang="en-US" sz="1400" dirty="0">
-                <a:solidFill>
-                  <a:schemeClr val="tx1"/>
-                </a:solidFill>
-                <a:sym typeface="Wingdings" panose="05000000000000000000" pitchFamily="2" charset="2"/>
-              </a:rPr>
-              <a:t>Accuracy : 0.927</a:t>
-            </a:r>
-          </a:p>
-          <a:p>
-            <a:pPr>
-              <a:lnSpc>
-                <a:spcPct val="150000"/>
-              </a:lnSpc>
-            </a:pPr>
-            <a:endParaRPr lang="en-US" sz="1400" dirty="0">
-              <a:solidFill>
-                <a:schemeClr val="tx1"/>
-              </a:solidFill>
-              <a:sym typeface="Wingdings" panose="05000000000000000000" pitchFamily="2" charset="2"/>
-            </a:endParaRPr>
-          </a:p>
-          <a:p>
-            <a:pPr>
-              <a:lnSpc>
-                <a:spcPct val="200000"/>
-              </a:lnSpc>
-              <a:buFont typeface="Wingdings" panose="05000000000000000000" pitchFamily="2" charset="2"/>
-              <a:buChar char="Ø"/>
-            </a:pPr>
-            <a:r>
-              <a:rPr lang="en-US" sz="1400" b="1" dirty="0">
-                <a:solidFill>
-                  <a:schemeClr val="tx1"/>
-                </a:solidFill>
-              </a:rPr>
-              <a:t>Best performance on all metrics : Comparable to state of the art models, with only 70% of training samples</a:t>
-            </a:r>
-          </a:p>
-        </p:txBody>
-      </p:sp>
-      <p:sp>
-        <p:nvSpPr>
-          <p:cNvPr id="3" name="Title 2">
-            <a:extLst>
-              <a:ext uri="{FF2B5EF4-FFF2-40B4-BE49-F238E27FC236}">
-                <a16:creationId xmlns:a16="http://schemas.microsoft.com/office/drawing/2014/main" id="{A322F525-530E-A285-102A-0D4820D7ACF5}"/>
+                <a16:creationId xmlns:a16="http://schemas.microsoft.com/office/drawing/2014/main" id="{60C78BCB-32F3-F952-8610-5F51DB329F0B}"/>
               </a:ext>
             </a:extLst>
           </p:cNvPr>
@@ -17021,46 +17058,24 @@
             <p:ph type="title"/>
           </p:nvPr>
         </p:nvSpPr>
-        <p:spPr>
-          <a:xfrm>
-            <a:off x="336881" y="172290"/>
-            <a:ext cx="3864600" cy="431683"/>
-          </a:xfrm>
-        </p:spPr>
+        <p:spPr/>
         <p:txBody>
           <a:bodyPr/>
           <a:lstStyle/>
           <a:p>
             <a:r>
-              <a:rPr lang="en-US" b="1" dirty="0">
-                <a:solidFill>
-                  <a:schemeClr val="tx1"/>
-                </a:solidFill>
-              </a:rPr>
-              <a:t>ResNet18 - </a:t>
+              <a:rPr lang="en-US" dirty="0"/>
+              <a:t>Deployment Architecture</a:t>
             </a:r>
-            <a:r>
-              <a:rPr lang="en-US" b="1" dirty="0" err="1">
-                <a:solidFill>
-                  <a:schemeClr val="tx1"/>
-                </a:solidFill>
-              </a:rPr>
-              <a:t>LinkNet</a:t>
-            </a:r>
-            <a:endParaRPr lang="en-US" b="1" dirty="0">
-              <a:solidFill>
-                <a:srgbClr val="FF0000"/>
-              </a:solidFill>
-            </a:endParaRPr>
           </a:p>
         </p:txBody>
       </p:sp>
       <p:sp>
         <p:nvSpPr>
-          <p:cNvPr id="8" name="Slide Number Placeholder 7">
+          <p:cNvPr id="3" name="Slide Number Placeholder 2">
             <a:extLst>
               <a:ext uri="{FF2B5EF4-FFF2-40B4-BE49-F238E27FC236}">
-                <a16:creationId xmlns:a16="http://schemas.microsoft.com/office/drawing/2014/main" id="{7880FB77-03B7-0084-187F-1F1F497DB26E}"/>
+                <a16:creationId xmlns:a16="http://schemas.microsoft.com/office/drawing/2014/main" id="{50B4C382-1A89-9548-16C5-CE1E1543DFC3}"/>
               </a:ext>
             </a:extLst>
           </p:cNvPr>
@@ -17078,161 +17093,17 @@
           <a:p>
             <a:fld id="{0AB334C5-4133-42AC-9B57-CFFA02D8BE36}" type="slidenum">
               <a:rPr lang="fr-FR" smtClean="0"/>
+              <a:pPr/>
               <a:t>10</a:t>
             </a:fld>
             <a:endParaRPr lang="fr-FR"/>
           </a:p>
         </p:txBody>
       </p:sp>
-      <p:pic>
-        <p:nvPicPr>
-          <p:cNvPr id="6" name="Picture 5">
-            <a:extLst>
-              <a:ext uri="{FF2B5EF4-FFF2-40B4-BE49-F238E27FC236}">
-                <a16:creationId xmlns:a16="http://schemas.microsoft.com/office/drawing/2014/main" id="{ADC2DE91-E46F-049E-12EA-79FD05077809}"/>
-              </a:ext>
-            </a:extLst>
-          </p:cNvPr>
-          <p:cNvPicPr>
-            <a:picLocks noChangeAspect="1"/>
-          </p:cNvPicPr>
-          <p:nvPr/>
-        </p:nvPicPr>
-        <p:blipFill>
-          <a:blip r:embed="rId3"/>
-          <a:stretch>
-            <a:fillRect/>
-          </a:stretch>
-        </p:blipFill>
-        <p:spPr>
-          <a:xfrm>
-            <a:off x="4572000" y="2199971"/>
-            <a:ext cx="2295546" cy="1388806"/>
-          </a:xfrm>
-          <a:prstGeom prst="rect">
-            <a:avLst/>
-          </a:prstGeom>
-          <a:ln>
-            <a:solidFill>
-              <a:schemeClr val="tx1"/>
-            </a:solidFill>
-          </a:ln>
-        </p:spPr>
-      </p:pic>
-      <p:pic>
-        <p:nvPicPr>
-          <p:cNvPr id="7" name="Picture 6">
-            <a:extLst>
-              <a:ext uri="{FF2B5EF4-FFF2-40B4-BE49-F238E27FC236}">
-                <a16:creationId xmlns:a16="http://schemas.microsoft.com/office/drawing/2014/main" id="{C970D00D-2025-0DE4-D2FE-F707F2AD33B0}"/>
-              </a:ext>
-            </a:extLst>
-          </p:cNvPr>
-          <p:cNvPicPr>
-            <a:picLocks noChangeAspect="1"/>
-          </p:cNvPicPr>
-          <p:nvPr/>
-        </p:nvPicPr>
-        <p:blipFill>
-          <a:blip r:embed="rId4"/>
-          <a:srcRect/>
-          <a:stretch/>
-        </p:blipFill>
-        <p:spPr>
-          <a:xfrm>
-            <a:off x="5721573" y="3638060"/>
-            <a:ext cx="2409712" cy="1374820"/>
-          </a:xfrm>
-          <a:prstGeom prst="rect">
-            <a:avLst/>
-          </a:prstGeom>
-          <a:ln>
-            <a:solidFill>
-              <a:schemeClr val="tx1"/>
-            </a:solidFill>
-          </a:ln>
-        </p:spPr>
-      </p:pic>
-      <p:pic>
-        <p:nvPicPr>
-          <p:cNvPr id="10" name="Picture 9">
-            <a:extLst>
-              <a:ext uri="{FF2B5EF4-FFF2-40B4-BE49-F238E27FC236}">
-                <a16:creationId xmlns:a16="http://schemas.microsoft.com/office/drawing/2014/main" id="{92F8DDA5-47A4-70B1-F1D1-1356B429CF4B}"/>
-              </a:ext>
-            </a:extLst>
-          </p:cNvPr>
-          <p:cNvPicPr>
-            <a:picLocks noChangeAspect="1"/>
-          </p:cNvPicPr>
-          <p:nvPr/>
-        </p:nvPicPr>
-        <p:blipFill>
-          <a:blip r:embed="rId5"/>
-          <a:srcRect/>
-          <a:stretch/>
-        </p:blipFill>
-        <p:spPr>
-          <a:xfrm>
-            <a:off x="6905326" y="2199971"/>
-            <a:ext cx="2226619" cy="1378429"/>
-          </a:xfrm>
-          <a:prstGeom prst="rect">
-            <a:avLst/>
-          </a:prstGeom>
-          <a:ln>
-            <a:solidFill>
-              <a:schemeClr val="tx1"/>
-            </a:solidFill>
-          </a:ln>
-        </p:spPr>
-      </p:pic>
-      <p:pic>
-        <p:nvPicPr>
-          <p:cNvPr id="5" name="Picture 4">
-            <a:extLst>
-              <a:ext uri="{FF2B5EF4-FFF2-40B4-BE49-F238E27FC236}">
-                <a16:creationId xmlns:a16="http://schemas.microsoft.com/office/drawing/2014/main" id="{EFD0A67B-BD37-E4F1-3FF1-A57B25DDE835}"/>
-              </a:ext>
-            </a:extLst>
-          </p:cNvPr>
-          <p:cNvPicPr>
-            <a:picLocks noChangeAspect="1"/>
-          </p:cNvPicPr>
-          <p:nvPr/>
-        </p:nvPicPr>
-        <p:blipFill>
-          <a:blip r:embed="rId6">
-            <a:extLst>
-              <a:ext uri="{28A0092B-C50C-407E-A947-70E740481C1C}">
-                <a14:useLocalDpi xmlns:a14="http://schemas.microsoft.com/office/drawing/2010/main" val="0"/>
-              </a:ext>
-            </a:extLst>
-          </a:blip>
-          <a:stretch>
-            <a:fillRect/>
-          </a:stretch>
-        </p:blipFill>
-        <p:spPr bwMode="auto">
-          <a:xfrm>
-            <a:off x="4572000" y="11467"/>
-            <a:ext cx="4572000" cy="2115575"/>
-          </a:xfrm>
-          <a:prstGeom prst="rect">
-            <a:avLst/>
-          </a:prstGeom>
-          <a:noFill/>
-          <a:ln>
-            <a:solidFill>
-              <a:schemeClr val="tx1"/>
-            </a:solidFill>
-          </a:ln>
-        </p:spPr>
-      </p:pic>
     </p:spTree>
     <p:extLst>
       <p:ext uri="{BB962C8B-B14F-4D97-AF65-F5344CB8AC3E}">
-        <p14:creationId xmlns:p14="http://schemas.microsoft.com/office/powerpoint/2010/main" val="2810930419"/>
+        <p14:creationId xmlns:p14="http://schemas.microsoft.com/office/powerpoint/2010/main" val="1500296093"/>
       </p:ext>
     </p:extLst>
   </p:cSld>
@@ -17261,10 +17132,207 @@
       </p:grpSpPr>
       <p:sp>
         <p:nvSpPr>
-          <p:cNvPr id="5" name="Title 4">
+          <p:cNvPr id="4" name="Text Placeholder 3">
             <a:extLst>
               <a:ext uri="{FF2B5EF4-FFF2-40B4-BE49-F238E27FC236}">
-                <a16:creationId xmlns:a16="http://schemas.microsoft.com/office/drawing/2014/main" id="{60C78BCB-32F3-F952-8610-5F51DB329F0B}"/>
+                <a16:creationId xmlns:a16="http://schemas.microsoft.com/office/drawing/2014/main" id="{41610F1B-947A-3609-E34C-6D6EF6D3BCE2}"/>
+              </a:ext>
+            </a:extLst>
+          </p:cNvPr>
+          <p:cNvSpPr>
+            <a:spLocks noGrp="1"/>
+          </p:cNvSpPr>
+          <p:nvPr>
+            <p:ph type="body" idx="1"/>
+          </p:nvPr>
+        </p:nvSpPr>
+        <p:spPr>
+          <a:xfrm>
+            <a:off x="0" y="747624"/>
+            <a:ext cx="4390551" cy="3869429"/>
+          </a:xfrm>
+        </p:spPr>
+        <p:txBody>
+          <a:bodyPr/>
+          <a:lstStyle/>
+          <a:p>
+            <a:pPr>
+              <a:lnSpc>
+                <a:spcPct val="200000"/>
+              </a:lnSpc>
+            </a:pPr>
+            <a:r>
+              <a:rPr lang="en-US" sz="1400" b="1" dirty="0">
+                <a:solidFill>
+                  <a:schemeClr val="tx1"/>
+                </a:solidFill>
+              </a:rPr>
+              <a:t>Implementation </a:t>
+            </a:r>
+            <a:r>
+              <a:rPr lang="en-US" sz="1400" dirty="0">
+                <a:solidFill>
+                  <a:schemeClr val="tx1"/>
+                </a:solidFill>
+              </a:rPr>
+              <a:t>of the application </a:t>
+            </a:r>
+            <a:r>
+              <a:rPr lang="en-US" sz="1400" b="1" dirty="0">
+                <a:solidFill>
+                  <a:schemeClr val="tx1"/>
+                </a:solidFill>
+              </a:rPr>
+              <a:t>on Expo </a:t>
+            </a:r>
+            <a:r>
+              <a:rPr lang="en-US" sz="1400" dirty="0">
+                <a:solidFill>
+                  <a:schemeClr val="tx1"/>
+                </a:solidFill>
+              </a:rPr>
+              <a:t>by updating outdated </a:t>
+            </a:r>
+            <a:r>
+              <a:rPr lang="en-US" sz="1400" dirty="0" err="1">
+                <a:solidFill>
+                  <a:schemeClr val="tx1"/>
+                </a:solidFill>
+              </a:rPr>
+              <a:t>Github</a:t>
+            </a:r>
+            <a:r>
+              <a:rPr lang="en-US" sz="1400" dirty="0">
+                <a:solidFill>
+                  <a:schemeClr val="tx1"/>
+                </a:solidFill>
+              </a:rPr>
+              <a:t> repository</a:t>
+            </a:r>
+          </a:p>
+          <a:p>
+            <a:pPr>
+              <a:lnSpc>
+                <a:spcPct val="200000"/>
+              </a:lnSpc>
+            </a:pPr>
+            <a:r>
+              <a:rPr lang="en-US" sz="1400" dirty="0" err="1">
+                <a:solidFill>
+                  <a:schemeClr val="tx1"/>
+                </a:solidFill>
+              </a:rPr>
+              <a:t>Javascript</a:t>
+            </a:r>
+            <a:r>
+              <a:rPr lang="en-US" sz="1400" dirty="0">
+                <a:solidFill>
+                  <a:schemeClr val="tx1"/>
+                </a:solidFill>
+              </a:rPr>
+              <a:t> (React) file updated to work with current version of the modules used</a:t>
+            </a:r>
+          </a:p>
+          <a:p>
+            <a:pPr>
+              <a:lnSpc>
+                <a:spcPct val="200000"/>
+              </a:lnSpc>
+            </a:pPr>
+            <a:r>
+              <a:rPr lang="en-US" sz="1400" dirty="0">
+                <a:solidFill>
+                  <a:schemeClr val="tx1"/>
+                </a:solidFill>
+              </a:rPr>
+              <a:t>Recommendation API deployed on </a:t>
+            </a:r>
+            <a:r>
+              <a:rPr lang="en-US" sz="1400" b="1" dirty="0">
+                <a:solidFill>
+                  <a:schemeClr val="tx1"/>
+                </a:solidFill>
+              </a:rPr>
+              <a:t>Azure Function</a:t>
+            </a:r>
+          </a:p>
+          <a:p>
+            <a:pPr>
+              <a:lnSpc>
+                <a:spcPct val="200000"/>
+              </a:lnSpc>
+            </a:pPr>
+            <a:r>
+              <a:rPr lang="en-US" sz="1400" b="1" dirty="0">
+                <a:solidFill>
+                  <a:schemeClr val="tx1"/>
+                </a:solidFill>
+              </a:rPr>
+              <a:t>No modelling libraries required</a:t>
+            </a:r>
+          </a:p>
+          <a:p>
+            <a:pPr>
+              <a:lnSpc>
+                <a:spcPct val="200000"/>
+              </a:lnSpc>
+            </a:pPr>
+            <a:r>
+              <a:rPr lang="en-US" sz="1400" b="1" dirty="0">
+                <a:solidFill>
+                  <a:schemeClr val="tx1"/>
+                </a:solidFill>
+              </a:rPr>
+              <a:t>~8GB  of disk and RAM space necessary</a:t>
+            </a:r>
+            <a:r>
+              <a:rPr lang="en-US" sz="1400" dirty="0">
+                <a:solidFill>
+                  <a:schemeClr val="tx1"/>
+                </a:solidFill>
+              </a:rPr>
+              <a:t> to host pickled </a:t>
+            </a:r>
+            <a:r>
+              <a:rPr lang="en-US" sz="1400" dirty="0" err="1">
+                <a:solidFill>
+                  <a:schemeClr val="tx1"/>
+                </a:solidFill>
+              </a:rPr>
+              <a:t>dataframes</a:t>
+            </a:r>
+            <a:r>
+              <a:rPr lang="en-US" sz="1400" dirty="0">
+                <a:solidFill>
+                  <a:schemeClr val="tx1"/>
+                </a:solidFill>
+              </a:rPr>
+              <a:t> </a:t>
+            </a:r>
+          </a:p>
+          <a:p>
+            <a:pPr>
+              <a:lnSpc>
+                <a:spcPct val="200000"/>
+              </a:lnSpc>
+            </a:pPr>
+            <a:r>
+              <a:rPr lang="en-US" sz="1400" b="1" dirty="0">
+                <a:solidFill>
+                  <a:schemeClr val="tx1"/>
+                </a:solidFill>
+              </a:rPr>
+              <a:t>Average recommendation time : 900ms</a:t>
+            </a:r>
+          </a:p>
+        </p:txBody>
+      </p:sp>
+      <p:sp>
+        <p:nvSpPr>
+          <p:cNvPr id="3" name="Title 2">
+            <a:extLst>
+              <a:ext uri="{FF2B5EF4-FFF2-40B4-BE49-F238E27FC236}">
+                <a16:creationId xmlns:a16="http://schemas.microsoft.com/office/drawing/2014/main" id="{A322F525-530E-A285-102A-0D4820D7ACF5}"/>
               </a:ext>
             </a:extLst>
           </p:cNvPr>
@@ -17275,24 +17343,53 @@
             <p:ph type="title"/>
           </p:nvPr>
         </p:nvSpPr>
-        <p:spPr/>
+        <p:spPr>
+          <a:xfrm>
+            <a:off x="344501" y="102492"/>
+            <a:ext cx="3864600" cy="414300"/>
+          </a:xfrm>
+        </p:spPr>
         <p:txBody>
           <a:bodyPr/>
           <a:lstStyle/>
           <a:p>
             <a:r>
-              <a:rPr lang="en-US" dirty="0"/>
-              <a:t>Cloud based Model Deployment</a:t>
+              <a:rPr lang="en-US" b="1" dirty="0">
+                <a:solidFill>
+                  <a:schemeClr val="tx1"/>
+                </a:solidFill>
+              </a:rPr>
+              <a:t>Model Deployment:</a:t>
             </a:r>
+            <a:br>
+              <a:rPr lang="en-US" b="1" dirty="0">
+                <a:solidFill>
+                  <a:schemeClr val="tx1"/>
+                </a:solidFill>
+              </a:rPr>
+            </a:br>
+            <a:r>
+              <a:rPr lang="en-US" b="1" dirty="0">
+                <a:solidFill>
+                  <a:schemeClr val="tx1"/>
+                </a:solidFill>
+              </a:rPr>
+              <a:t>Current Architecture</a:t>
+            </a:r>
+            <a:endParaRPr lang="en-US" b="1" dirty="0">
+              <a:solidFill>
+                <a:srgbClr val="FF0000"/>
+              </a:solidFill>
+            </a:endParaRPr>
           </a:p>
         </p:txBody>
       </p:sp>
       <p:sp>
         <p:nvSpPr>
-          <p:cNvPr id="3" name="Slide Number Placeholder 2">
+          <p:cNvPr id="6" name="Slide Number Placeholder 5">
             <a:extLst>
               <a:ext uri="{FF2B5EF4-FFF2-40B4-BE49-F238E27FC236}">
-                <a16:creationId xmlns:a16="http://schemas.microsoft.com/office/drawing/2014/main" id="{50B4C382-1A89-9548-16C5-CE1E1543DFC3}"/>
+                <a16:creationId xmlns:a16="http://schemas.microsoft.com/office/drawing/2014/main" id="{3ED5803B-76C2-F1E1-9CEF-779F5EA7B269}"/>
               </a:ext>
             </a:extLst>
           </p:cNvPr>
@@ -17310,17 +17407,102 @@
           <a:p>
             <a:fld id="{0AB334C5-4133-42AC-9B57-CFFA02D8BE36}" type="slidenum">
               <a:rPr lang="fr-FR" smtClean="0"/>
-              <a:pPr/>
               <a:t>11</a:t>
             </a:fld>
             <a:endParaRPr lang="fr-FR"/>
           </a:p>
         </p:txBody>
       </p:sp>
+      <p:pic>
+        <p:nvPicPr>
+          <p:cNvPr id="16" name="Picture 15">
+            <a:extLst>
+              <a:ext uri="{FF2B5EF4-FFF2-40B4-BE49-F238E27FC236}">
+                <a16:creationId xmlns:a16="http://schemas.microsoft.com/office/drawing/2014/main" id="{95EDB9BD-A872-0FBD-FE10-DB6D596A76C4}"/>
+              </a:ext>
+            </a:extLst>
+          </p:cNvPr>
+          <p:cNvPicPr>
+            <a:picLocks noChangeAspect="1"/>
+          </p:cNvPicPr>
+          <p:nvPr/>
+        </p:nvPicPr>
+        <p:blipFill>
+          <a:blip r:embed="rId3"/>
+          <a:srcRect/>
+          <a:stretch/>
+        </p:blipFill>
+        <p:spPr>
+          <a:xfrm>
+            <a:off x="4572000" y="1"/>
+            <a:ext cx="4570063" cy="2736056"/>
+          </a:xfrm>
+          <a:prstGeom prst="rect">
+            <a:avLst/>
+          </a:prstGeom>
+          <a:ln>
+            <a:solidFill>
+              <a:schemeClr val="tx1"/>
+            </a:solidFill>
+          </a:ln>
+        </p:spPr>
+      </p:pic>
+      <p:pic>
+        <p:nvPicPr>
+          <p:cNvPr id="2050" name="Picture 2" descr="How to 3M (Manage, Monitor and Monetize) APIs using Azure API Management |  by Evan Wong | Medium">
+            <a:extLst>
+              <a:ext uri="{FF2B5EF4-FFF2-40B4-BE49-F238E27FC236}">
+                <a16:creationId xmlns:a16="http://schemas.microsoft.com/office/drawing/2014/main" id="{AD14866A-026F-008A-1C07-2923669F85D5}"/>
+              </a:ext>
+            </a:extLst>
+          </p:cNvPr>
+          <p:cNvPicPr>
+            <a:picLocks noChangeAspect="1" noChangeArrowheads="1"/>
+          </p:cNvPicPr>
+          <p:nvPr/>
+        </p:nvPicPr>
+        <p:blipFill>
+          <a:blip r:embed="rId4">
+            <a:extLst>
+              <a:ext uri="{28A0092B-C50C-407E-A947-70E740481C1C}">
+                <a14:useLocalDpi xmlns:a14="http://schemas.microsoft.com/office/drawing/2010/main" val="0"/>
+              </a:ext>
+            </a:extLst>
+          </a:blip>
+          <a:srcRect/>
+          <a:stretch>
+            <a:fillRect/>
+          </a:stretch>
+        </p:blipFill>
+        <p:spPr bwMode="auto">
+          <a:xfrm>
+            <a:off x="4849996" y="2750345"/>
+            <a:ext cx="4014069" cy="2357365"/>
+          </a:xfrm>
+          <a:prstGeom prst="rect">
+            <a:avLst/>
+          </a:prstGeom>
+          <a:noFill/>
+          <a:ln>
+            <a:solidFill>
+              <a:schemeClr val="tx1"/>
+            </a:solidFill>
+          </a:ln>
+          <a:extLst>
+            <a:ext uri="{909E8E84-426E-40DD-AFC4-6F175D3DCCD1}">
+              <a14:hiddenFill xmlns:a14="http://schemas.microsoft.com/office/drawing/2010/main">
+                <a:solidFill>
+                  <a:srgbClr val="FFFFFF"/>
+                </a:solidFill>
+              </a14:hiddenFill>
+            </a:ext>
+          </a:extLst>
+        </p:spPr>
+      </p:pic>
     </p:spTree>
     <p:extLst>
       <p:ext uri="{BB962C8B-B14F-4D97-AF65-F5344CB8AC3E}">
-        <p14:creationId xmlns:p14="http://schemas.microsoft.com/office/powerpoint/2010/main" val="1500296093"/>
+        <p14:creationId xmlns:p14="http://schemas.microsoft.com/office/powerpoint/2010/main" val="527889704"/>
       </p:ext>
     </p:extLst>
   </p:cSld>
@@ -17366,7 +17548,7 @@
         <p:spPr>
           <a:xfrm>
             <a:off x="0" y="747624"/>
-            <a:ext cx="4390551" cy="3869429"/>
+            <a:ext cx="4390551" cy="4293384"/>
           </a:xfrm>
         </p:spPr>
         <p:txBody>
@@ -17384,7 +17566,31 @@
                   <a:schemeClr val="tx1"/>
                 </a:solidFill>
               </a:rPr>
-              <a:t>Implementation on Flask</a:t>
+              <a:t>Implementation </a:t>
+            </a:r>
+            <a:r>
+              <a:rPr lang="en-US" sz="1400" dirty="0">
+                <a:solidFill>
+                  <a:schemeClr val="tx1"/>
+                </a:solidFill>
+              </a:rPr>
+              <a:t>of a modern </a:t>
+            </a:r>
+            <a:r>
+              <a:rPr lang="en-US" sz="1400" b="1" dirty="0">
+                <a:solidFill>
+                  <a:schemeClr val="tx1"/>
+                </a:solidFill>
+              </a:rPr>
+              <a:t>deep learning hybrid model </a:t>
+            </a:r>
+            <a:r>
+              <a:rPr lang="en-US" sz="1400" dirty="0">
+                <a:solidFill>
+                  <a:schemeClr val="tx1"/>
+                </a:solidFill>
+              </a:rPr>
+              <a:t>if necessary</a:t>
             </a:r>
           </a:p>
           <a:p>
@@ -17399,7 +17605,7 @@
                   <a:schemeClr val="tx1"/>
                 </a:solidFill>
               </a:rPr>
-              <a:t>Deployment on Heroku </a:t>
+              <a:t>Lazy loading </a:t>
             </a:r>
             <a:r>
               <a:rPr lang="en-US" sz="1400" dirty="0">
@@ -17407,7 +17613,7 @@
                   <a:schemeClr val="tx1"/>
                 </a:solidFill>
               </a:rPr>
-              <a:t>(premium dyno)</a:t>
+              <a:t>of recommendations </a:t>
             </a:r>
           </a:p>
           <a:p>
@@ -17422,7 +17628,45 @@
                   <a:schemeClr val="tx1"/>
                 </a:solidFill>
               </a:rPr>
-              <a:t>Limited by the size of the deployment slug, </a:t>
+              <a:t>Use all of the user and article features</a:t>
+            </a:r>
+          </a:p>
+          <a:p>
+            <a:pPr>
+              <a:lnSpc>
+                <a:spcPct val="200000"/>
+              </a:lnSpc>
+            </a:pPr>
+            <a:r>
+              <a:rPr lang="en-US" sz="1400" dirty="0">
+                <a:solidFill>
+                  <a:schemeClr val="tx1"/>
+                </a:solidFill>
+              </a:rPr>
+              <a:t>Deployment on </a:t>
+            </a:r>
+            <a:r>
+              <a:rPr lang="en-US" sz="1400" b="1" dirty="0">
+                <a:solidFill>
+                  <a:schemeClr val="tx1"/>
+                </a:solidFill>
+              </a:rPr>
+              <a:t>high performance computes</a:t>
+            </a:r>
+          </a:p>
+          <a:p>
+            <a:pPr>
+              <a:lnSpc>
+                <a:spcPct val="200000"/>
+              </a:lnSpc>
+            </a:pPr>
+            <a:r>
+              <a:rPr lang="en-US" sz="1400" b="1" dirty="0">
+                <a:solidFill>
+                  <a:schemeClr val="tx1"/>
+                </a:solidFill>
+              </a:rPr>
+              <a:t>New users </a:t>
             </a:r>
             <a:r>
               <a:rPr lang="en-US" sz="1400" dirty="0">
@@ -17430,7 +17674,7 @@
                   <a:schemeClr val="tx1"/>
                 </a:solidFill>
               </a:rPr>
-              <a:t>necessity to host model weights on Amazon S3</a:t>
+              <a:t>receive a sample of top 10 articles</a:t>
             </a:r>
           </a:p>
           <a:p>
@@ -17440,12 +17684,20 @@
               </a:lnSpc>
             </a:pPr>
             <a:r>
+              <a:rPr lang="en-US" sz="1400" b="1" dirty="0">
+                <a:solidFill>
+                  <a:schemeClr val="tx1"/>
+                </a:solidFill>
+              </a:rPr>
+              <a:t>Database updated dynamically </a:t>
+            </a:r>
+            <a:r>
               <a:rPr lang="en-US" sz="1400" dirty="0">
                 <a:solidFill>
                   <a:schemeClr val="tx1"/>
                 </a:solidFill>
               </a:rPr>
-              <a:t>Model has to be </a:t>
+              <a:t>to include </a:t>
             </a:r>
             <a:r>
               <a:rPr lang="en-US" sz="1400" b="1" dirty="0">
@@ -17453,80 +17705,39 @@
                   <a:schemeClr val="tx1"/>
                 </a:solidFill>
               </a:rPr>
-              <a:t>recompiled at application launch</a:t>
+              <a:t>new articles and user clicks</a:t>
+            </a:r>
+          </a:p>
+          <a:p>
+            <a:pPr marL="171450" indent="0">
+              <a:lnSpc>
+                <a:spcPct val="200000"/>
+              </a:lnSpc>
+              <a:buNone/>
+            </a:pPr>
+            <a:r>
+              <a:rPr lang="en-US" sz="1400" b="1" dirty="0">
+                <a:solidFill>
+                  <a:schemeClr val="tx1"/>
+                </a:solidFill>
+                <a:sym typeface="Wingdings" panose="05000000000000000000" pitchFamily="2" charset="2"/>
+              </a:rPr>
+              <a:t>  New users receive updated recommendations </a:t>
             </a:r>
             <a:r>
               <a:rPr lang="en-US" sz="1400" dirty="0">
                 <a:solidFill>
                   <a:schemeClr val="tx1"/>
                 </a:solidFill>
+                <a:sym typeface="Wingdings" panose="05000000000000000000" pitchFamily="2" charset="2"/>
               </a:rPr>
-              <a:t> to reduce host size</a:t>
+              <a:t>once they have browsed an article</a:t>
             </a:r>
-          </a:p>
-          <a:p>
-            <a:pPr>
-              <a:lnSpc>
-                <a:spcPct val="200000"/>
-              </a:lnSpc>
-            </a:pPr>
-            <a:r>
-              <a:rPr lang="en-US" sz="1400" b="1" dirty="0">
-                <a:solidFill>
-                  <a:schemeClr val="tx1"/>
-                </a:solidFill>
-              </a:rPr>
-              <a:t>Tested on “real” pictures</a:t>
-            </a:r>
-          </a:p>
-          <a:p>
-            <a:pPr>
-              <a:lnSpc>
-                <a:spcPct val="200000"/>
-              </a:lnSpc>
-            </a:pPr>
-            <a:r>
-              <a:rPr lang="en-US" sz="1400" dirty="0">
-                <a:solidFill>
-                  <a:schemeClr val="tx1"/>
-                </a:solidFill>
-              </a:rPr>
-              <a:t>2 possibilities : </a:t>
-            </a:r>
-          </a:p>
-          <a:p>
-            <a:pPr lvl="1">
-              <a:lnSpc>
-                <a:spcPct val="200000"/>
-              </a:lnSpc>
-              <a:buFont typeface="Wingdings" panose="05000000000000000000" pitchFamily="2" charset="2"/>
-              <a:buChar char="Ø"/>
-            </a:pPr>
-            <a:r>
-              <a:rPr lang="en-US" sz="1400" dirty="0">
-                <a:solidFill>
-                  <a:schemeClr val="tx1"/>
-                </a:solidFill>
-              </a:rPr>
-              <a:t>Predict one of the uploaded test image</a:t>
-            </a:r>
-          </a:p>
-          <a:p>
-            <a:pPr lvl="1">
-              <a:lnSpc>
-                <a:spcPct val="200000"/>
-              </a:lnSpc>
-              <a:buFont typeface="Wingdings" panose="05000000000000000000" pitchFamily="2" charset="2"/>
-              <a:buChar char="Ø"/>
-            </a:pPr>
-            <a:r>
-              <a:rPr lang="en-US" sz="1400" dirty="0">
-                <a:solidFill>
-                  <a:schemeClr val="tx1"/>
-                </a:solidFill>
-              </a:rPr>
-              <a:t>Predict a user-uploaded image</a:t>
-            </a:r>
+            <a:endParaRPr lang="en-US" sz="1400" dirty="0">
+              <a:solidFill>
+                <a:schemeClr val="tx1"/>
+              </a:solidFill>
+            </a:endParaRPr>
           </a:p>
         </p:txBody>
       </p:sp>
@@ -17562,7 +17773,22 @@
                   <a:schemeClr val="tx1"/>
                 </a:solidFill>
               </a:rPr>
-              <a:t>Model Deployment on the cloud</a:t>
+              <a:t>Model Deployment:</a:t>
+            </a:r>
+            <a:br>
+              <a:rPr lang="en-US" b="1" dirty="0">
+                <a:solidFill>
+                  <a:schemeClr val="tx1"/>
+                </a:solidFill>
+              </a:rPr>
+            </a:br>
+            <a:r>
+              <a:rPr lang="en-US" b="1" dirty="0">
+                <a:solidFill>
+                  <a:schemeClr val="tx1"/>
+                </a:solidFill>
+              </a:rPr>
+              <a:t>Target Architecture</a:t>
             </a:r>
             <a:endParaRPr lang="en-US" b="1" dirty="0">
               <a:solidFill>
@@ -17603,110 +17829,60 @@
       </p:sp>
       <p:pic>
         <p:nvPicPr>
-          <p:cNvPr id="16" name="Picture 15">
+          <p:cNvPr id="3074" name="Picture 2">
             <a:extLst>
               <a:ext uri="{FF2B5EF4-FFF2-40B4-BE49-F238E27FC236}">
-                <a16:creationId xmlns:a16="http://schemas.microsoft.com/office/drawing/2014/main" id="{95EDB9BD-A872-0FBD-FE10-DB6D596A76C4}"/>
+                <a16:creationId xmlns:a16="http://schemas.microsoft.com/office/drawing/2014/main" id="{7ACAF0CB-14E6-DF81-2D05-5B59D55B30E8}"/>
               </a:ext>
             </a:extLst>
           </p:cNvPr>
           <p:cNvPicPr>
-            <a:picLocks noChangeAspect="1"/>
+            <a:picLocks noChangeAspect="1" noChangeArrowheads="1"/>
           </p:cNvPicPr>
           <p:nvPr/>
         </p:nvPicPr>
         <p:blipFill>
-          <a:blip r:embed="rId3"/>
+          <a:blip r:embed="rId3">
+            <a:extLst>
+              <a:ext uri="{28A0092B-C50C-407E-A947-70E740481C1C}">
+                <a14:useLocalDpi xmlns:a14="http://schemas.microsoft.com/office/drawing/2010/main" val="0"/>
+              </a:ext>
+            </a:extLst>
+          </a:blip>
           <a:srcRect/>
-          <a:stretch/>
+          <a:stretch>
+            <a:fillRect/>
+          </a:stretch>
         </p:blipFill>
-        <p:spPr>
+        <p:spPr bwMode="auto">
           <a:xfrm>
-            <a:off x="4559848" y="102492"/>
-            <a:ext cx="4564715" cy="2152650"/>
+            <a:off x="4573560" y="1409700"/>
+            <a:ext cx="4570440" cy="2324100"/>
           </a:xfrm>
           <a:prstGeom prst="rect">
             <a:avLst/>
           </a:prstGeom>
+          <a:noFill/>
           <a:ln>
             <a:solidFill>
               <a:schemeClr val="tx1"/>
             </a:solidFill>
           </a:ln>
-        </p:spPr>
-      </p:pic>
-      <p:pic>
-        <p:nvPicPr>
-          <p:cNvPr id="18" name="Picture 17">
-            <a:extLst>
-              <a:ext uri="{FF2B5EF4-FFF2-40B4-BE49-F238E27FC236}">
-                <a16:creationId xmlns:a16="http://schemas.microsoft.com/office/drawing/2014/main" id="{A2F3D1CF-7CCE-F080-121F-24E3FD779BD3}"/>
-              </a:ext>
-            </a:extLst>
-          </p:cNvPr>
-          <p:cNvPicPr>
-            <a:picLocks noChangeAspect="1"/>
-          </p:cNvPicPr>
-          <p:nvPr/>
-        </p:nvPicPr>
-        <p:blipFill>
-          <a:blip r:embed="rId4"/>
-          <a:srcRect/>
-          <a:stretch/>
-        </p:blipFill>
-        <p:spPr>
-          <a:xfrm>
-            <a:off x="4540411" y="2667127"/>
-            <a:ext cx="2336236" cy="1378689"/>
-          </a:xfrm>
-          <a:prstGeom prst="rect">
-            <a:avLst/>
-          </a:prstGeom>
-          <a:ln>
-            <a:solidFill>
-              <a:schemeClr val="tx1"/>
-            </a:solidFill>
-          </a:ln>
-        </p:spPr>
-      </p:pic>
-      <p:pic>
-        <p:nvPicPr>
-          <p:cNvPr id="21" name="Picture 20">
-            <a:extLst>
-              <a:ext uri="{FF2B5EF4-FFF2-40B4-BE49-F238E27FC236}">
-                <a16:creationId xmlns:a16="http://schemas.microsoft.com/office/drawing/2014/main" id="{EB107ED1-7839-C4EE-2D42-A59679B947A2}"/>
-              </a:ext>
-            </a:extLst>
-          </p:cNvPr>
-          <p:cNvPicPr>
-            <a:picLocks noChangeAspect="1"/>
-          </p:cNvPicPr>
-          <p:nvPr/>
-        </p:nvPicPr>
-        <p:blipFill>
-          <a:blip r:embed="rId5"/>
-          <a:srcRect/>
-          <a:stretch/>
-        </p:blipFill>
-        <p:spPr>
-          <a:xfrm>
-            <a:off x="6898710" y="2667126"/>
-            <a:ext cx="2226313" cy="1378689"/>
-          </a:xfrm>
-          <a:prstGeom prst="rect">
-            <a:avLst/>
-          </a:prstGeom>
-          <a:ln>
-            <a:solidFill>
-              <a:schemeClr val="tx1"/>
-            </a:solidFill>
-          </a:ln>
+          <a:extLst>
+            <a:ext uri="{909E8E84-426E-40DD-AFC4-6F175D3DCCD1}">
+              <a14:hiddenFill xmlns:a14="http://schemas.microsoft.com/office/drawing/2010/main">
+                <a:solidFill>
+                  <a:srgbClr val="FFFFFF"/>
+                </a:solidFill>
+              </a14:hiddenFill>
+            </a:ext>
+          </a:extLst>
         </p:spPr>
       </p:pic>
     </p:spTree>
     <p:extLst>
       <p:ext uri="{BB962C8B-B14F-4D97-AF65-F5344CB8AC3E}">
-        <p14:creationId xmlns:p14="http://schemas.microsoft.com/office/powerpoint/2010/main" val="527889704"/>
+        <p14:creationId xmlns:p14="http://schemas.microsoft.com/office/powerpoint/2010/main" val="3696458910"/>
       </p:ext>
     </p:extLst>
   </p:cSld>
@@ -18099,6 +18275,11 @@
             </a:lvl9pPr>
           </a:lstStyle>
           <a:p>
+            <a:pPr>
+              <a:lnSpc>
+                <a:spcPct val="200000"/>
+              </a:lnSpc>
+            </a:pPr>
             <a:r>
               <a:rPr lang="en-US" sz="1600" dirty="0">
                 <a:solidFill>
@@ -18106,7 +18287,7 @@
                 </a:solidFill>
                 <a:sym typeface="Wingdings" panose="05000000000000000000" pitchFamily="2" charset="2"/>
               </a:rPr>
-              <a:t>During this project, an </a:t>
+              <a:t>During this project, a </a:t>
             </a:r>
             <a:r>
               <a:rPr lang="en-US" sz="1600" b="1" dirty="0">
@@ -18115,7 +18296,7 @@
                 </a:solidFill>
                 <a:sym typeface="Wingdings" panose="05000000000000000000" pitchFamily="2" charset="2"/>
               </a:rPr>
-              <a:t>Semantic Image Segmentation model </a:t>
+              <a:t>Recommendation Model</a:t>
             </a:r>
             <a:r>
               <a:rPr lang="en-US" sz="1600" dirty="0">
@@ -18124,28 +18305,24 @@
                 </a:solidFill>
                 <a:sym typeface="Wingdings" panose="05000000000000000000" pitchFamily="2" charset="2"/>
               </a:rPr>
-              <a:t>has been developed based on images extracted from the </a:t>
+              <a:t> has been developed in order to </a:t>
             </a:r>
             <a:r>
-              <a:rPr lang="en-US" sz="1600" dirty="0" err="1">
+              <a:rPr lang="en-US" sz="1600" b="1" dirty="0">
                 <a:solidFill>
                   <a:schemeClr val="tx1"/>
                 </a:solidFill>
                 <a:sym typeface="Wingdings" panose="05000000000000000000" pitchFamily="2" charset="2"/>
               </a:rPr>
-              <a:t>Cityscrapes</a:t>
+              <a:t>deploy a mobile article recommendation application.</a:t>
             </a:r>
-            <a:r>
-              <a:rPr lang="en-US" sz="1600" dirty="0">
-                <a:solidFill>
-                  <a:schemeClr val="tx1"/>
-                </a:solidFill>
-                <a:sym typeface="Wingdings" panose="05000000000000000000" pitchFamily="2" charset="2"/>
-              </a:rPr>
-              <a:t> dataset.</a:t>
-            </a:r>
-          </a:p>
-          <a:p>
+          </a:p>
+          <a:p>
+            <a:pPr>
+              <a:lnSpc>
+                <a:spcPct val="200000"/>
+              </a:lnSpc>
+            </a:pPr>
             <a:r>
               <a:rPr lang="en-US" sz="1600" dirty="0">
                 <a:solidFill>
@@ -18208,22 +18385,13 @@
               <a:buChar char="Ø"/>
             </a:pPr>
             <a:r>
-              <a:rPr lang="en-US" sz="1600" b="1" dirty="0">
+              <a:rPr lang="en-US" sz="1600" dirty="0">
                 <a:solidFill>
                   <a:schemeClr val="tx1"/>
                 </a:solidFill>
                 <a:sym typeface="Wingdings" panose="05000000000000000000" pitchFamily="2" charset="2"/>
               </a:rPr>
-              <a:t>Use developed ResNet18 – </a:t>
-            </a:r>
-            <a:r>
-              <a:rPr lang="en-US" sz="1600" b="1" dirty="0" err="1">
-                <a:solidFill>
-                  <a:schemeClr val="tx1"/>
-                </a:solidFill>
-                <a:sym typeface="Wingdings" panose="05000000000000000000" pitchFamily="2" charset="2"/>
-              </a:rPr>
-              <a:t>LinkNet</a:t>
+              <a:t>Study the </a:t>
             </a:r>
             <a:r>
               <a:rPr lang="en-US" sz="1600" b="1" dirty="0">
@@ -18232,8 +18400,14 @@
                 </a:solidFill>
                 <a:sym typeface="Wingdings" panose="05000000000000000000" pitchFamily="2" charset="2"/>
               </a:rPr>
-              <a:t> model as base for further work</a:t>
+              <a:t>implementation of a deep learning Hybrid recommendation model</a:t>
             </a:r>
+            <a:endParaRPr lang="en-US" sz="1600" dirty="0">
+              <a:solidFill>
+                <a:schemeClr val="tx1"/>
+              </a:solidFill>
+              <a:sym typeface="Wingdings" panose="05000000000000000000" pitchFamily="2" charset="2"/>
+            </a:endParaRPr>
           </a:p>
           <a:p>
             <a:pPr lvl="1">
@@ -18259,87 +18433,14 @@
                 </a:solidFill>
                 <a:sym typeface="Wingdings" panose="05000000000000000000" pitchFamily="2" charset="2"/>
               </a:rPr>
-              <a:t>Use high performance computes  </a:t>
+              <a:t>Perform lazy loading of recommendations to increase browsing speed</a:t>
             </a:r>
-            <a:r>
-              <a:rPr lang="en-US" sz="1600" b="1" dirty="0">
-                <a:solidFill>
-                  <a:schemeClr val="tx1"/>
-                </a:solidFill>
-                <a:sym typeface="Wingdings" panose="05000000000000000000" pitchFamily="2" charset="2"/>
-              </a:rPr>
-              <a:t>increase the number of training epochs.</a:t>
-            </a:r>
-          </a:p>
-          <a:p>
-            <a:pPr marL="628650" lvl="1" indent="0">
-              <a:buNone/>
-            </a:pPr>
             <a:endParaRPr lang="en-US" sz="1600" b="1" dirty="0">
               <a:solidFill>
                 <a:schemeClr val="tx1"/>
               </a:solidFill>
               <a:sym typeface="Wingdings" panose="05000000000000000000" pitchFamily="2" charset="2"/>
             </a:endParaRPr>
-          </a:p>
-          <a:p>
-            <a:pPr lvl="1">
-              <a:buFont typeface="Wingdings" panose="05000000000000000000" pitchFamily="2" charset="2"/>
-              <a:buChar char="Ø"/>
-            </a:pPr>
-            <a:r>
-              <a:rPr lang="en-US" sz="1600" b="1" dirty="0">
-                <a:solidFill>
-                  <a:schemeClr val="tx1"/>
-                </a:solidFill>
-                <a:sym typeface="Wingdings" panose="05000000000000000000" pitchFamily="2" charset="2"/>
-              </a:rPr>
-              <a:t>Increase image size used in training </a:t>
-            </a:r>
-            <a:r>
-              <a:rPr lang="en-US" sz="1600" dirty="0">
-                <a:solidFill>
-                  <a:schemeClr val="tx1"/>
-                </a:solidFill>
-                <a:sym typeface="Wingdings" panose="05000000000000000000" pitchFamily="2" charset="2"/>
-              </a:rPr>
-              <a:t>to native resolution (1024x2048)</a:t>
-            </a:r>
-          </a:p>
-          <a:p>
-            <a:pPr marL="628650" lvl="1" indent="0">
-              <a:buNone/>
-            </a:pPr>
-            <a:endParaRPr lang="en-US" sz="1600" b="1" dirty="0">
-              <a:solidFill>
-                <a:schemeClr val="tx1"/>
-              </a:solidFill>
-              <a:sym typeface="Wingdings" panose="05000000000000000000" pitchFamily="2" charset="2"/>
-            </a:endParaRPr>
-          </a:p>
-          <a:p>
-            <a:pPr lvl="1">
-              <a:buFont typeface="Wingdings" panose="05000000000000000000" pitchFamily="2" charset="2"/>
-              <a:buChar char="Ø"/>
-            </a:pPr>
-            <a:r>
-              <a:rPr lang="en-US" sz="1600" dirty="0">
-                <a:solidFill>
-                  <a:schemeClr val="tx1"/>
-                </a:solidFill>
-                <a:sym typeface="Wingdings" panose="05000000000000000000" pitchFamily="2" charset="2"/>
-              </a:rPr>
-              <a:t>Verify FPS of model to </a:t>
-            </a:r>
-            <a:r>
-              <a:rPr lang="en-US" sz="1600" b="1" dirty="0">
-                <a:solidFill>
-                  <a:schemeClr val="tx1"/>
-                </a:solidFill>
-                <a:sym typeface="Wingdings" panose="05000000000000000000" pitchFamily="2" charset="2"/>
-              </a:rPr>
-              <a:t>assert compatibility with Computer Vision System</a:t>
-            </a:r>
           </a:p>
           <a:p>
             <a:pPr lvl="1">
@@ -18365,8 +18466,63 @@
                 </a:solidFill>
                 <a:sym typeface="Wingdings" panose="05000000000000000000" pitchFamily="2" charset="2"/>
               </a:rPr>
-              <a:t>Perform fine-tuning of ResNet18 encoder by unfreezing top layers</a:t>
+              <a:t>Integrate a dynamic update of the database for new users and articles</a:t>
             </a:r>
+          </a:p>
+          <a:p>
+            <a:pPr marL="628650" lvl="1" indent="0">
+              <a:buNone/>
+            </a:pPr>
+            <a:endParaRPr lang="en-US" sz="1600" b="1" dirty="0">
+              <a:solidFill>
+                <a:schemeClr val="tx1"/>
+              </a:solidFill>
+              <a:sym typeface="Wingdings" panose="05000000000000000000" pitchFamily="2" charset="2"/>
+            </a:endParaRPr>
+          </a:p>
+          <a:p>
+            <a:pPr lvl="1">
+              <a:buFont typeface="Wingdings" panose="05000000000000000000" pitchFamily="2" charset="2"/>
+              <a:buChar char="Ø"/>
+            </a:pPr>
+            <a:r>
+              <a:rPr lang="en-US" sz="1600" dirty="0">
+                <a:solidFill>
+                  <a:schemeClr val="tx1"/>
+                </a:solidFill>
+                <a:sym typeface="Wingdings" panose="05000000000000000000" pitchFamily="2" charset="2"/>
+              </a:rPr>
+              <a:t>Set in place </a:t>
+            </a:r>
+            <a:r>
+              <a:rPr lang="en-US" sz="1600" b="1" dirty="0">
+                <a:solidFill>
+                  <a:schemeClr val="tx1"/>
+                </a:solidFill>
+                <a:sym typeface="Wingdings" panose="05000000000000000000" pitchFamily="2" charset="2"/>
+              </a:rPr>
+              <a:t>periodic retraining of model</a:t>
+            </a:r>
+            <a:r>
+              <a:rPr lang="en-US" sz="1600" dirty="0">
+                <a:solidFill>
+                  <a:schemeClr val="tx1"/>
+                </a:solidFill>
+                <a:sym typeface="Wingdings" panose="05000000000000000000" pitchFamily="2" charset="2"/>
+              </a:rPr>
+              <a:t> with new data</a:t>
+            </a:r>
+          </a:p>
+          <a:p>
+            <a:pPr marL="628650" lvl="1" indent="0">
+              <a:buNone/>
+            </a:pPr>
+            <a:endParaRPr lang="en-US" sz="1600" b="1" dirty="0">
+              <a:solidFill>
+                <a:schemeClr val="tx1"/>
+              </a:solidFill>
+              <a:sym typeface="Wingdings" panose="05000000000000000000" pitchFamily="2" charset="2"/>
+            </a:endParaRPr>
           </a:p>
         </p:txBody>
       </p:sp>
@@ -18428,7 +18584,7 @@
               <a:rPr lang="fr-FR" smtClean="0"/>
               <a:t>14</a:t>
             </a:fld>
-            <a:endParaRPr lang="fr-FR"/>
+            <a:endParaRPr lang="fr-FR" dirty="0"/>
           </a:p>
         </p:txBody>
       </p:sp>
@@ -18701,16 +18857,20 @@
               <a:rPr lang="fr-FR" sz="2000" dirty="0" err="1">
                 <a:latin typeface="Google Sans" panose="020B0604020202020204" charset="0"/>
               </a:rPr>
-              <a:t>Deploying</a:t>
+              <a:t>Deployment</a:t>
             </a:r>
             <a:r>
               <a:rPr lang="fr-FR" sz="2000" dirty="0">
                 <a:latin typeface="Google Sans" panose="020B0604020202020204" charset="0"/>
               </a:rPr>
-              <a:t> the Model</a:t>
+              <a:t> Architecture</a:t>
             </a:r>
           </a:p>
           <a:p>
+            <a:pPr marL="285750" indent="-285750">
+              <a:buFont typeface="Wingdings" panose="05000000000000000000" pitchFamily="2" charset="2"/>
+              <a:buChar char="Ø"/>
+            </a:pPr>
             <a:endParaRPr lang="fr-FR" sz="2000" dirty="0">
               <a:latin typeface="Google Sans" panose="020B0604020202020204" charset="0"/>
             </a:endParaRPr>
@@ -20120,15 +20280,9 @@
           </p:cNvPicPr>
           <p:nvPr/>
         </p:nvPicPr>
-        <p:blipFill rotWithShape="1">
-          <a:blip r:embed="rId4">
-            <a:extLst>
-              <a:ext uri="{28A0092B-C50C-407E-A947-70E740481C1C}">
-                <a14:useLocalDpi xmlns:a14="http://schemas.microsoft.com/office/drawing/2010/main" val="0"/>
-              </a:ext>
-            </a:extLst>
-          </a:blip>
-          <a:srcRect b="9028"/>
+        <p:blipFill>
+          <a:blip r:embed="rId4"/>
+          <a:srcRect l="1048" r="1048"/>
           <a:stretch/>
         </p:blipFill>
         <p:spPr bwMode="auto">
@@ -20296,8 +20450,8 @@
         </p:nvSpPr>
         <p:spPr>
           <a:xfrm>
-            <a:off x="137455" y="812671"/>
-            <a:ext cx="4324235" cy="3820557"/>
+            <a:off x="-135731" y="661471"/>
+            <a:ext cx="4707731" cy="3820557"/>
           </a:xfrm>
         </p:spPr>
         <p:txBody>
@@ -20316,7 +20470,7 @@
                 </a:solidFill>
                 <a:sym typeface="Wingdings" panose="05000000000000000000" pitchFamily="2" charset="2"/>
               </a:rPr>
-              <a:t>Semantic</a:t>
+              <a:t>Principle : </a:t>
             </a:r>
             <a:r>
               <a:rPr lang="en-US" sz="1400" dirty="0">
@@ -20325,7 +20479,182 @@
                 </a:solidFill>
                 <a:sym typeface="Wingdings" panose="05000000000000000000" pitchFamily="2" charset="2"/>
               </a:rPr>
-              <a:t> Image Segmentation </a:t>
+              <a:t>Recommendations based on similar users. </a:t>
+            </a:r>
+          </a:p>
+          <a:p>
+            <a:pPr>
+              <a:lnSpc>
+                <a:spcPct val="200000"/>
+              </a:lnSpc>
+            </a:pPr>
+            <a:r>
+              <a:rPr lang="en-US" sz="1400" b="1" dirty="0">
+                <a:solidFill>
+                  <a:schemeClr val="tx1"/>
+                </a:solidFill>
+                <a:sym typeface="Wingdings" panose="05000000000000000000" pitchFamily="2" charset="2"/>
+              </a:rPr>
+              <a:t>Category based </a:t>
+            </a:r>
+            <a:r>
+              <a:rPr lang="en-US" sz="1400" dirty="0">
+                <a:solidFill>
+                  <a:schemeClr val="tx1"/>
+                </a:solidFill>
+                <a:sym typeface="Wingdings" panose="05000000000000000000" pitchFamily="2" charset="2"/>
+              </a:rPr>
+              <a:t>Implementation with </a:t>
+            </a:r>
+            <a:r>
+              <a:rPr lang="en-US" sz="1400" b="1" dirty="0">
+                <a:solidFill>
+                  <a:schemeClr val="tx1"/>
+                </a:solidFill>
+                <a:sym typeface="Wingdings" panose="05000000000000000000" pitchFamily="2" charset="2"/>
+              </a:rPr>
+              <a:t>Surprise</a:t>
+            </a:r>
+          </a:p>
+          <a:p>
+            <a:pPr>
+              <a:lnSpc>
+                <a:spcPct val="200000"/>
+              </a:lnSpc>
+            </a:pPr>
+            <a:r>
+              <a:rPr lang="en-US" sz="1400" dirty="0">
+                <a:solidFill>
+                  <a:schemeClr val="tx1"/>
+                </a:solidFill>
+                <a:sym typeface="Wingdings" panose="05000000000000000000" pitchFamily="2" charset="2"/>
+              </a:rPr>
+              <a:t>Testing of different algorithms </a:t>
+            </a:r>
+            <a:r>
+              <a:rPr lang="en-US" sz="1400" b="1" dirty="0">
+                <a:solidFill>
+                  <a:schemeClr val="tx1"/>
+                </a:solidFill>
+                <a:sym typeface="Wingdings" panose="05000000000000000000" pitchFamily="2" charset="2"/>
+              </a:rPr>
+              <a:t>:</a:t>
+            </a:r>
+          </a:p>
+          <a:p>
+            <a:pPr lvl="1">
+              <a:lnSpc>
+                <a:spcPct val="150000"/>
+              </a:lnSpc>
+              <a:buFont typeface="Wingdings" panose="05000000000000000000" pitchFamily="2" charset="2"/>
+              <a:buChar char="Ø"/>
+            </a:pPr>
+            <a:r>
+              <a:rPr lang="en-US" sz="1400" dirty="0">
+                <a:solidFill>
+                  <a:schemeClr val="tx1"/>
+                </a:solidFill>
+                <a:sym typeface="Wingdings" panose="05000000000000000000" pitchFamily="2" charset="2"/>
+              </a:rPr>
+              <a:t>Singular Value Decomposition (SVD)</a:t>
+            </a:r>
+          </a:p>
+          <a:p>
+            <a:pPr lvl="1">
+              <a:lnSpc>
+                <a:spcPct val="150000"/>
+              </a:lnSpc>
+              <a:buFont typeface="Wingdings" panose="05000000000000000000" pitchFamily="2" charset="2"/>
+              <a:buChar char="Ø"/>
+            </a:pPr>
+            <a:r>
+              <a:rPr lang="en-US" sz="1400" dirty="0" err="1">
+                <a:solidFill>
+                  <a:schemeClr val="tx1"/>
+                </a:solidFill>
+                <a:sym typeface="Wingdings" panose="05000000000000000000" pitchFamily="2" charset="2"/>
+              </a:rPr>
+              <a:t>SlopeOne</a:t>
+            </a:r>
+            <a:endParaRPr lang="en-US" sz="1400" dirty="0">
+              <a:solidFill>
+                <a:schemeClr val="tx1"/>
+              </a:solidFill>
+              <a:sym typeface="Wingdings" panose="05000000000000000000" pitchFamily="2" charset="2"/>
+            </a:endParaRPr>
+          </a:p>
+          <a:p>
+            <a:pPr lvl="1">
+              <a:lnSpc>
+                <a:spcPct val="150000"/>
+              </a:lnSpc>
+              <a:buFont typeface="Wingdings" panose="05000000000000000000" pitchFamily="2" charset="2"/>
+              <a:buChar char="Ø"/>
+            </a:pPr>
+            <a:r>
+              <a:rPr lang="en-US" sz="1400" b="1" dirty="0">
+                <a:solidFill>
+                  <a:schemeClr val="tx1"/>
+                </a:solidFill>
+                <a:sym typeface="Wingdings" panose="05000000000000000000" pitchFamily="2" charset="2"/>
+              </a:rPr>
+              <a:t>Non-negative Matrix Factorization (NMF)</a:t>
+            </a:r>
+          </a:p>
+          <a:p>
+            <a:pPr>
+              <a:lnSpc>
+                <a:spcPct val="200000"/>
+              </a:lnSpc>
+            </a:pPr>
+            <a:r>
+              <a:rPr lang="en-US" sz="1400" b="1" dirty="0">
+                <a:solidFill>
+                  <a:schemeClr val="tx1"/>
+                </a:solidFill>
+                <a:sym typeface="Wingdings" panose="05000000000000000000" pitchFamily="2" charset="2"/>
+              </a:rPr>
+              <a:t>Hyperparameter Optimization with Grid Search</a:t>
+            </a:r>
+            <a:endParaRPr lang="en-US" sz="1400" dirty="0">
+              <a:solidFill>
+                <a:schemeClr val="tx1"/>
+              </a:solidFill>
+              <a:sym typeface="Wingdings" panose="05000000000000000000" pitchFamily="2" charset="2"/>
+            </a:endParaRPr>
+          </a:p>
+          <a:p>
+            <a:pPr>
+              <a:lnSpc>
+                <a:spcPct val="200000"/>
+              </a:lnSpc>
+            </a:pPr>
+            <a:r>
+              <a:rPr lang="en-US" sz="1400" dirty="0">
+                <a:solidFill>
+                  <a:schemeClr val="tx1"/>
+                </a:solidFill>
+                <a:sym typeface="Wingdings" panose="05000000000000000000" pitchFamily="2" charset="2"/>
+              </a:rPr>
+              <a:t>Performance metrics : </a:t>
+            </a:r>
+            <a:r>
+              <a:rPr lang="en-US" sz="1400" b="1" dirty="0">
+                <a:solidFill>
+                  <a:schemeClr val="tx1"/>
+                </a:solidFill>
+                <a:sym typeface="Wingdings" panose="05000000000000000000" pitchFamily="2" charset="2"/>
+              </a:rPr>
+              <a:t>Root Mean Square Error</a:t>
+            </a:r>
+            <a:r>
+              <a:rPr lang="en-US" sz="1400" dirty="0">
+                <a:solidFill>
+                  <a:schemeClr val="tx1"/>
+                </a:solidFill>
+                <a:sym typeface="Wingdings" panose="05000000000000000000" pitchFamily="2" charset="2"/>
+              </a:rPr>
+              <a:t>, Fraction of Concordant Pairs (FCP)</a:t>
             </a:r>
             <a:endParaRPr lang="en-US" sz="1400" b="1" dirty="0">
               <a:solidFill>
@@ -20347,237 +20676,8 @@
                 </a:solidFill>
                 <a:sym typeface="Wingdings" panose="05000000000000000000" pitchFamily="2" charset="2"/>
               </a:rPr>
-              <a:t>Use of Convolutional Neural Networks (CNN) </a:t>
+              <a:t>Final results : RMSE = 4.27, FCP = 0.54</a:t>
             </a:r>
-          </a:p>
-          <a:p>
-            <a:pPr>
-              <a:lnSpc>
-                <a:spcPct val="150000"/>
-              </a:lnSpc>
-            </a:pPr>
-            <a:r>
-              <a:rPr lang="en-US" sz="1400" b="1" dirty="0">
-                <a:solidFill>
-                  <a:schemeClr val="tx1"/>
-                </a:solidFill>
-                <a:sym typeface="Wingdings" panose="05000000000000000000" pitchFamily="2" charset="2"/>
-              </a:rPr>
-              <a:t>Performance Metrics :  Dice Coefficient – Intersection over Union </a:t>
-            </a:r>
-            <a:r>
-              <a:rPr lang="en-US" sz="1400" dirty="0">
-                <a:solidFill>
-                  <a:schemeClr val="tx1"/>
-                </a:solidFill>
-                <a:sym typeface="Wingdings" panose="05000000000000000000" pitchFamily="2" charset="2"/>
-              </a:rPr>
-              <a:t>(</a:t>
-            </a:r>
-            <a:r>
-              <a:rPr lang="en-US" sz="1400" dirty="0" err="1">
-                <a:solidFill>
-                  <a:schemeClr val="tx1"/>
-                </a:solidFill>
-                <a:sym typeface="Wingdings" panose="05000000000000000000" pitchFamily="2" charset="2"/>
-              </a:rPr>
-              <a:t>IoU</a:t>
-            </a:r>
-            <a:r>
-              <a:rPr lang="en-US" sz="1400" dirty="0">
-                <a:solidFill>
-                  <a:schemeClr val="tx1"/>
-                </a:solidFill>
-                <a:sym typeface="Wingdings" panose="05000000000000000000" pitchFamily="2" charset="2"/>
-              </a:rPr>
-              <a:t>) – Mean One-Hot</a:t>
-            </a:r>
-          </a:p>
-          <a:p>
-            <a:pPr>
-              <a:lnSpc>
-                <a:spcPct val="200000"/>
-              </a:lnSpc>
-            </a:pPr>
-            <a:r>
-              <a:rPr lang="en-US" sz="1400" dirty="0">
-                <a:solidFill>
-                  <a:schemeClr val="tx1"/>
-                </a:solidFill>
-                <a:sym typeface="Wingdings" panose="05000000000000000000" pitchFamily="2" charset="2"/>
-              </a:rPr>
-              <a:t>Other metric : </a:t>
-            </a:r>
-            <a:r>
-              <a:rPr lang="en-US" sz="1400" b="1" dirty="0">
-                <a:solidFill>
-                  <a:schemeClr val="tx1"/>
-                </a:solidFill>
-                <a:sym typeface="Wingdings" panose="05000000000000000000" pitchFamily="2" charset="2"/>
-              </a:rPr>
-              <a:t>shape of the predicted masks</a:t>
-            </a:r>
-          </a:p>
-          <a:p>
-            <a:pPr>
-              <a:lnSpc>
-                <a:spcPct val="200000"/>
-              </a:lnSpc>
-            </a:pPr>
-            <a:r>
-              <a:rPr lang="en-US" sz="1400" b="1" dirty="0">
-                <a:solidFill>
-                  <a:schemeClr val="tx1"/>
-                </a:solidFill>
-                <a:sym typeface="Wingdings" panose="05000000000000000000" pitchFamily="2" charset="2"/>
-              </a:rPr>
-              <a:t>Optimizer : </a:t>
-            </a:r>
-            <a:r>
-              <a:rPr lang="en-US" sz="1400" dirty="0">
-                <a:solidFill>
-                  <a:schemeClr val="tx1"/>
-                </a:solidFill>
-                <a:sym typeface="Wingdings" panose="05000000000000000000" pitchFamily="2" charset="2"/>
-              </a:rPr>
-              <a:t>Adam – </a:t>
-            </a:r>
-            <a:r>
-              <a:rPr lang="en-US" sz="1400" b="1" dirty="0">
-                <a:solidFill>
-                  <a:schemeClr val="tx1"/>
-                </a:solidFill>
-                <a:sym typeface="Wingdings" panose="05000000000000000000" pitchFamily="2" charset="2"/>
-              </a:rPr>
-              <a:t>Adam Weighted (</a:t>
-            </a:r>
-            <a:r>
-              <a:rPr lang="en-US" sz="1400" b="1" dirty="0" err="1">
-                <a:solidFill>
-                  <a:schemeClr val="tx1"/>
-                </a:solidFill>
-                <a:sym typeface="Wingdings" panose="05000000000000000000" pitchFamily="2" charset="2"/>
-              </a:rPr>
-              <a:t>AdamW</a:t>
-            </a:r>
-            <a:r>
-              <a:rPr lang="en-US" sz="1400" b="1" dirty="0">
-                <a:solidFill>
-                  <a:schemeClr val="tx1"/>
-                </a:solidFill>
-                <a:sym typeface="Wingdings" panose="05000000000000000000" pitchFamily="2" charset="2"/>
-              </a:rPr>
-              <a:t>)</a:t>
-            </a:r>
-          </a:p>
-          <a:p>
-            <a:pPr>
-              <a:lnSpc>
-                <a:spcPct val="200000"/>
-              </a:lnSpc>
-            </a:pPr>
-            <a:r>
-              <a:rPr lang="en-US" sz="1400" b="1" dirty="0">
-                <a:solidFill>
-                  <a:schemeClr val="tx1"/>
-                </a:solidFill>
-                <a:sym typeface="Wingdings" panose="05000000000000000000" pitchFamily="2" charset="2"/>
-              </a:rPr>
-              <a:t>Loss </a:t>
-            </a:r>
-            <a:r>
-              <a:rPr lang="en-US" sz="1400" dirty="0">
-                <a:solidFill>
-                  <a:schemeClr val="tx1"/>
-                </a:solidFill>
-                <a:sym typeface="Wingdings" panose="05000000000000000000" pitchFamily="2" charset="2"/>
-              </a:rPr>
-              <a:t>: </a:t>
-            </a:r>
-            <a:r>
-              <a:rPr lang="en-US" sz="1400" b="1" dirty="0">
-                <a:solidFill>
-                  <a:schemeClr val="tx1"/>
-                </a:solidFill>
-                <a:sym typeface="Wingdings" panose="05000000000000000000" pitchFamily="2" charset="2"/>
-              </a:rPr>
-              <a:t>Categorical Cross-Entropy </a:t>
-            </a:r>
-            <a:r>
-              <a:rPr lang="en-US" sz="1400" dirty="0">
-                <a:solidFill>
-                  <a:schemeClr val="tx1"/>
-                </a:solidFill>
-                <a:sym typeface="Wingdings" panose="05000000000000000000" pitchFamily="2" charset="2"/>
-              </a:rPr>
-              <a:t>– Dice Loss</a:t>
-            </a:r>
-          </a:p>
-          <a:p>
-            <a:pPr>
-              <a:lnSpc>
-                <a:spcPct val="150000"/>
-              </a:lnSpc>
-            </a:pPr>
-            <a:r>
-              <a:rPr lang="en-US" sz="1400" dirty="0">
-                <a:solidFill>
-                  <a:schemeClr val="tx1"/>
-                </a:solidFill>
-                <a:sym typeface="Wingdings" panose="05000000000000000000" pitchFamily="2" charset="2"/>
-              </a:rPr>
-              <a:t>Use of </a:t>
-            </a:r>
-            <a:r>
-              <a:rPr lang="en-US" sz="1400" b="1" dirty="0">
-                <a:solidFill>
-                  <a:schemeClr val="tx1"/>
-                </a:solidFill>
-                <a:sym typeface="Wingdings" panose="05000000000000000000" pitchFamily="2" charset="2"/>
-              </a:rPr>
-              <a:t>skip connections </a:t>
-            </a:r>
-            <a:r>
-              <a:rPr lang="en-US" sz="1400" dirty="0">
-                <a:solidFill>
-                  <a:schemeClr val="tx1"/>
-                </a:solidFill>
-                <a:sym typeface="Wingdings" panose="05000000000000000000" pitchFamily="2" charset="2"/>
-              </a:rPr>
-              <a:t>to prevent the loss of low-level information</a:t>
-            </a:r>
-          </a:p>
-          <a:p>
-            <a:pPr>
-              <a:lnSpc>
-                <a:spcPct val="150000"/>
-              </a:lnSpc>
-            </a:pPr>
-            <a:r>
-              <a:rPr lang="en-US" sz="1400" b="1" dirty="0">
-                <a:solidFill>
-                  <a:schemeClr val="tx1"/>
-                </a:solidFill>
-                <a:sym typeface="Wingdings" panose="05000000000000000000" pitchFamily="2" charset="2"/>
-              </a:rPr>
-              <a:t>Transfer learning </a:t>
-            </a:r>
-            <a:r>
-              <a:rPr lang="en-US" sz="1400" dirty="0">
-                <a:solidFill>
-                  <a:schemeClr val="tx1"/>
-                </a:solidFill>
-                <a:sym typeface="Wingdings" panose="05000000000000000000" pitchFamily="2" charset="2"/>
-              </a:rPr>
-              <a:t>for encoder necessary  reduce computation time </a:t>
-            </a:r>
-          </a:p>
-          <a:p>
-            <a:pPr>
-              <a:lnSpc>
-                <a:spcPct val="200000"/>
-              </a:lnSpc>
-            </a:pPr>
             <a:endParaRPr lang="en-US" sz="1400" dirty="0">
               <a:solidFill>
                 <a:schemeClr val="tx1"/>
@@ -20646,8 +20746,8 @@
         </p:nvSpPr>
         <p:spPr>
           <a:xfrm>
-            <a:off x="367273" y="131509"/>
-            <a:ext cx="3864600" cy="863367"/>
+            <a:off x="367273" y="131510"/>
+            <a:ext cx="3864600" cy="532860"/>
           </a:xfrm>
         </p:spPr>
         <p:txBody>
@@ -20660,7 +20760,7 @@
                   <a:schemeClr val="tx1"/>
                 </a:solidFill>
               </a:rPr>
-              <a:t>Image Segmentation principles</a:t>
+              <a:t>Collaborative Filtering (Category based)</a:t>
             </a:r>
             <a:endParaRPr lang="en-US" b="1" dirty="0">
               <a:solidFill>
@@ -20701,10 +20801,10 @@
       </p:sp>
       <p:pic>
         <p:nvPicPr>
-          <p:cNvPr id="2050" name="Picture 2">
+          <p:cNvPr id="1028" name="Picture 4">
             <a:extLst>
               <a:ext uri="{FF2B5EF4-FFF2-40B4-BE49-F238E27FC236}">
-                <a16:creationId xmlns:a16="http://schemas.microsoft.com/office/drawing/2014/main" id="{59AD0B40-CC21-BCFC-EF76-CE504F4621FB}"/>
+                <a16:creationId xmlns:a16="http://schemas.microsoft.com/office/drawing/2014/main" id="{1A1504EB-849F-3ACF-FD24-279618F3585F}"/>
               </a:ext>
             </a:extLst>
           </p:cNvPr>
@@ -20728,8 +20828,8 @@
         </p:blipFill>
         <p:spPr bwMode="auto">
           <a:xfrm>
-            <a:off x="4572000" y="180157"/>
-            <a:ext cx="4572000" cy="2173044"/>
+            <a:off x="5670821" y="1"/>
+            <a:ext cx="2405970" cy="2921794"/>
           </a:xfrm>
           <a:prstGeom prst="rect">
             <a:avLst/>
@@ -20753,10 +20853,10 @@
       </p:pic>
       <p:pic>
         <p:nvPicPr>
-          <p:cNvPr id="2052" name="Picture 4">
+          <p:cNvPr id="1030" name="Picture 6">
             <a:extLst>
               <a:ext uri="{FF2B5EF4-FFF2-40B4-BE49-F238E27FC236}">
-                <a16:creationId xmlns:a16="http://schemas.microsoft.com/office/drawing/2014/main" id="{35BE0A28-7B15-0BAA-4308-ABEE0295963D}"/>
+                <a16:creationId xmlns:a16="http://schemas.microsoft.com/office/drawing/2014/main" id="{ABC35645-023F-AC88-A600-892D354AF441}"/>
               </a:ext>
             </a:extLst>
           </p:cNvPr>
@@ -20780,8 +20880,8 @@
         </p:blipFill>
         <p:spPr bwMode="auto">
           <a:xfrm>
-            <a:off x="4985032" y="2467407"/>
-            <a:ext cx="3745936" cy="2538774"/>
+            <a:off x="4572000" y="2981235"/>
+            <a:ext cx="4564784" cy="1675928"/>
           </a:xfrm>
           <a:prstGeom prst="rect">
             <a:avLst/>
@@ -20803,6 +20903,54 @@
           </a:extLst>
         </p:spPr>
       </p:pic>
+      <p:sp>
+        <p:nvSpPr>
+          <p:cNvPr id="2" name="TextBox 1">
+            <a:extLst>
+              <a:ext uri="{FF2B5EF4-FFF2-40B4-BE49-F238E27FC236}">
+                <a16:creationId xmlns:a16="http://schemas.microsoft.com/office/drawing/2014/main" id="{35721AD6-E869-FC81-3002-8C42789EEB88}"/>
+              </a:ext>
+            </a:extLst>
+          </p:cNvPr>
+          <p:cNvSpPr txBox="1"/>
+          <p:nvPr/>
+        </p:nvSpPr>
+        <p:spPr>
+          <a:xfrm>
+            <a:off x="5325629" y="4661166"/>
+            <a:ext cx="3057525" cy="307777"/>
+          </a:xfrm>
+          <a:prstGeom prst="rect">
+            <a:avLst/>
+          </a:prstGeom>
+          <a:noFill/>
+        </p:spPr>
+        <p:txBody>
+          <a:bodyPr wrap="square" rtlCol="0">
+            <a:spAutoFit/>
+          </a:bodyPr>
+          <a:lstStyle/>
+          <a:p>
+            <a:r>
+              <a:rPr lang="fr-FR" u="sng" dirty="0"/>
+              <a:t>Non-</a:t>
+            </a:r>
+            <a:r>
+              <a:rPr lang="fr-FR" u="sng" dirty="0" err="1"/>
+              <a:t>negative</a:t>
+            </a:r>
+            <a:r>
+              <a:rPr lang="fr-FR" u="sng" dirty="0"/>
+              <a:t> Matrix </a:t>
+            </a:r>
+            <a:r>
+              <a:rPr lang="fr-FR" u="sng" dirty="0" err="1"/>
+              <a:t>Factorization</a:t>
+            </a:r>
+            <a:endParaRPr lang="fr-FR" u="sng" dirty="0"/>
+          </a:p>
+        </p:txBody>
+      </p:sp>
     </p:spTree>
     <p:extLst>
       <p:ext uri="{BB962C8B-B14F-4D97-AF65-F5344CB8AC3E}">
@@ -20851,8 +20999,8 @@
         </p:nvSpPr>
         <p:spPr>
           <a:xfrm>
-            <a:off x="-50400" y="1059675"/>
-            <a:ext cx="4622399" cy="3820557"/>
+            <a:off x="-135731" y="486337"/>
+            <a:ext cx="4707731" cy="3820557"/>
           </a:xfrm>
         </p:spPr>
         <p:txBody>
@@ -20861,7 +21009,7 @@
           <a:p>
             <a:pPr>
               <a:lnSpc>
-                <a:spcPct val="100000"/>
+                <a:spcPct val="200000"/>
               </a:lnSpc>
             </a:pPr>
             <a:r>
@@ -20871,7 +21019,7 @@
                 </a:solidFill>
                 <a:sym typeface="Wingdings" panose="05000000000000000000" pitchFamily="2" charset="2"/>
               </a:rPr>
-              <a:t>Study of research paper : </a:t>
+              <a:t>Principle : </a:t>
             </a:r>
             <a:r>
               <a:rPr lang="en-US" sz="1400" dirty="0">
@@ -20880,7 +21028,7 @@
                 </a:solidFill>
                 <a:sym typeface="Wingdings" panose="05000000000000000000" pitchFamily="2" charset="2"/>
               </a:rPr>
-              <a:t>Real-Time Semantic Image Segmentation with Deep Learning for Autonomous Driving : A Survey</a:t>
+              <a:t>Recommendations based on products similar to those liked/viewed by users</a:t>
             </a:r>
           </a:p>
           <a:p>
@@ -20888,6 +21036,57 @@
               <a:lnSpc>
                 <a:spcPct val="200000"/>
               </a:lnSpc>
+            </a:pPr>
+            <a:r>
+              <a:rPr lang="en-US" sz="1400" dirty="0">
+                <a:solidFill>
+                  <a:schemeClr val="tx1"/>
+                </a:solidFill>
+                <a:sym typeface="Wingdings" panose="05000000000000000000" pitchFamily="2" charset="2"/>
+              </a:rPr>
+              <a:t>Implementation with </a:t>
+            </a:r>
+            <a:r>
+              <a:rPr lang="en-US" sz="1400" b="1" dirty="0">
+                <a:solidFill>
+                  <a:schemeClr val="tx1"/>
+                </a:solidFill>
+                <a:sym typeface="Wingdings" panose="05000000000000000000" pitchFamily="2" charset="2"/>
+              </a:rPr>
+              <a:t>Cosine Similarity</a:t>
+            </a:r>
+          </a:p>
+          <a:p>
+            <a:pPr>
+              <a:lnSpc>
+                <a:spcPct val="200000"/>
+              </a:lnSpc>
+            </a:pPr>
+            <a:r>
+              <a:rPr lang="en-US" sz="1400" dirty="0">
+                <a:solidFill>
+                  <a:schemeClr val="tx1"/>
+                </a:solidFill>
+                <a:sym typeface="Wingdings" panose="05000000000000000000" pitchFamily="2" charset="2"/>
+              </a:rPr>
+              <a:t>Limitation : </a:t>
+            </a:r>
+            <a:r>
+              <a:rPr lang="en-US" sz="1400" b="1" dirty="0">
+                <a:solidFill>
+                  <a:schemeClr val="tx1"/>
+                </a:solidFill>
+                <a:sym typeface="Wingdings" panose="05000000000000000000" pitchFamily="2" charset="2"/>
+              </a:rPr>
+              <a:t>size of cosine similarity matrix</a:t>
+            </a:r>
+          </a:p>
+          <a:p>
+            <a:pPr marL="171450" indent="0">
+              <a:lnSpc>
+                <a:spcPct val="200000"/>
+              </a:lnSpc>
+              <a:buNone/>
             </a:pPr>
             <a:r>
               <a:rPr lang="en-US" sz="1400" b="1" dirty="0">
@@ -20896,7 +21095,7 @@
                 </a:solidFill>
                 <a:sym typeface="Wingdings" panose="05000000000000000000" pitchFamily="2" charset="2"/>
               </a:rPr>
-              <a:t>Best performance </a:t>
+              <a:t> </a:t>
             </a:r>
             <a:r>
               <a:rPr lang="en-US" sz="1400" dirty="0">
@@ -20905,16 +21104,50 @@
                 </a:solidFill>
                 <a:sym typeface="Wingdings" panose="05000000000000000000" pitchFamily="2" charset="2"/>
               </a:rPr>
-              <a:t>on </a:t>
+              <a:t>Necessary to </a:t>
             </a:r>
             <a:r>
-              <a:rPr lang="en-US" sz="1400" dirty="0" err="1">
+              <a:rPr lang="en-US" sz="1400" b="1" dirty="0">
                 <a:solidFill>
                   <a:schemeClr val="tx1"/>
                 </a:solidFill>
                 <a:sym typeface="Wingdings" panose="05000000000000000000" pitchFamily="2" charset="2"/>
               </a:rPr>
-              <a:t>Cityscrapes</a:t>
+              <a:t>keep only articles viewed by users (45k / 364k) </a:t>
+            </a:r>
+          </a:p>
+          <a:p>
+            <a:pPr>
+              <a:lnSpc>
+                <a:spcPct val="200000"/>
+              </a:lnSpc>
+            </a:pPr>
+            <a:r>
+              <a:rPr lang="en-US" sz="1400" dirty="0">
+                <a:solidFill>
+                  <a:schemeClr val="tx1"/>
+                </a:solidFill>
+                <a:sym typeface="Wingdings" panose="05000000000000000000" pitchFamily="2" charset="2"/>
+              </a:rPr>
+              <a:t>For each user :</a:t>
+            </a:r>
+          </a:p>
+          <a:p>
+            <a:pPr lvl="1">
+              <a:lnSpc>
+                <a:spcPct val="150000"/>
+              </a:lnSpc>
+              <a:buFont typeface="Wingdings" panose="05000000000000000000" pitchFamily="2" charset="2"/>
+              <a:buChar char="Ø"/>
+            </a:pPr>
+            <a:r>
+              <a:rPr lang="en-US" sz="1400" b="1" dirty="0">
+                <a:solidFill>
+                  <a:schemeClr val="tx1"/>
+                </a:solidFill>
+                <a:sym typeface="Wingdings" panose="05000000000000000000" pitchFamily="2" charset="2"/>
+              </a:rPr>
+              <a:t>Compute cosine similarity matrix </a:t>
             </a:r>
             <a:r>
               <a:rPr lang="en-US" sz="1400" dirty="0">
@@ -20923,81 +21156,13 @@
                 </a:solidFill>
                 <a:sym typeface="Wingdings" panose="05000000000000000000" pitchFamily="2" charset="2"/>
               </a:rPr>
-              <a:t> dataset : </a:t>
+              <a:t>of all read articles</a:t>
             </a:r>
-            <a:r>
-              <a:rPr lang="en-US" sz="1400" b="1" dirty="0">
-                <a:solidFill>
-                  <a:schemeClr val="tx1"/>
-                </a:solidFill>
-                <a:sym typeface="Wingdings" panose="05000000000000000000" pitchFamily="2" charset="2"/>
-              </a:rPr>
-              <a:t>SQ (</a:t>
-            </a:r>
-            <a:r>
-              <a:rPr lang="en-US" sz="1400" b="1" dirty="0" err="1">
-                <a:solidFill>
-                  <a:schemeClr val="tx1"/>
-                </a:solidFill>
-                <a:sym typeface="Wingdings" panose="05000000000000000000" pitchFamily="2" charset="2"/>
-              </a:rPr>
-              <a:t>SqueezeNet</a:t>
-            </a:r>
-            <a:r>
-              <a:rPr lang="en-US" sz="1400" b="1" dirty="0">
-                <a:solidFill>
-                  <a:schemeClr val="tx1"/>
-                </a:solidFill>
-                <a:sym typeface="Wingdings" panose="05000000000000000000" pitchFamily="2" charset="2"/>
-              </a:rPr>
-              <a:t> encoder)</a:t>
-            </a:r>
-          </a:p>
-          <a:p>
-            <a:pPr>
-              <a:lnSpc>
-                <a:spcPct val="200000"/>
-              </a:lnSpc>
-            </a:pPr>
-            <a:r>
-              <a:rPr lang="en-US" sz="1400" b="1" dirty="0">
-                <a:solidFill>
-                  <a:schemeClr val="tx1"/>
-                </a:solidFill>
-                <a:sym typeface="Wingdings" panose="05000000000000000000" pitchFamily="2" charset="2"/>
-              </a:rPr>
-              <a:t>Fastest model : STDC1-50 </a:t>
-            </a:r>
-            <a:r>
-              <a:rPr lang="en-US" sz="1400" dirty="0">
-                <a:solidFill>
-                  <a:schemeClr val="tx1"/>
-                </a:solidFill>
-                <a:sym typeface="Wingdings" panose="05000000000000000000" pitchFamily="2" charset="2"/>
-              </a:rPr>
-              <a:t>(STDC backbone)</a:t>
-            </a:r>
-          </a:p>
-          <a:p>
-            <a:pPr>
-              <a:lnSpc>
-                <a:spcPct val="200000"/>
-              </a:lnSpc>
-            </a:pPr>
-            <a:r>
-              <a:rPr lang="en-US" sz="1400" dirty="0">
-                <a:solidFill>
-                  <a:schemeClr val="tx1"/>
-                </a:solidFill>
-                <a:sym typeface="Wingdings" panose="05000000000000000000" pitchFamily="2" charset="2"/>
-              </a:rPr>
-              <a:t>2 main problems with state of the art models:</a:t>
-            </a:r>
           </a:p>
           <a:p>
             <a:pPr lvl="1">
               <a:lnSpc>
-                <a:spcPct val="200000"/>
+                <a:spcPct val="150000"/>
               </a:lnSpc>
               <a:buFont typeface="Wingdings" panose="05000000000000000000" pitchFamily="2" charset="2"/>
               <a:buChar char="Ø"/>
@@ -21009,31 +21174,13 @@
                 </a:solidFill>
                 <a:sym typeface="Wingdings" panose="05000000000000000000" pitchFamily="2" charset="2"/>
               </a:rPr>
-              <a:t> Models not implemented in </a:t>
+              <a:t>Multiply score by number of clicks</a:t>
             </a:r>
-            <a:r>
-              <a:rPr lang="en-US" sz="1400" dirty="0" err="1">
-                <a:solidFill>
-                  <a:schemeClr val="tx1"/>
-                </a:solidFill>
-                <a:sym typeface="Wingdings" panose="05000000000000000000" pitchFamily="2" charset="2"/>
-              </a:rPr>
-              <a:t>Keras</a:t>
-            </a:r>
-            <a:r>
-              <a:rPr lang="en-US" sz="1400" dirty="0">
-                <a:solidFill>
-                  <a:schemeClr val="tx1"/>
-                </a:solidFill>
-                <a:sym typeface="Wingdings" panose="05000000000000000000" pitchFamily="2" charset="2"/>
-              </a:rPr>
-              <a:t> / TF</a:t>
-            </a:r>
           </a:p>
           <a:p>
             <a:pPr lvl="1">
               <a:lnSpc>
-                <a:spcPct val="200000"/>
+                <a:spcPct val="150000"/>
               </a:lnSpc>
               <a:buFont typeface="Wingdings" panose="05000000000000000000" pitchFamily="2" charset="2"/>
               <a:buChar char="Ø"/>
@@ -21045,82 +21192,8 @@
                 </a:solidFill>
                 <a:sym typeface="Wingdings" panose="05000000000000000000" pitchFamily="2" charset="2"/>
               </a:rPr>
-              <a:t>Training requires high computational power</a:t>
+              <a:t>Remove articles already seen by user</a:t>
             </a:r>
-            <a:endParaRPr lang="en-US" sz="1400" dirty="0">
-              <a:solidFill>
-                <a:schemeClr val="tx1"/>
-              </a:solidFill>
-              <a:sym typeface="Wingdings" panose="05000000000000000000" pitchFamily="2" charset="2"/>
-            </a:endParaRPr>
-          </a:p>
-          <a:p>
-            <a:pPr marL="171450" indent="0">
-              <a:lnSpc>
-                <a:spcPct val="150000"/>
-              </a:lnSpc>
-              <a:buNone/>
-            </a:pPr>
-            <a:endParaRPr lang="en-US" sz="1400" b="1" dirty="0">
-              <a:solidFill>
-                <a:schemeClr val="tx1"/>
-              </a:solidFill>
-              <a:sym typeface="Wingdings" panose="05000000000000000000" pitchFamily="2" charset="2"/>
-            </a:endParaRPr>
-          </a:p>
-          <a:p>
-            <a:pPr>
-              <a:lnSpc>
-                <a:spcPct val="200000"/>
-              </a:lnSpc>
-            </a:pPr>
-            <a:endParaRPr lang="en-US" sz="1400" dirty="0">
-              <a:solidFill>
-                <a:schemeClr val="tx1"/>
-              </a:solidFill>
-              <a:sym typeface="Wingdings" panose="05000000000000000000" pitchFamily="2" charset="2"/>
-            </a:endParaRPr>
-          </a:p>
-          <a:p>
-            <a:pPr marL="171450" indent="0">
-              <a:lnSpc>
-                <a:spcPct val="200000"/>
-              </a:lnSpc>
-              <a:buNone/>
-            </a:pPr>
-            <a:endParaRPr lang="en-US" sz="1400" dirty="0">
-              <a:solidFill>
-                <a:schemeClr val="tx1"/>
-              </a:solidFill>
-              <a:sym typeface="Wingdings" panose="05000000000000000000" pitchFamily="2" charset="2"/>
-            </a:endParaRPr>
-          </a:p>
-          <a:p>
-            <a:pPr lvl="1">
-              <a:lnSpc>
-                <a:spcPct val="200000"/>
-              </a:lnSpc>
-              <a:buFont typeface="Wingdings" panose="05000000000000000000" pitchFamily="2" charset="2"/>
-              <a:buChar char="Ø"/>
-            </a:pPr>
-            <a:endParaRPr lang="en-US" sz="1400" dirty="0">
-              <a:solidFill>
-                <a:schemeClr val="tx1"/>
-              </a:solidFill>
-              <a:sym typeface="Wingdings" panose="05000000000000000000" pitchFamily="2" charset="2"/>
-            </a:endParaRPr>
-          </a:p>
-          <a:p>
-            <a:pPr>
-              <a:lnSpc>
-                <a:spcPct val="200000"/>
-              </a:lnSpc>
-            </a:pPr>
-            <a:endParaRPr lang="en-US" sz="1400" dirty="0">
-              <a:solidFill>
-                <a:schemeClr val="tx1"/>
-              </a:solidFill>
-            </a:endParaRPr>
           </a:p>
         </p:txBody>
       </p:sp>
@@ -21142,8 +21215,8 @@
         </p:nvSpPr>
         <p:spPr>
           <a:xfrm>
-            <a:off x="367273" y="131509"/>
-            <a:ext cx="3864600" cy="863367"/>
+            <a:off x="367273" y="131510"/>
+            <a:ext cx="3864600" cy="532860"/>
           </a:xfrm>
         </p:spPr>
         <p:txBody>
@@ -21156,7 +21229,7 @@
                   <a:schemeClr val="tx1"/>
                 </a:solidFill>
               </a:rPr>
-              <a:t>State of the Art Semantic Segmentation</a:t>
+              <a:t>Content-based Filtering</a:t>
             </a:r>
             <a:endParaRPr lang="en-US" b="1" dirty="0">
               <a:solidFill>
@@ -21197,10 +21270,10 @@
       </p:sp>
       <p:pic>
         <p:nvPicPr>
-          <p:cNvPr id="2050" name="Picture 2">
+          <p:cNvPr id="1028" name="Picture 4">
             <a:extLst>
               <a:ext uri="{FF2B5EF4-FFF2-40B4-BE49-F238E27FC236}">
-                <a16:creationId xmlns:a16="http://schemas.microsoft.com/office/drawing/2014/main" id="{59AD0B40-CC21-BCFC-EF76-CE504F4621FB}"/>
+                <a16:creationId xmlns:a16="http://schemas.microsoft.com/office/drawing/2014/main" id="{1A1504EB-849F-3ACF-FD24-279618F3585F}"/>
               </a:ext>
             </a:extLst>
           </p:cNvPr>
@@ -21216,8 +21289,8 @@
         </p:blipFill>
         <p:spPr bwMode="auto">
           <a:xfrm>
-            <a:off x="4572000" y="42837"/>
-            <a:ext cx="4572000" cy="2298843"/>
+            <a:off x="5808715" y="1"/>
+            <a:ext cx="2014631" cy="2557462"/>
           </a:xfrm>
           <a:prstGeom prst="rect">
             <a:avLst/>
@@ -21244,261 +21317,55 @@
           <p:cNvPr id="5" name="Picture 4">
             <a:extLst>
               <a:ext uri="{FF2B5EF4-FFF2-40B4-BE49-F238E27FC236}">
-                <a16:creationId xmlns:a16="http://schemas.microsoft.com/office/drawing/2014/main" id="{3390F76A-893E-3835-1391-A997B79D1D95}"/>
+                <a16:creationId xmlns:a16="http://schemas.microsoft.com/office/drawing/2014/main" id="{CEA5D4BD-34E6-7F38-0FBB-88BFFF53F65B}"/>
               </a:ext>
             </a:extLst>
           </p:cNvPr>
           <p:cNvPicPr>
-            <a:picLocks noChangeAspect="1"/>
+            <a:picLocks noChangeAspect="1" noChangeArrowheads="1"/>
           </p:cNvPicPr>
           <p:nvPr/>
         </p:nvPicPr>
         <p:blipFill rotWithShape="1">
-          <a:blip r:embed="rId4"/>
-          <a:srcRect l="1809" t="5099" r="3394" b="1884"/>
+          <a:blip r:embed="rId4">
+            <a:extLst>
+              <a:ext uri="{28A0092B-C50C-407E-A947-70E740481C1C}">
+                <a14:useLocalDpi xmlns:a14="http://schemas.microsoft.com/office/drawing/2010/main" val="0"/>
+              </a:ext>
+            </a:extLst>
+          </a:blip>
+          <a:srcRect b="9028"/>
           <a:stretch/>
         </p:blipFill>
-        <p:spPr>
+        <p:spPr bwMode="auto">
           <a:xfrm>
-            <a:off x="4571999" y="2406479"/>
-            <a:ext cx="4572001" cy="2520247"/>
+            <a:off x="5208059" y="2586037"/>
+            <a:ext cx="3355287" cy="2557462"/>
           </a:xfrm>
           <a:prstGeom prst="rect">
             <a:avLst/>
           </a:prstGeom>
+          <a:noFill/>
           <a:ln>
             <a:solidFill>
               <a:schemeClr val="tx1"/>
             </a:solidFill>
           </a:ln>
+          <a:extLst>
+            <a:ext uri="{909E8E84-426E-40DD-AFC4-6F175D3DCCD1}">
+              <a14:hiddenFill xmlns:a14="http://schemas.microsoft.com/office/drawing/2010/main">
+                <a:solidFill>
+                  <a:srgbClr val="FFFFFF"/>
+                </a:solidFill>
+              </a14:hiddenFill>
+            </a:ext>
+          </a:extLst>
         </p:spPr>
       </p:pic>
-      <p:sp>
-        <p:nvSpPr>
-          <p:cNvPr id="6" name="Star: 5 Points 5">
-            <a:extLst>
-              <a:ext uri="{FF2B5EF4-FFF2-40B4-BE49-F238E27FC236}">
-                <a16:creationId xmlns:a16="http://schemas.microsoft.com/office/drawing/2014/main" id="{B8046293-BB6F-E3EF-0F4F-F3B824B82D67}"/>
-              </a:ext>
-            </a:extLst>
-          </p:cNvPr>
-          <p:cNvSpPr/>
-          <p:nvPr/>
-        </p:nvSpPr>
-        <p:spPr>
-          <a:xfrm>
-            <a:off x="5313600" y="2362950"/>
-            <a:ext cx="194400" cy="208800"/>
-          </a:xfrm>
-          <a:prstGeom prst="star5">
-            <a:avLst/>
-          </a:prstGeom>
-          <a:solidFill>
-            <a:srgbClr val="FF0000"/>
-          </a:solidFill>
-          <a:ln w="19050">
-            <a:solidFill>
-              <a:srgbClr val="FF0000"/>
-            </a:solidFill>
-          </a:ln>
-        </p:spPr>
-        <p:style>
-          <a:lnRef idx="2">
-            <a:schemeClr val="accent1">
-              <a:shade val="50000"/>
-            </a:schemeClr>
-          </a:lnRef>
-          <a:fillRef idx="1">
-            <a:schemeClr val="accent1"/>
-          </a:fillRef>
-          <a:effectRef idx="0">
-            <a:schemeClr val="accent1"/>
-          </a:effectRef>
-          <a:fontRef idx="minor">
-            <a:schemeClr val="lt1"/>
-          </a:fontRef>
-        </p:style>
-        <p:txBody>
-          <a:bodyPr rtlCol="0" anchor="ctr"/>
-          <a:lstStyle/>
-          <a:p>
-            <a:pPr algn="ctr"/>
-            <a:endParaRPr lang="fr-FR"/>
-          </a:p>
-        </p:txBody>
-      </p:sp>
-      <p:sp>
-        <p:nvSpPr>
-          <p:cNvPr id="7" name="TextBox 6">
-            <a:extLst>
-              <a:ext uri="{FF2B5EF4-FFF2-40B4-BE49-F238E27FC236}">
-                <a16:creationId xmlns:a16="http://schemas.microsoft.com/office/drawing/2014/main" id="{7C7B1BE3-0C8E-E9B0-EC64-2BE70EE001EC}"/>
-              </a:ext>
-            </a:extLst>
-          </p:cNvPr>
-          <p:cNvSpPr txBox="1"/>
-          <p:nvPr/>
-        </p:nvSpPr>
-        <p:spPr>
-          <a:xfrm>
-            <a:off x="4921361" y="2310630"/>
-            <a:ext cx="444352" cy="307777"/>
-          </a:xfrm>
-          <a:prstGeom prst="rect">
-            <a:avLst/>
-          </a:prstGeom>
-          <a:noFill/>
-        </p:spPr>
-        <p:txBody>
-          <a:bodyPr wrap="none" rtlCol="0">
-            <a:spAutoFit/>
-          </a:bodyPr>
-          <a:lstStyle/>
-          <a:p>
-            <a:r>
-              <a:rPr lang="fr-FR" dirty="0"/>
-              <a:t>SQ</a:t>
-            </a:r>
-          </a:p>
-        </p:txBody>
-      </p:sp>
-      <p:cxnSp>
-        <p:nvCxnSpPr>
-          <p:cNvPr id="9" name="Straight Connector 8">
-            <a:extLst>
-              <a:ext uri="{FF2B5EF4-FFF2-40B4-BE49-F238E27FC236}">
-                <a16:creationId xmlns:a16="http://schemas.microsoft.com/office/drawing/2014/main" id="{6DA3AFA1-1ADF-3A30-9561-704EBA096BFE}"/>
-              </a:ext>
-            </a:extLst>
-          </p:cNvPr>
-          <p:cNvCxnSpPr>
-            <a:cxnSpLocks/>
-          </p:cNvCxnSpPr>
-          <p:nvPr/>
-        </p:nvCxnSpPr>
-        <p:spPr>
-          <a:xfrm>
-            <a:off x="5184000" y="3211200"/>
-            <a:ext cx="3844800" cy="0"/>
-          </a:xfrm>
-          <a:prstGeom prst="line">
-            <a:avLst/>
-          </a:prstGeom>
-          <a:ln w="19050"/>
-        </p:spPr>
-        <p:style>
-          <a:lnRef idx="1">
-            <a:schemeClr val="accent2"/>
-          </a:lnRef>
-          <a:fillRef idx="0">
-            <a:schemeClr val="accent2"/>
-          </a:fillRef>
-          <a:effectRef idx="0">
-            <a:schemeClr val="accent2"/>
-          </a:effectRef>
-          <a:fontRef idx="minor">
-            <a:schemeClr val="tx1"/>
-          </a:fontRef>
-        </p:style>
-      </p:cxnSp>
-      <p:sp>
-        <p:nvSpPr>
-          <p:cNvPr id="13" name="TextBox 12">
-            <a:extLst>
-              <a:ext uri="{FF2B5EF4-FFF2-40B4-BE49-F238E27FC236}">
-                <a16:creationId xmlns:a16="http://schemas.microsoft.com/office/drawing/2014/main" id="{2FFDC467-8E49-7EAD-8837-CA11525733AF}"/>
-              </a:ext>
-            </a:extLst>
-          </p:cNvPr>
-          <p:cNvSpPr txBox="1"/>
-          <p:nvPr/>
-        </p:nvSpPr>
-        <p:spPr>
-          <a:xfrm>
-            <a:off x="6857999" y="2969953"/>
-            <a:ext cx="2353529" cy="253916"/>
-          </a:xfrm>
-          <a:prstGeom prst="rect">
-            <a:avLst/>
-          </a:prstGeom>
-          <a:noFill/>
-        </p:spPr>
-        <p:txBody>
-          <a:bodyPr wrap="none" rtlCol="0">
-            <a:spAutoFit/>
-          </a:bodyPr>
-          <a:lstStyle/>
-          <a:p>
-            <a:r>
-              <a:rPr lang="fr-FR" sz="1050" dirty="0">
-                <a:solidFill>
-                  <a:srgbClr val="FF0000"/>
-                </a:solidFill>
-              </a:rPr>
-              <a:t>Performance </a:t>
-            </a:r>
-            <a:r>
-              <a:rPr lang="fr-FR" sz="1050" dirty="0" err="1">
-                <a:solidFill>
-                  <a:srgbClr val="FF0000"/>
-                </a:solidFill>
-              </a:rPr>
-              <a:t>reached</a:t>
-            </a:r>
-            <a:r>
-              <a:rPr lang="fr-FR" sz="1050" dirty="0">
-                <a:solidFill>
-                  <a:srgbClr val="FF0000"/>
-                </a:solidFill>
-              </a:rPr>
-              <a:t> by final model</a:t>
-            </a:r>
-          </a:p>
-        </p:txBody>
-      </p:sp>
-      <p:sp>
-        <p:nvSpPr>
-          <p:cNvPr id="14" name="TextBox 13">
-            <a:extLst>
-              <a:ext uri="{FF2B5EF4-FFF2-40B4-BE49-F238E27FC236}">
-                <a16:creationId xmlns:a16="http://schemas.microsoft.com/office/drawing/2014/main" id="{3CBCDEF6-CF2C-A850-1ACF-1BEFA1598B33}"/>
-              </a:ext>
-            </a:extLst>
-          </p:cNvPr>
-          <p:cNvSpPr txBox="1"/>
-          <p:nvPr/>
-        </p:nvSpPr>
-        <p:spPr>
-          <a:xfrm>
-            <a:off x="4610020" y="3080395"/>
-            <a:ext cx="458780" cy="261610"/>
-          </a:xfrm>
-          <a:prstGeom prst="rect">
-            <a:avLst/>
-          </a:prstGeom>
-          <a:noFill/>
-        </p:spPr>
-        <p:txBody>
-          <a:bodyPr wrap="none" rtlCol="0">
-            <a:spAutoFit/>
-          </a:bodyPr>
-          <a:lstStyle/>
-          <a:p>
-            <a:r>
-              <a:rPr lang="fr-FR" sz="1100" dirty="0">
-                <a:solidFill>
-                  <a:srgbClr val="FF0000"/>
-                </a:solidFill>
-              </a:rPr>
-              <a:t>73.5</a:t>
-            </a:r>
-          </a:p>
-        </p:txBody>
-      </p:sp>
     </p:spTree>
     <p:extLst>
       <p:ext uri="{BB962C8B-B14F-4D97-AF65-F5344CB8AC3E}">
-        <p14:creationId xmlns:p14="http://schemas.microsoft.com/office/powerpoint/2010/main" val="931853778"/>
+        <p14:creationId xmlns:p14="http://schemas.microsoft.com/office/powerpoint/2010/main" val="803853193"/>
       </p:ext>
     </p:extLst>
   </p:cSld>
@@ -21527,421 +21394,6 @@
       </p:grpSpPr>
       <p:sp>
         <p:nvSpPr>
-          <p:cNvPr id="4" name="Text Placeholder 3">
-            <a:extLst>
-              <a:ext uri="{FF2B5EF4-FFF2-40B4-BE49-F238E27FC236}">
-                <a16:creationId xmlns:a16="http://schemas.microsoft.com/office/drawing/2014/main" id="{41610F1B-947A-3609-E34C-6D6EF6D3BCE2}"/>
-              </a:ext>
-            </a:extLst>
-          </p:cNvPr>
-          <p:cNvSpPr>
-            <a:spLocks noGrp="1"/>
-          </p:cNvSpPr>
-          <p:nvPr>
-            <p:ph type="body" idx="1"/>
-          </p:nvPr>
-        </p:nvSpPr>
-        <p:spPr>
-          <a:xfrm>
-            <a:off x="-165599" y="504913"/>
-            <a:ext cx="4032000" cy="3820557"/>
-          </a:xfrm>
-        </p:spPr>
-        <p:txBody>
-          <a:bodyPr/>
-          <a:lstStyle/>
-          <a:p>
-            <a:pPr>
-              <a:lnSpc>
-                <a:spcPct val="200000"/>
-              </a:lnSpc>
-            </a:pPr>
-            <a:r>
-              <a:rPr lang="en-US" sz="1400" dirty="0">
-                <a:solidFill>
-                  <a:schemeClr val="tx1"/>
-                </a:solidFill>
-                <a:sym typeface="Wingdings" panose="05000000000000000000" pitchFamily="2" charset="2"/>
-              </a:rPr>
-              <a:t>Encoder used : </a:t>
-            </a:r>
-            <a:r>
-              <a:rPr lang="en-US" sz="1400" b="1" dirty="0">
-                <a:solidFill>
-                  <a:schemeClr val="tx1"/>
-                </a:solidFill>
-                <a:sym typeface="Wingdings" panose="05000000000000000000" pitchFamily="2" charset="2"/>
-              </a:rPr>
-              <a:t>MobileNetV2 </a:t>
-            </a:r>
-            <a:r>
-              <a:rPr lang="en-US" sz="1400" dirty="0">
-                <a:solidFill>
-                  <a:schemeClr val="tx1"/>
-                </a:solidFill>
-                <a:sym typeface="Wingdings" panose="05000000000000000000" pitchFamily="2" charset="2"/>
-              </a:rPr>
-              <a:t>loaded with ImageNet weights</a:t>
-            </a:r>
-          </a:p>
-          <a:p>
-            <a:pPr>
-              <a:lnSpc>
-                <a:spcPct val="200000"/>
-              </a:lnSpc>
-            </a:pPr>
-            <a:r>
-              <a:rPr lang="en-US" sz="1400" dirty="0">
-                <a:solidFill>
-                  <a:schemeClr val="tx1"/>
-                </a:solidFill>
-                <a:sym typeface="Wingdings" panose="05000000000000000000" pitchFamily="2" charset="2"/>
-              </a:rPr>
-              <a:t>Decoder : </a:t>
-            </a:r>
-            <a:r>
-              <a:rPr lang="en-US" sz="1400" b="1" dirty="0">
-                <a:solidFill>
-                  <a:schemeClr val="tx1"/>
-                </a:solidFill>
-                <a:sym typeface="Wingdings" panose="05000000000000000000" pitchFamily="2" charset="2"/>
-              </a:rPr>
-              <a:t>Modified version of </a:t>
-            </a:r>
-            <a:r>
-              <a:rPr lang="en-US" sz="1400" b="1" dirty="0" err="1">
-                <a:solidFill>
-                  <a:schemeClr val="tx1"/>
-                </a:solidFill>
-                <a:sym typeface="Wingdings" panose="05000000000000000000" pitchFamily="2" charset="2"/>
-              </a:rPr>
-              <a:t>UNet</a:t>
-            </a:r>
-            <a:endParaRPr lang="en-US" sz="1400" b="1" dirty="0">
-              <a:solidFill>
-                <a:schemeClr val="tx1"/>
-              </a:solidFill>
-              <a:sym typeface="Wingdings" panose="05000000000000000000" pitchFamily="2" charset="2"/>
-            </a:endParaRPr>
-          </a:p>
-          <a:p>
-            <a:pPr>
-              <a:lnSpc>
-                <a:spcPct val="200000"/>
-              </a:lnSpc>
-            </a:pPr>
-            <a:r>
-              <a:rPr lang="en-US" sz="1400" b="1" dirty="0">
-                <a:solidFill>
-                  <a:schemeClr val="tx1"/>
-                </a:solidFill>
-                <a:sym typeface="Wingdings" panose="05000000000000000000" pitchFamily="2" charset="2"/>
-              </a:rPr>
-              <a:t>Use of skip connections </a:t>
-            </a:r>
-            <a:r>
-              <a:rPr lang="en-US" sz="1400" dirty="0">
-                <a:solidFill>
-                  <a:schemeClr val="tx1"/>
-                </a:solidFill>
-                <a:sym typeface="Wingdings" panose="05000000000000000000" pitchFamily="2" charset="2"/>
-              </a:rPr>
-              <a:t>between 4 MobileNetV2 layers and  </a:t>
-            </a:r>
-            <a:r>
-              <a:rPr lang="en-US" sz="1400" dirty="0" err="1">
-                <a:solidFill>
-                  <a:schemeClr val="tx1"/>
-                </a:solidFill>
-                <a:sym typeface="Wingdings" panose="05000000000000000000" pitchFamily="2" charset="2"/>
-              </a:rPr>
-              <a:t>UNet</a:t>
-            </a:r>
-            <a:r>
-              <a:rPr lang="en-US" sz="1400" dirty="0">
-                <a:solidFill>
-                  <a:schemeClr val="tx1"/>
-                </a:solidFill>
-                <a:sym typeface="Wingdings" panose="05000000000000000000" pitchFamily="2" charset="2"/>
-              </a:rPr>
-              <a:t> </a:t>
-            </a:r>
-            <a:r>
-              <a:rPr lang="en-US" sz="1400" dirty="0" err="1">
-                <a:solidFill>
-                  <a:schemeClr val="tx1"/>
-                </a:solidFill>
-                <a:sym typeface="Wingdings" panose="05000000000000000000" pitchFamily="2" charset="2"/>
-              </a:rPr>
-              <a:t>upsamplers</a:t>
-            </a:r>
-            <a:endParaRPr lang="en-US" sz="1400" dirty="0">
-              <a:solidFill>
-                <a:schemeClr val="tx1"/>
-              </a:solidFill>
-              <a:sym typeface="Wingdings" panose="05000000000000000000" pitchFamily="2" charset="2"/>
-            </a:endParaRPr>
-          </a:p>
-          <a:p>
-            <a:pPr>
-              <a:lnSpc>
-                <a:spcPct val="200000"/>
-              </a:lnSpc>
-            </a:pPr>
-            <a:r>
-              <a:rPr lang="en-US" sz="1400" dirty="0">
-                <a:solidFill>
-                  <a:schemeClr val="tx1"/>
-                </a:solidFill>
-                <a:sym typeface="Wingdings" panose="05000000000000000000" pitchFamily="2" charset="2"/>
-              </a:rPr>
-              <a:t>Different versions tested:</a:t>
-            </a:r>
-          </a:p>
-          <a:p>
-            <a:pPr lvl="1">
-              <a:lnSpc>
-                <a:spcPct val="200000"/>
-              </a:lnSpc>
-              <a:buFont typeface="Wingdings" panose="05000000000000000000" pitchFamily="2" charset="2"/>
-              <a:buChar char="Ø"/>
-            </a:pPr>
-            <a:r>
-              <a:rPr lang="en-US" sz="1400" dirty="0">
-                <a:solidFill>
-                  <a:schemeClr val="tx1"/>
-                </a:solidFill>
-                <a:sym typeface="Wingdings" panose="05000000000000000000" pitchFamily="2" charset="2"/>
-              </a:rPr>
-              <a:t>256x256 and </a:t>
-            </a:r>
-            <a:r>
-              <a:rPr lang="en-US" sz="1400" b="1" dirty="0">
-                <a:solidFill>
-                  <a:schemeClr val="tx1"/>
-                </a:solidFill>
-                <a:sym typeface="Wingdings" panose="05000000000000000000" pitchFamily="2" charset="2"/>
-              </a:rPr>
-              <a:t>256x512</a:t>
-            </a:r>
-            <a:r>
-              <a:rPr lang="en-US" sz="1400" dirty="0">
-                <a:solidFill>
-                  <a:schemeClr val="tx1"/>
-                </a:solidFill>
-                <a:sym typeface="Wingdings" panose="05000000000000000000" pitchFamily="2" charset="2"/>
-              </a:rPr>
-              <a:t> image size</a:t>
-            </a:r>
-          </a:p>
-          <a:p>
-            <a:pPr lvl="1">
-              <a:lnSpc>
-                <a:spcPct val="200000"/>
-              </a:lnSpc>
-              <a:buFont typeface="Wingdings" panose="05000000000000000000" pitchFamily="2" charset="2"/>
-              <a:buChar char="Ø"/>
-            </a:pPr>
-            <a:r>
-              <a:rPr lang="en-US" sz="1400" b="1" dirty="0">
-                <a:solidFill>
-                  <a:schemeClr val="tx1"/>
-                </a:solidFill>
-                <a:sym typeface="Wingdings" panose="05000000000000000000" pitchFamily="2" charset="2"/>
-              </a:rPr>
-              <a:t>With </a:t>
-            </a:r>
-            <a:r>
-              <a:rPr lang="en-US" sz="1400" dirty="0">
-                <a:solidFill>
-                  <a:schemeClr val="tx1"/>
-                </a:solidFill>
-                <a:sym typeface="Wingdings" panose="05000000000000000000" pitchFamily="2" charset="2"/>
-              </a:rPr>
-              <a:t>or without</a:t>
-            </a:r>
-            <a:r>
-              <a:rPr lang="en-US" sz="1400" b="1" dirty="0">
-                <a:solidFill>
-                  <a:schemeClr val="tx1"/>
-                </a:solidFill>
-                <a:sym typeface="Wingdings" panose="05000000000000000000" pitchFamily="2" charset="2"/>
-              </a:rPr>
-              <a:t> data augmentation</a:t>
-            </a:r>
-          </a:p>
-          <a:p>
-            <a:pPr lvl="1">
-              <a:lnSpc>
-                <a:spcPct val="200000"/>
-              </a:lnSpc>
-              <a:buFont typeface="Wingdings" panose="05000000000000000000" pitchFamily="2" charset="2"/>
-              <a:buChar char="Ø"/>
-            </a:pPr>
-            <a:r>
-              <a:rPr lang="en-US" sz="1400" dirty="0" err="1">
-                <a:solidFill>
-                  <a:schemeClr val="tx1"/>
-                </a:solidFill>
-                <a:sym typeface="Wingdings" panose="05000000000000000000" pitchFamily="2" charset="2"/>
-              </a:rPr>
-              <a:t>JaccardLoss</a:t>
-            </a:r>
-            <a:r>
-              <a:rPr lang="en-US" sz="1400" dirty="0">
-                <a:solidFill>
-                  <a:schemeClr val="tx1"/>
-                </a:solidFill>
-                <a:sym typeface="Wingdings" panose="05000000000000000000" pitchFamily="2" charset="2"/>
-              </a:rPr>
-              <a:t> / </a:t>
-            </a:r>
-            <a:r>
-              <a:rPr lang="en-US" sz="1400" b="1" dirty="0" err="1">
-                <a:solidFill>
-                  <a:schemeClr val="tx1"/>
-                </a:solidFill>
-                <a:sym typeface="Wingdings" panose="05000000000000000000" pitchFamily="2" charset="2"/>
-              </a:rPr>
-              <a:t>Categ</a:t>
-            </a:r>
-            <a:r>
-              <a:rPr lang="en-US" sz="1400" b="1" dirty="0">
-                <a:solidFill>
-                  <a:schemeClr val="tx1"/>
-                </a:solidFill>
-                <a:sym typeface="Wingdings" panose="05000000000000000000" pitchFamily="2" charset="2"/>
-              </a:rPr>
-              <a:t>. </a:t>
-            </a:r>
-            <a:r>
-              <a:rPr lang="en-US" sz="1400" b="1" dirty="0" err="1">
-                <a:solidFill>
-                  <a:schemeClr val="tx1"/>
-                </a:solidFill>
-                <a:sym typeface="Wingdings" panose="05000000000000000000" pitchFamily="2" charset="2"/>
-              </a:rPr>
-              <a:t>CrossEntropy</a:t>
-            </a:r>
-            <a:endParaRPr lang="en-US" sz="1400" b="1" dirty="0">
-              <a:solidFill>
-                <a:schemeClr val="tx1"/>
-              </a:solidFill>
-              <a:sym typeface="Wingdings" panose="05000000000000000000" pitchFamily="2" charset="2"/>
-            </a:endParaRPr>
-          </a:p>
-          <a:p>
-            <a:pPr>
-              <a:lnSpc>
-                <a:spcPct val="150000"/>
-              </a:lnSpc>
-            </a:pPr>
-            <a:r>
-              <a:rPr lang="en-US" sz="1400" b="1" dirty="0">
-                <a:solidFill>
-                  <a:schemeClr val="tx1"/>
-                </a:solidFill>
-                <a:sym typeface="Wingdings" panose="05000000000000000000" pitchFamily="2" charset="2"/>
-              </a:rPr>
-              <a:t>Final Dice Coeff: 0.885   Mean IOU : 0.573</a:t>
-            </a:r>
-          </a:p>
-          <a:p>
-            <a:pPr>
-              <a:lnSpc>
-                <a:spcPct val="150000"/>
-              </a:lnSpc>
-            </a:pPr>
-            <a:r>
-              <a:rPr lang="en-US" sz="1400" b="1" dirty="0">
-                <a:solidFill>
-                  <a:schemeClr val="tx1"/>
-                </a:solidFill>
-                <a:sym typeface="Wingdings" panose="05000000000000000000" pitchFamily="2" charset="2"/>
-              </a:rPr>
-              <a:t>Accuracy : 0.911</a:t>
-            </a:r>
-            <a:endParaRPr lang="en-US" sz="1400" dirty="0">
-              <a:solidFill>
-                <a:schemeClr val="tx1"/>
-              </a:solidFill>
-              <a:sym typeface="Wingdings" panose="05000000000000000000" pitchFamily="2" charset="2"/>
-            </a:endParaRPr>
-          </a:p>
-          <a:p>
-            <a:pPr>
-              <a:lnSpc>
-                <a:spcPct val="200000"/>
-              </a:lnSpc>
-            </a:pPr>
-            <a:endParaRPr lang="en-US" sz="1400" dirty="0">
-              <a:solidFill>
-                <a:schemeClr val="tx1"/>
-              </a:solidFill>
-            </a:endParaRPr>
-          </a:p>
-        </p:txBody>
-      </p:sp>
-      <p:sp>
-        <p:nvSpPr>
-          <p:cNvPr id="3" name="Title 2">
-            <a:extLst>
-              <a:ext uri="{FF2B5EF4-FFF2-40B4-BE49-F238E27FC236}">
-                <a16:creationId xmlns:a16="http://schemas.microsoft.com/office/drawing/2014/main" id="{A322F525-530E-A285-102A-0D4820D7ACF5}"/>
-              </a:ext>
-            </a:extLst>
-          </p:cNvPr>
-          <p:cNvSpPr>
-            <a:spLocks noGrp="1"/>
-          </p:cNvSpPr>
-          <p:nvPr>
-            <p:ph type="title"/>
-          </p:nvPr>
-        </p:nvSpPr>
-        <p:spPr>
-          <a:xfrm>
-            <a:off x="336881" y="172290"/>
-            <a:ext cx="3864600" cy="431683"/>
-          </a:xfrm>
-        </p:spPr>
-        <p:txBody>
-          <a:bodyPr/>
-          <a:lstStyle/>
-          <a:p>
-            <a:r>
-              <a:rPr lang="en-US" b="1" dirty="0" err="1">
-                <a:solidFill>
-                  <a:schemeClr val="tx1"/>
-                </a:solidFill>
-              </a:rPr>
-              <a:t>MobileNet</a:t>
-            </a:r>
-            <a:r>
-              <a:rPr lang="en-US" b="1" dirty="0">
-                <a:solidFill>
-                  <a:schemeClr val="tx1"/>
-                </a:solidFill>
-              </a:rPr>
-              <a:t> - </a:t>
-            </a:r>
-            <a:r>
-              <a:rPr lang="en-US" b="1" dirty="0" err="1">
-                <a:solidFill>
-                  <a:schemeClr val="tx1"/>
-                </a:solidFill>
-              </a:rPr>
-              <a:t>UNet</a:t>
-            </a:r>
-            <a:endParaRPr lang="en-US" b="1" dirty="0">
-              <a:solidFill>
-                <a:srgbClr val="FF0000"/>
-              </a:solidFill>
-            </a:endParaRPr>
-          </a:p>
-        </p:txBody>
-      </p:sp>
-      <p:sp>
-        <p:nvSpPr>
           <p:cNvPr id="8" name="Slide Number Placeholder 7">
             <a:extLst>
               <a:ext uri="{FF2B5EF4-FFF2-40B4-BE49-F238E27FC236}">
@@ -21969,208 +21421,1209 @@
           </a:p>
         </p:txBody>
       </p:sp>
-      <p:pic>
-        <p:nvPicPr>
-          <p:cNvPr id="2" name="Picture 1">
+      <p:sp>
+        <p:nvSpPr>
+          <p:cNvPr id="3" name="Title 2">
             <a:extLst>
               <a:ext uri="{FF2B5EF4-FFF2-40B4-BE49-F238E27FC236}">
-                <a16:creationId xmlns:a16="http://schemas.microsoft.com/office/drawing/2014/main" id="{B67D9511-E0BF-9E8B-7C30-0308700CC0E8}"/>
+                <a16:creationId xmlns:a16="http://schemas.microsoft.com/office/drawing/2014/main" id="{A322F525-530E-A285-102A-0D4820D7ACF5}"/>
               </a:ext>
             </a:extLst>
           </p:cNvPr>
-          <p:cNvPicPr>
-            <a:picLocks noChangeAspect="1"/>
-          </p:cNvPicPr>
-          <p:nvPr/>
-        </p:nvPicPr>
-        <p:blipFill>
-          <a:blip r:embed="rId3">
+          <p:cNvSpPr>
+            <a:spLocks noGrp="1"/>
+          </p:cNvSpPr>
+          <p:nvPr>
+            <p:ph type="title" idx="4294967295"/>
+          </p:nvPr>
+        </p:nvSpPr>
+        <p:spPr>
+          <a:xfrm>
+            <a:off x="1332309" y="67469"/>
+            <a:ext cx="7287418" cy="863600"/>
+          </a:xfrm>
+        </p:spPr>
+        <p:txBody>
+          <a:bodyPr/>
+          <a:lstStyle/>
+          <a:p>
+            <a:pPr algn="ctr"/>
+            <a:r>
+              <a:rPr lang="en-US" b="1" dirty="0">
+                <a:solidFill>
+                  <a:schemeClr val="tx1"/>
+                </a:solidFill>
+              </a:rPr>
+              <a:t>Hybrid Recommendation Algorithm</a:t>
+            </a:r>
+            <a:endParaRPr lang="en-US" b="1" dirty="0">
+              <a:solidFill>
+                <a:srgbClr val="FF0000"/>
+              </a:solidFill>
+            </a:endParaRPr>
+          </a:p>
+        </p:txBody>
+      </p:sp>
+      <p:sp>
+        <p:nvSpPr>
+          <p:cNvPr id="2" name="Rectangle 1">
             <a:extLst>
-              <a:ext uri="{28A0092B-C50C-407E-A947-70E740481C1C}">
-                <a14:useLocalDpi xmlns:a14="http://schemas.microsoft.com/office/drawing/2010/main" val="0"/>
+              <a:ext uri="{FF2B5EF4-FFF2-40B4-BE49-F238E27FC236}">
+                <a16:creationId xmlns:a16="http://schemas.microsoft.com/office/drawing/2014/main" id="{EB66C5F5-41BF-D8AD-DBD1-B49C8A5D07B7}"/>
               </a:ext>
             </a:extLst>
-          </a:blip>
-          <a:srcRect/>
-          <a:stretch>
-            <a:fillRect/>
-          </a:stretch>
-        </p:blipFill>
-        <p:spPr bwMode="auto">
+          </p:cNvPr>
+          <p:cNvSpPr/>
+          <p:nvPr/>
+        </p:nvSpPr>
+        <p:spPr>
           <a:xfrm>
-            <a:off x="3776922" y="0"/>
-            <a:ext cx="1901913" cy="5143500"/>
+            <a:off x="3368674" y="773905"/>
+            <a:ext cx="1760538" cy="666549"/>
           </a:xfrm>
           <a:prstGeom prst="rect">
             <a:avLst/>
           </a:prstGeom>
-          <a:noFill/>
-          <a:ln>
+          <a:solidFill>
+            <a:srgbClr val="FFFFFF"/>
+          </a:solidFill>
+          <a:ln w="12700">
             <a:solidFill>
               <a:schemeClr val="tx1"/>
             </a:solidFill>
           </a:ln>
         </p:spPr>
-      </p:pic>
-      <p:pic>
-        <p:nvPicPr>
-          <p:cNvPr id="1026" name="Picture 2">
+        <p:style>
+          <a:lnRef idx="2">
+            <a:schemeClr val="accent1">
+              <a:shade val="50000"/>
+            </a:schemeClr>
+          </a:lnRef>
+          <a:fillRef idx="1">
+            <a:schemeClr val="accent1"/>
+          </a:fillRef>
+          <a:effectRef idx="0">
+            <a:schemeClr val="accent1"/>
+          </a:effectRef>
+          <a:fontRef idx="minor">
+            <a:schemeClr val="lt1"/>
+          </a:fontRef>
+        </p:style>
+        <p:txBody>
+          <a:bodyPr rtlCol="0" anchor="ctr"/>
+          <a:lstStyle/>
+          <a:p>
+            <a:pPr algn="ctr"/>
+            <a:r>
+              <a:rPr lang="fr-FR" dirty="0">
+                <a:solidFill>
+                  <a:schemeClr val="tx1"/>
+                </a:solidFill>
+              </a:rPr>
+              <a:t>Is the user </a:t>
+            </a:r>
+            <a:r>
+              <a:rPr lang="fr-FR" dirty="0" err="1">
+                <a:solidFill>
+                  <a:schemeClr val="tx1"/>
+                </a:solidFill>
+              </a:rPr>
+              <a:t>known</a:t>
+            </a:r>
+            <a:r>
+              <a:rPr lang="fr-FR" dirty="0">
+                <a:solidFill>
+                  <a:schemeClr val="tx1"/>
+                </a:solidFill>
+              </a:rPr>
+              <a:t>?</a:t>
+            </a:r>
+          </a:p>
+          <a:p>
+            <a:pPr algn="ctr"/>
+            <a:r>
+              <a:rPr lang="fr-FR" dirty="0">
+                <a:solidFill>
+                  <a:schemeClr val="tx1"/>
+                </a:solidFill>
+              </a:rPr>
+              <a:t>AND </a:t>
+            </a:r>
+            <a:r>
+              <a:rPr lang="fr-FR" dirty="0" err="1">
+                <a:solidFill>
+                  <a:schemeClr val="tx1"/>
+                </a:solidFill>
+              </a:rPr>
+              <a:t>Did</a:t>
+            </a:r>
+            <a:r>
+              <a:rPr lang="fr-FR" dirty="0">
+                <a:solidFill>
+                  <a:schemeClr val="tx1"/>
+                </a:solidFill>
+              </a:rPr>
+              <a:t> </a:t>
+            </a:r>
+            <a:r>
+              <a:rPr lang="fr-FR" dirty="0" err="1">
+                <a:solidFill>
+                  <a:schemeClr val="tx1"/>
+                </a:solidFill>
+              </a:rPr>
+              <a:t>he</a:t>
+            </a:r>
+            <a:r>
+              <a:rPr lang="fr-FR" dirty="0">
+                <a:solidFill>
+                  <a:schemeClr val="tx1"/>
+                </a:solidFill>
+              </a:rPr>
+              <a:t> </a:t>
+            </a:r>
+            <a:r>
+              <a:rPr lang="fr-FR" dirty="0" err="1">
+                <a:solidFill>
+                  <a:schemeClr val="tx1"/>
+                </a:solidFill>
+              </a:rPr>
+              <a:t>read</a:t>
+            </a:r>
+            <a:r>
+              <a:rPr lang="fr-FR" dirty="0">
+                <a:solidFill>
+                  <a:schemeClr val="tx1"/>
+                </a:solidFill>
+              </a:rPr>
+              <a:t> </a:t>
+            </a:r>
+            <a:r>
+              <a:rPr lang="fr-FR" dirty="0" err="1">
+                <a:solidFill>
+                  <a:schemeClr val="tx1"/>
+                </a:solidFill>
+              </a:rPr>
+              <a:t>any</a:t>
+            </a:r>
+            <a:r>
+              <a:rPr lang="fr-FR" dirty="0">
+                <a:solidFill>
+                  <a:schemeClr val="tx1"/>
+                </a:solidFill>
+              </a:rPr>
+              <a:t> articles?</a:t>
+            </a:r>
+          </a:p>
+        </p:txBody>
+      </p:sp>
+      <p:sp>
+        <p:nvSpPr>
+          <p:cNvPr id="10" name="Rectangle 9">
             <a:extLst>
               <a:ext uri="{FF2B5EF4-FFF2-40B4-BE49-F238E27FC236}">
-                <a16:creationId xmlns:a16="http://schemas.microsoft.com/office/drawing/2014/main" id="{1BD68470-4DF6-1207-B557-AF35D397E6DF}"/>
+                <a16:creationId xmlns:a16="http://schemas.microsoft.com/office/drawing/2014/main" id="{65D59A80-6C28-A76E-50E5-2672179E18AA}"/>
               </a:ext>
             </a:extLst>
           </p:cNvPr>
-          <p:cNvPicPr>
-            <a:picLocks noChangeAspect="1" noChangeArrowheads="1"/>
-          </p:cNvPicPr>
+          <p:cNvSpPr/>
           <p:nvPr/>
-        </p:nvPicPr>
-        <p:blipFill>
-          <a:blip r:embed="rId4">
-            <a:extLst>
-              <a:ext uri="{28A0092B-C50C-407E-A947-70E740481C1C}">
-                <a14:useLocalDpi xmlns:a14="http://schemas.microsoft.com/office/drawing/2010/main" val="0"/>
-              </a:ext>
-            </a:extLst>
-          </a:blip>
-          <a:srcRect/>
-          <a:stretch>
-            <a:fillRect/>
-          </a:stretch>
-        </p:blipFill>
-        <p:spPr bwMode="auto">
+        </p:nvSpPr>
+        <p:spPr>
           <a:xfrm>
-            <a:off x="5678835" y="0"/>
-            <a:ext cx="3465165" cy="1798156"/>
+            <a:off x="452040" y="1704974"/>
+            <a:ext cx="1760538" cy="688182"/>
           </a:xfrm>
           <a:prstGeom prst="rect">
             <a:avLst/>
           </a:prstGeom>
-          <a:noFill/>
-          <a:ln>
+          <a:solidFill>
+            <a:srgbClr val="FFFFFF"/>
+          </a:solidFill>
+          <a:ln w="12700">
             <a:solidFill>
               <a:schemeClr val="tx1"/>
             </a:solidFill>
           </a:ln>
-          <a:extLst>
-            <a:ext uri="{909E8E84-426E-40DD-AFC4-6F175D3DCCD1}">
-              <a14:hiddenFill xmlns:a14="http://schemas.microsoft.com/office/drawing/2010/main">
-                <a:solidFill>
-                  <a:srgbClr val="FFFFFF"/>
-                </a:solidFill>
-              </a14:hiddenFill>
-            </a:ext>
-          </a:extLst>
         </p:spPr>
-      </p:pic>
-      <p:pic>
-        <p:nvPicPr>
-          <p:cNvPr id="6" name="Picture 5">
+        <p:style>
+          <a:lnRef idx="2">
+            <a:schemeClr val="accent1">
+              <a:shade val="50000"/>
+            </a:schemeClr>
+          </a:lnRef>
+          <a:fillRef idx="1">
+            <a:schemeClr val="accent1"/>
+          </a:fillRef>
+          <a:effectRef idx="0">
+            <a:schemeClr val="accent1"/>
+          </a:effectRef>
+          <a:fontRef idx="minor">
+            <a:schemeClr val="lt1"/>
+          </a:fontRef>
+        </p:style>
+        <p:txBody>
+          <a:bodyPr rtlCol="0" anchor="ctr"/>
+          <a:lstStyle/>
+          <a:p>
+            <a:pPr algn="ctr"/>
+            <a:r>
+              <a:rPr lang="fr-FR" dirty="0" err="1">
+                <a:solidFill>
+                  <a:schemeClr val="tx1"/>
+                </a:solidFill>
+              </a:rPr>
+              <a:t>Retrieve</a:t>
+            </a:r>
+            <a:r>
+              <a:rPr lang="fr-FR" dirty="0">
+                <a:solidFill>
+                  <a:schemeClr val="tx1"/>
+                </a:solidFill>
+              </a:rPr>
+              <a:t> a </a:t>
+            </a:r>
+            <a:r>
+              <a:rPr lang="fr-FR" dirty="0" err="1">
+                <a:solidFill>
+                  <a:schemeClr val="tx1"/>
+                </a:solidFill>
+              </a:rPr>
+              <a:t>sample</a:t>
+            </a:r>
+            <a:r>
+              <a:rPr lang="fr-FR" dirty="0">
+                <a:solidFill>
+                  <a:schemeClr val="tx1"/>
+                </a:solidFill>
+              </a:rPr>
+              <a:t> of top 10 articles </a:t>
+            </a:r>
+            <a:r>
+              <a:rPr lang="fr-FR" dirty="0" err="1">
+                <a:solidFill>
+                  <a:schemeClr val="tx1"/>
+                </a:solidFill>
+              </a:rPr>
+              <a:t>within</a:t>
+            </a:r>
+            <a:r>
+              <a:rPr lang="fr-FR" dirty="0">
+                <a:solidFill>
+                  <a:schemeClr val="tx1"/>
+                </a:solidFill>
+              </a:rPr>
+              <a:t> last 6 </a:t>
+            </a:r>
+            <a:r>
+              <a:rPr lang="fr-FR" dirty="0" err="1">
+                <a:solidFill>
+                  <a:schemeClr val="tx1"/>
+                </a:solidFill>
+              </a:rPr>
+              <a:t>months</a:t>
+            </a:r>
+            <a:endParaRPr lang="fr-FR" dirty="0">
+              <a:solidFill>
+                <a:schemeClr val="tx1"/>
+              </a:solidFill>
+            </a:endParaRPr>
+          </a:p>
+        </p:txBody>
+      </p:sp>
+      <p:cxnSp>
+        <p:nvCxnSpPr>
+          <p:cNvPr id="12" name="Connector: Elbow 11">
             <a:extLst>
               <a:ext uri="{FF2B5EF4-FFF2-40B4-BE49-F238E27FC236}">
-                <a16:creationId xmlns:a16="http://schemas.microsoft.com/office/drawing/2014/main" id="{ADC2DE91-E46F-049E-12EA-79FD05077809}"/>
+                <a16:creationId xmlns:a16="http://schemas.microsoft.com/office/drawing/2014/main" id="{862103B7-E998-53B3-5568-904E8BAE73DA}"/>
               </a:ext>
             </a:extLst>
           </p:cNvPr>
-          <p:cNvPicPr>
-            <a:picLocks noChangeAspect="1"/>
-          </p:cNvPicPr>
+          <p:cNvCxnSpPr>
+            <a:cxnSpLocks/>
+            <a:stCxn id="2" idx="1"/>
+            <a:endCxn id="10" idx="0"/>
+          </p:cNvCxnSpPr>
           <p:nvPr/>
-        </p:nvPicPr>
-        <p:blipFill>
-          <a:blip r:embed="rId5"/>
-          <a:stretch>
-            <a:fillRect/>
-          </a:stretch>
-        </p:blipFill>
+        </p:nvCxnSpPr>
         <p:spPr>
-          <a:xfrm>
-            <a:off x="6632817" y="1817206"/>
-            <a:ext cx="1557201" cy="942107"/>
+          <a:xfrm rot="10800000" flipV="1">
+            <a:off x="1332310" y="1107180"/>
+            <a:ext cx="2036365" cy="597794"/>
           </a:xfrm>
-          <a:prstGeom prst="rect">
+          <a:prstGeom prst="bentConnector2">
             <a:avLst/>
           </a:prstGeom>
           <a:ln>
             <a:solidFill>
               <a:schemeClr val="tx1"/>
             </a:solidFill>
+            <a:tailEnd type="triangle"/>
           </a:ln>
         </p:spPr>
-      </p:pic>
-      <p:pic>
-        <p:nvPicPr>
-          <p:cNvPr id="7" name="Picture 6">
+        <p:style>
+          <a:lnRef idx="1">
+            <a:schemeClr val="accent1"/>
+          </a:lnRef>
+          <a:fillRef idx="0">
+            <a:schemeClr val="accent1"/>
+          </a:fillRef>
+          <a:effectRef idx="0">
+            <a:schemeClr val="accent1"/>
+          </a:effectRef>
+          <a:fontRef idx="minor">
+            <a:schemeClr val="tx1"/>
+          </a:fontRef>
+        </p:style>
+      </p:cxnSp>
+      <p:sp>
+        <p:nvSpPr>
+          <p:cNvPr id="15" name="TextBox 14">
             <a:extLst>
               <a:ext uri="{FF2B5EF4-FFF2-40B4-BE49-F238E27FC236}">
-                <a16:creationId xmlns:a16="http://schemas.microsoft.com/office/drawing/2014/main" id="{C970D00D-2025-0DE4-D2FE-F707F2AD33B0}"/>
+                <a16:creationId xmlns:a16="http://schemas.microsoft.com/office/drawing/2014/main" id="{FA627CFC-250E-4BAF-6A15-06D90CE7BA81}"/>
               </a:ext>
             </a:extLst>
           </p:cNvPr>
-          <p:cNvPicPr>
-            <a:picLocks noChangeAspect="1"/>
-          </p:cNvPicPr>
+          <p:cNvSpPr txBox="1"/>
           <p:nvPr/>
-        </p:nvPicPr>
-        <p:blipFill>
-          <a:blip r:embed="rId6"/>
-          <a:srcRect/>
-          <a:stretch/>
-        </p:blipFill>
+        </p:nvSpPr>
         <p:spPr>
           <a:xfrm>
-            <a:off x="6475346" y="2781222"/>
-            <a:ext cx="1976458" cy="1127634"/>
+            <a:off x="2843213" y="702468"/>
+            <a:ext cx="468310" cy="307777"/>
           </a:xfrm>
           <a:prstGeom prst="rect">
+            <a:avLst/>
+          </a:prstGeom>
+          <a:noFill/>
+        </p:spPr>
+        <p:txBody>
+          <a:bodyPr wrap="square" rtlCol="0">
+            <a:spAutoFit/>
+          </a:bodyPr>
+          <a:lstStyle/>
+          <a:p>
+            <a:r>
+              <a:rPr lang="fr-FR" dirty="0"/>
+              <a:t>No</a:t>
+            </a:r>
+          </a:p>
+        </p:txBody>
+      </p:sp>
+      <p:sp>
+        <p:nvSpPr>
+          <p:cNvPr id="16" name="TextBox 15">
+            <a:extLst>
+              <a:ext uri="{FF2B5EF4-FFF2-40B4-BE49-F238E27FC236}">
+                <a16:creationId xmlns:a16="http://schemas.microsoft.com/office/drawing/2014/main" id="{4EADD09D-5E79-3DD6-8EF6-F876B70A899B}"/>
+              </a:ext>
+            </a:extLst>
+          </p:cNvPr>
+          <p:cNvSpPr txBox="1"/>
+          <p:nvPr/>
+        </p:nvSpPr>
+        <p:spPr>
+          <a:xfrm>
+            <a:off x="5389567" y="751879"/>
+            <a:ext cx="596896" cy="307777"/>
+          </a:xfrm>
+          <a:prstGeom prst="rect">
+            <a:avLst/>
+          </a:prstGeom>
+          <a:noFill/>
+        </p:spPr>
+        <p:txBody>
+          <a:bodyPr wrap="square" rtlCol="0">
+            <a:spAutoFit/>
+          </a:bodyPr>
+          <a:lstStyle/>
+          <a:p>
+            <a:r>
+              <a:rPr lang="fr-FR" dirty="0"/>
+              <a:t>Yes</a:t>
+            </a:r>
+          </a:p>
+        </p:txBody>
+      </p:sp>
+      <p:cxnSp>
+        <p:nvCxnSpPr>
+          <p:cNvPr id="17" name="Connector: Elbow 16">
+            <a:extLst>
+              <a:ext uri="{FF2B5EF4-FFF2-40B4-BE49-F238E27FC236}">
+                <a16:creationId xmlns:a16="http://schemas.microsoft.com/office/drawing/2014/main" id="{FD478CC2-188F-8B8C-D8D0-DA49801F3E1A}"/>
+              </a:ext>
+            </a:extLst>
+          </p:cNvPr>
+          <p:cNvCxnSpPr>
+            <a:cxnSpLocks/>
+            <a:stCxn id="2" idx="3"/>
+            <a:endCxn id="18" idx="0"/>
+          </p:cNvCxnSpPr>
+          <p:nvPr/>
+        </p:nvCxnSpPr>
+        <p:spPr>
+          <a:xfrm>
+            <a:off x="5129212" y="1107180"/>
+            <a:ext cx="2359026" cy="595412"/>
+          </a:xfrm>
+          <a:prstGeom prst="bentConnector2">
             <a:avLst/>
           </a:prstGeom>
           <a:ln>
             <a:solidFill>
               <a:schemeClr val="tx1"/>
             </a:solidFill>
+            <a:tailEnd type="triangle"/>
           </a:ln>
         </p:spPr>
-      </p:pic>
-      <p:pic>
-        <p:nvPicPr>
-          <p:cNvPr id="10" name="Picture 9">
+        <p:style>
+          <a:lnRef idx="1">
+            <a:schemeClr val="accent1"/>
+          </a:lnRef>
+          <a:fillRef idx="0">
+            <a:schemeClr val="accent1"/>
+          </a:fillRef>
+          <a:effectRef idx="0">
+            <a:schemeClr val="accent1"/>
+          </a:effectRef>
+          <a:fontRef idx="minor">
+            <a:schemeClr val="tx1"/>
+          </a:fontRef>
+        </p:style>
+      </p:cxnSp>
+      <p:sp>
+        <p:nvSpPr>
+          <p:cNvPr id="18" name="Rectangle 17">
             <a:extLst>
               <a:ext uri="{FF2B5EF4-FFF2-40B4-BE49-F238E27FC236}">
-                <a16:creationId xmlns:a16="http://schemas.microsoft.com/office/drawing/2014/main" id="{92F8DDA5-47A4-70B1-F1D1-1356B429CF4B}"/>
+                <a16:creationId xmlns:a16="http://schemas.microsoft.com/office/drawing/2014/main" id="{D2C75B5C-A39E-0963-D8DE-4751E789B8AC}"/>
               </a:ext>
             </a:extLst>
           </p:cNvPr>
-          <p:cNvPicPr>
-            <a:picLocks noChangeAspect="1"/>
-          </p:cNvPicPr>
+          <p:cNvSpPr/>
           <p:nvPr/>
-        </p:nvPicPr>
-        <p:blipFill>
-          <a:blip r:embed="rId7"/>
-          <a:srcRect/>
-          <a:stretch/>
-        </p:blipFill>
+        </p:nvSpPr>
         <p:spPr>
           <a:xfrm>
-            <a:off x="6475346" y="3918569"/>
-            <a:ext cx="1976458" cy="1225404"/>
+            <a:off x="6607969" y="1702592"/>
+            <a:ext cx="1760538" cy="688182"/>
           </a:xfrm>
           <a:prstGeom prst="rect">
+            <a:avLst/>
+          </a:prstGeom>
+          <a:solidFill>
+            <a:srgbClr val="FFFFFF"/>
+          </a:solidFill>
+          <a:ln w="12700">
+            <a:solidFill>
+              <a:schemeClr val="tx1"/>
+            </a:solidFill>
+          </a:ln>
+        </p:spPr>
+        <p:style>
+          <a:lnRef idx="2">
+            <a:schemeClr val="accent1">
+              <a:shade val="50000"/>
+            </a:schemeClr>
+          </a:lnRef>
+          <a:fillRef idx="1">
+            <a:schemeClr val="accent1"/>
+          </a:fillRef>
+          <a:effectRef idx="0">
+            <a:schemeClr val="accent1"/>
+          </a:effectRef>
+          <a:fontRef idx="minor">
+            <a:schemeClr val="lt1"/>
+          </a:fontRef>
+        </p:style>
+        <p:txBody>
+          <a:bodyPr rtlCol="0" anchor="ctr"/>
+          <a:lstStyle/>
+          <a:p>
+            <a:pPr algn="ctr"/>
+            <a:r>
+              <a:rPr lang="fr-FR" dirty="0" err="1">
+                <a:solidFill>
+                  <a:schemeClr val="tx1"/>
+                </a:solidFill>
+              </a:rPr>
+              <a:t>Compute</a:t>
+            </a:r>
+            <a:r>
+              <a:rPr lang="fr-FR" dirty="0">
+                <a:solidFill>
+                  <a:schemeClr val="tx1"/>
+                </a:solidFill>
+              </a:rPr>
+              <a:t> </a:t>
+            </a:r>
+            <a:r>
+              <a:rPr lang="fr-FR" dirty="0" err="1">
+                <a:solidFill>
+                  <a:schemeClr val="tx1"/>
+                </a:solidFill>
+              </a:rPr>
+              <a:t>similarity</a:t>
+            </a:r>
+            <a:r>
+              <a:rPr lang="fr-FR" dirty="0">
+                <a:solidFill>
+                  <a:schemeClr val="tx1"/>
+                </a:solidFill>
+              </a:rPr>
+              <a:t> score of </a:t>
+            </a:r>
+            <a:r>
+              <a:rPr lang="fr-FR" dirty="0" err="1">
+                <a:solidFill>
+                  <a:schemeClr val="tx1"/>
+                </a:solidFill>
+              </a:rPr>
+              <a:t>read</a:t>
+            </a:r>
+            <a:r>
+              <a:rPr lang="fr-FR" dirty="0">
+                <a:solidFill>
+                  <a:schemeClr val="tx1"/>
+                </a:solidFill>
+              </a:rPr>
+              <a:t> articles</a:t>
+            </a:r>
+          </a:p>
+        </p:txBody>
+      </p:sp>
+      <p:sp>
+        <p:nvSpPr>
+          <p:cNvPr id="22" name="Rectangle 21">
+            <a:extLst>
+              <a:ext uri="{FF2B5EF4-FFF2-40B4-BE49-F238E27FC236}">
+                <a16:creationId xmlns:a16="http://schemas.microsoft.com/office/drawing/2014/main" id="{72A598C3-DD46-A632-0427-C85DF9439D92}"/>
+              </a:ext>
+            </a:extLst>
+          </p:cNvPr>
+          <p:cNvSpPr/>
+          <p:nvPr/>
+        </p:nvSpPr>
+        <p:spPr>
+          <a:xfrm>
+            <a:off x="3390105" y="1702592"/>
+            <a:ext cx="1760538" cy="688182"/>
+          </a:xfrm>
+          <a:prstGeom prst="rect">
+            <a:avLst/>
+          </a:prstGeom>
+          <a:solidFill>
+            <a:srgbClr val="FFFFFF"/>
+          </a:solidFill>
+          <a:ln w="12700">
+            <a:solidFill>
+              <a:schemeClr val="tx1"/>
+            </a:solidFill>
+          </a:ln>
+        </p:spPr>
+        <p:style>
+          <a:lnRef idx="2">
+            <a:schemeClr val="accent1">
+              <a:shade val="50000"/>
+            </a:schemeClr>
+          </a:lnRef>
+          <a:fillRef idx="1">
+            <a:schemeClr val="accent1"/>
+          </a:fillRef>
+          <a:effectRef idx="0">
+            <a:schemeClr val="accent1"/>
+          </a:effectRef>
+          <a:fontRef idx="minor">
+            <a:schemeClr val="lt1"/>
+          </a:fontRef>
+        </p:style>
+        <p:txBody>
+          <a:bodyPr rtlCol="0" anchor="ctr"/>
+          <a:lstStyle/>
+          <a:p>
+            <a:pPr algn="ctr"/>
+            <a:r>
+              <a:rPr lang="fr-FR" dirty="0" err="1">
+                <a:solidFill>
+                  <a:schemeClr val="tx1"/>
+                </a:solidFill>
+              </a:rPr>
+              <a:t>Multiply</a:t>
+            </a:r>
+            <a:r>
+              <a:rPr lang="fr-FR" dirty="0">
+                <a:solidFill>
+                  <a:schemeClr val="tx1"/>
+                </a:solidFill>
+              </a:rPr>
+              <a:t> score by </a:t>
+            </a:r>
+            <a:r>
+              <a:rPr lang="fr-FR" dirty="0" err="1">
+                <a:solidFill>
+                  <a:schemeClr val="tx1"/>
+                </a:solidFill>
+              </a:rPr>
+              <a:t>number</a:t>
+            </a:r>
+            <a:r>
+              <a:rPr lang="fr-FR" dirty="0">
+                <a:solidFill>
+                  <a:schemeClr val="tx1"/>
+                </a:solidFill>
+              </a:rPr>
+              <a:t> of article clicks</a:t>
+            </a:r>
+          </a:p>
+        </p:txBody>
+      </p:sp>
+      <p:sp>
+        <p:nvSpPr>
+          <p:cNvPr id="23" name="Rectangle 22">
+            <a:extLst>
+              <a:ext uri="{FF2B5EF4-FFF2-40B4-BE49-F238E27FC236}">
+                <a16:creationId xmlns:a16="http://schemas.microsoft.com/office/drawing/2014/main" id="{B6FED63D-CC01-2411-9B14-835B551FE1CC}"/>
+              </a:ext>
+            </a:extLst>
+          </p:cNvPr>
+          <p:cNvSpPr/>
+          <p:nvPr/>
+        </p:nvSpPr>
+        <p:spPr>
+          <a:xfrm>
+            <a:off x="3390105" y="3033710"/>
+            <a:ext cx="1760538" cy="688182"/>
+          </a:xfrm>
+          <a:prstGeom prst="rect">
+            <a:avLst/>
+          </a:prstGeom>
+          <a:solidFill>
+            <a:srgbClr val="FFFFFF"/>
+          </a:solidFill>
+          <a:ln w="12700">
+            <a:solidFill>
+              <a:schemeClr val="tx1"/>
+            </a:solidFill>
+          </a:ln>
+        </p:spPr>
+        <p:style>
+          <a:lnRef idx="2">
+            <a:schemeClr val="accent1">
+              <a:shade val="50000"/>
+            </a:schemeClr>
+          </a:lnRef>
+          <a:fillRef idx="1">
+            <a:schemeClr val="accent1"/>
+          </a:fillRef>
+          <a:effectRef idx="0">
+            <a:schemeClr val="accent1"/>
+          </a:effectRef>
+          <a:fontRef idx="minor">
+            <a:schemeClr val="lt1"/>
+          </a:fontRef>
+        </p:style>
+        <p:txBody>
+          <a:bodyPr rtlCol="0" anchor="ctr"/>
+          <a:lstStyle/>
+          <a:p>
+            <a:pPr algn="ctr"/>
+            <a:r>
+              <a:rPr lang="fr-FR" dirty="0" err="1">
+                <a:solidFill>
+                  <a:schemeClr val="tx1"/>
+                </a:solidFill>
+              </a:rPr>
+              <a:t>Retrieve</a:t>
+            </a:r>
+            <a:r>
+              <a:rPr lang="fr-FR" dirty="0">
+                <a:solidFill>
+                  <a:schemeClr val="tx1"/>
+                </a:solidFill>
+              </a:rPr>
+              <a:t> CF </a:t>
+            </a:r>
+            <a:r>
+              <a:rPr lang="fr-FR" dirty="0" err="1">
+                <a:solidFill>
+                  <a:schemeClr val="tx1"/>
+                </a:solidFill>
+              </a:rPr>
+              <a:t>category</a:t>
+            </a:r>
+            <a:r>
+              <a:rPr lang="fr-FR" dirty="0">
+                <a:solidFill>
+                  <a:schemeClr val="tx1"/>
+                </a:solidFill>
+              </a:rPr>
+              <a:t> </a:t>
+            </a:r>
+            <a:r>
+              <a:rPr lang="fr-FR" dirty="0" err="1">
+                <a:solidFill>
+                  <a:schemeClr val="tx1"/>
+                </a:solidFill>
+              </a:rPr>
+              <a:t>recommendations</a:t>
+            </a:r>
+            <a:endParaRPr lang="fr-FR" dirty="0">
+              <a:solidFill>
+                <a:schemeClr val="tx1"/>
+              </a:solidFill>
+            </a:endParaRPr>
+          </a:p>
+        </p:txBody>
+      </p:sp>
+      <p:sp>
+        <p:nvSpPr>
+          <p:cNvPr id="24" name="Rectangle 23">
+            <a:extLst>
+              <a:ext uri="{FF2B5EF4-FFF2-40B4-BE49-F238E27FC236}">
+                <a16:creationId xmlns:a16="http://schemas.microsoft.com/office/drawing/2014/main" id="{11BBE2D7-7544-6E85-371B-99149BD96A12}"/>
+              </a:ext>
+            </a:extLst>
+          </p:cNvPr>
+          <p:cNvSpPr/>
+          <p:nvPr/>
+        </p:nvSpPr>
+        <p:spPr>
+          <a:xfrm>
+            <a:off x="6356746" y="2868412"/>
+            <a:ext cx="2339182" cy="1018777"/>
+          </a:xfrm>
+          <a:prstGeom prst="rect">
+            <a:avLst/>
+          </a:prstGeom>
+          <a:solidFill>
+            <a:srgbClr val="FFFFFF"/>
+          </a:solidFill>
+          <a:ln w="12700">
+            <a:solidFill>
+              <a:schemeClr val="tx1"/>
+            </a:solidFill>
+          </a:ln>
+        </p:spPr>
+        <p:style>
+          <a:lnRef idx="2">
+            <a:schemeClr val="accent1">
+              <a:shade val="50000"/>
+            </a:schemeClr>
+          </a:lnRef>
+          <a:fillRef idx="1">
+            <a:schemeClr val="accent1"/>
+          </a:fillRef>
+          <a:effectRef idx="0">
+            <a:schemeClr val="accent1"/>
+          </a:effectRef>
+          <a:fontRef idx="minor">
+            <a:schemeClr val="lt1"/>
+          </a:fontRef>
+        </p:style>
+        <p:txBody>
+          <a:bodyPr rtlCol="0" anchor="ctr"/>
+          <a:lstStyle/>
+          <a:p>
+            <a:pPr algn="ctr"/>
+            <a:r>
+              <a:rPr lang="fr-FR" dirty="0" err="1">
+                <a:solidFill>
+                  <a:schemeClr val="tx1"/>
+                </a:solidFill>
+              </a:rPr>
+              <a:t>Multiply</a:t>
+            </a:r>
+            <a:r>
+              <a:rPr lang="fr-FR" dirty="0">
+                <a:solidFill>
+                  <a:schemeClr val="tx1"/>
+                </a:solidFill>
+              </a:rPr>
+              <a:t> score by 4/3.5/3/2.5/2 (</a:t>
+            </a:r>
+            <a:r>
+              <a:rPr lang="fr-FR" dirty="0" err="1">
+                <a:solidFill>
+                  <a:schemeClr val="tx1"/>
+                </a:solidFill>
+              </a:rPr>
+              <a:t>depending</a:t>
+            </a:r>
+            <a:r>
+              <a:rPr lang="fr-FR" dirty="0">
+                <a:solidFill>
+                  <a:schemeClr val="tx1"/>
+                </a:solidFill>
+              </a:rPr>
+              <a:t> on </a:t>
+            </a:r>
+            <a:r>
+              <a:rPr lang="fr-FR" dirty="0" err="1">
+                <a:solidFill>
+                  <a:schemeClr val="tx1"/>
+                </a:solidFill>
+              </a:rPr>
+              <a:t>rank</a:t>
+            </a:r>
+            <a:r>
+              <a:rPr lang="fr-FR" dirty="0">
+                <a:solidFill>
+                  <a:schemeClr val="tx1"/>
+                </a:solidFill>
+              </a:rPr>
+              <a:t>) </a:t>
+            </a:r>
+            <a:r>
+              <a:rPr lang="fr-FR" b="1" dirty="0">
+                <a:solidFill>
+                  <a:schemeClr val="tx1"/>
+                </a:solidFill>
+              </a:rPr>
+              <a:t>if article </a:t>
+            </a:r>
+            <a:r>
+              <a:rPr lang="fr-FR" b="1" dirty="0" err="1">
+                <a:solidFill>
+                  <a:schemeClr val="tx1"/>
+                </a:solidFill>
+              </a:rPr>
+              <a:t>within</a:t>
+            </a:r>
+            <a:r>
+              <a:rPr lang="fr-FR" b="1" dirty="0">
+                <a:solidFill>
+                  <a:schemeClr val="tx1"/>
+                </a:solidFill>
+              </a:rPr>
+              <a:t> </a:t>
+            </a:r>
+            <a:r>
+              <a:rPr lang="fr-FR" b="1" dirty="0" err="1">
+                <a:solidFill>
+                  <a:schemeClr val="tx1"/>
+                </a:solidFill>
+              </a:rPr>
+              <a:t>recommended</a:t>
+            </a:r>
+            <a:r>
+              <a:rPr lang="fr-FR" b="1" dirty="0">
+                <a:solidFill>
+                  <a:schemeClr val="tx1"/>
+                </a:solidFill>
+              </a:rPr>
+              <a:t> </a:t>
+            </a:r>
+            <a:r>
+              <a:rPr lang="fr-FR" b="1" dirty="0" err="1">
+                <a:solidFill>
+                  <a:schemeClr val="tx1"/>
+                </a:solidFill>
+              </a:rPr>
+              <a:t>categories</a:t>
+            </a:r>
+            <a:endParaRPr lang="fr-FR" b="1" dirty="0">
+              <a:solidFill>
+                <a:schemeClr val="tx1"/>
+              </a:solidFill>
+            </a:endParaRPr>
+          </a:p>
+        </p:txBody>
+      </p:sp>
+      <p:cxnSp>
+        <p:nvCxnSpPr>
+          <p:cNvPr id="26" name="Straight Arrow Connector 25">
+            <a:extLst>
+              <a:ext uri="{FF2B5EF4-FFF2-40B4-BE49-F238E27FC236}">
+                <a16:creationId xmlns:a16="http://schemas.microsoft.com/office/drawing/2014/main" id="{F78ED44E-A443-3666-2308-35C31BA6A9E9}"/>
+              </a:ext>
+            </a:extLst>
+          </p:cNvPr>
+          <p:cNvCxnSpPr>
+            <a:cxnSpLocks/>
+            <a:stCxn id="18" idx="1"/>
+            <a:endCxn id="22" idx="3"/>
+          </p:cNvCxnSpPr>
+          <p:nvPr/>
+        </p:nvCxnSpPr>
+        <p:spPr>
+          <a:xfrm flipH="1">
+            <a:off x="5150643" y="2046683"/>
+            <a:ext cx="1457326" cy="0"/>
+          </a:xfrm>
+          <a:prstGeom prst="straightConnector1">
             <a:avLst/>
           </a:prstGeom>
           <a:ln>
             <a:solidFill>
               <a:schemeClr val="tx1"/>
             </a:solidFill>
+            <a:tailEnd type="triangle"/>
           </a:ln>
         </p:spPr>
-      </p:pic>
+        <p:style>
+          <a:lnRef idx="1">
+            <a:schemeClr val="accent1"/>
+          </a:lnRef>
+          <a:fillRef idx="0">
+            <a:schemeClr val="accent1"/>
+          </a:fillRef>
+          <a:effectRef idx="0">
+            <a:schemeClr val="accent1"/>
+          </a:effectRef>
+          <a:fontRef idx="minor">
+            <a:schemeClr val="tx1"/>
+          </a:fontRef>
+        </p:style>
+      </p:cxnSp>
+      <p:cxnSp>
+        <p:nvCxnSpPr>
+          <p:cNvPr id="28" name="Straight Arrow Connector 27">
+            <a:extLst>
+              <a:ext uri="{FF2B5EF4-FFF2-40B4-BE49-F238E27FC236}">
+                <a16:creationId xmlns:a16="http://schemas.microsoft.com/office/drawing/2014/main" id="{8A873229-F173-3ED8-B340-E886C8C3C6DF}"/>
+              </a:ext>
+            </a:extLst>
+          </p:cNvPr>
+          <p:cNvCxnSpPr>
+            <a:cxnSpLocks/>
+            <a:stCxn id="22" idx="2"/>
+            <a:endCxn id="23" idx="0"/>
+          </p:cNvCxnSpPr>
+          <p:nvPr/>
+        </p:nvCxnSpPr>
+        <p:spPr>
+          <a:xfrm>
+            <a:off x="4270374" y="2390774"/>
+            <a:ext cx="0" cy="642936"/>
+          </a:xfrm>
+          <a:prstGeom prst="straightConnector1">
+            <a:avLst/>
+          </a:prstGeom>
+          <a:ln>
+            <a:solidFill>
+              <a:schemeClr val="tx1"/>
+            </a:solidFill>
+            <a:tailEnd type="triangle"/>
+          </a:ln>
+        </p:spPr>
+        <p:style>
+          <a:lnRef idx="1">
+            <a:schemeClr val="accent1"/>
+          </a:lnRef>
+          <a:fillRef idx="0">
+            <a:schemeClr val="accent1"/>
+          </a:fillRef>
+          <a:effectRef idx="0">
+            <a:schemeClr val="accent1"/>
+          </a:effectRef>
+          <a:fontRef idx="minor">
+            <a:schemeClr val="tx1"/>
+          </a:fontRef>
+        </p:style>
+      </p:cxnSp>
+      <p:cxnSp>
+        <p:nvCxnSpPr>
+          <p:cNvPr id="31" name="Straight Arrow Connector 30">
+            <a:extLst>
+              <a:ext uri="{FF2B5EF4-FFF2-40B4-BE49-F238E27FC236}">
+                <a16:creationId xmlns:a16="http://schemas.microsoft.com/office/drawing/2014/main" id="{335E3E80-A2EE-4C61-D035-A24F3DCABD7E}"/>
+              </a:ext>
+            </a:extLst>
+          </p:cNvPr>
+          <p:cNvCxnSpPr>
+            <a:cxnSpLocks/>
+            <a:stCxn id="23" idx="3"/>
+            <a:endCxn id="24" idx="1"/>
+          </p:cNvCxnSpPr>
+          <p:nvPr/>
+        </p:nvCxnSpPr>
+        <p:spPr>
+          <a:xfrm>
+            <a:off x="5150643" y="3377801"/>
+            <a:ext cx="1206103" cy="0"/>
+          </a:xfrm>
+          <a:prstGeom prst="straightConnector1">
+            <a:avLst/>
+          </a:prstGeom>
+          <a:ln>
+            <a:solidFill>
+              <a:schemeClr val="tx1"/>
+            </a:solidFill>
+            <a:tailEnd type="triangle"/>
+          </a:ln>
+        </p:spPr>
+        <p:style>
+          <a:lnRef idx="1">
+            <a:schemeClr val="accent1"/>
+          </a:lnRef>
+          <a:fillRef idx="0">
+            <a:schemeClr val="accent1"/>
+          </a:fillRef>
+          <a:effectRef idx="0">
+            <a:schemeClr val="accent1"/>
+          </a:effectRef>
+          <a:fontRef idx="minor">
+            <a:schemeClr val="tx1"/>
+          </a:fontRef>
+        </p:style>
+      </p:cxnSp>
+      <p:sp>
+        <p:nvSpPr>
+          <p:cNvPr id="35" name="Rectangle 34">
+            <a:extLst>
+              <a:ext uri="{FF2B5EF4-FFF2-40B4-BE49-F238E27FC236}">
+                <a16:creationId xmlns:a16="http://schemas.microsoft.com/office/drawing/2014/main" id="{11E875E9-9D12-33CD-B8BF-87D625FC124A}"/>
+              </a:ext>
+            </a:extLst>
+          </p:cNvPr>
+          <p:cNvSpPr/>
+          <p:nvPr/>
+        </p:nvSpPr>
+        <p:spPr>
+          <a:xfrm>
+            <a:off x="3368674" y="4180681"/>
+            <a:ext cx="1760538" cy="688182"/>
+          </a:xfrm>
+          <a:prstGeom prst="rect">
+            <a:avLst/>
+          </a:prstGeom>
+          <a:solidFill>
+            <a:srgbClr val="FFFFFF"/>
+          </a:solidFill>
+          <a:ln w="19050">
+            <a:solidFill>
+              <a:schemeClr val="tx1"/>
+            </a:solidFill>
+          </a:ln>
+        </p:spPr>
+        <p:style>
+          <a:lnRef idx="2">
+            <a:schemeClr val="accent1">
+              <a:shade val="50000"/>
+            </a:schemeClr>
+          </a:lnRef>
+          <a:fillRef idx="1">
+            <a:schemeClr val="accent1"/>
+          </a:fillRef>
+          <a:effectRef idx="0">
+            <a:schemeClr val="accent1"/>
+          </a:effectRef>
+          <a:fontRef idx="minor">
+            <a:schemeClr val="lt1"/>
+          </a:fontRef>
+        </p:style>
+        <p:txBody>
+          <a:bodyPr rtlCol="0" anchor="ctr"/>
+          <a:lstStyle/>
+          <a:p>
+            <a:pPr algn="ctr"/>
+            <a:r>
+              <a:rPr lang="fr-FR" b="1" dirty="0">
+                <a:solidFill>
+                  <a:schemeClr val="tx1"/>
+                </a:solidFill>
+              </a:rPr>
+              <a:t>Return top 5 articles</a:t>
+            </a:r>
+          </a:p>
+        </p:txBody>
+      </p:sp>
+      <p:cxnSp>
+        <p:nvCxnSpPr>
+          <p:cNvPr id="37" name="Connector: Elbow 36">
+            <a:extLst>
+              <a:ext uri="{FF2B5EF4-FFF2-40B4-BE49-F238E27FC236}">
+                <a16:creationId xmlns:a16="http://schemas.microsoft.com/office/drawing/2014/main" id="{430D8F6C-F4AE-3CED-F133-32ED4344902F}"/>
+              </a:ext>
+            </a:extLst>
+          </p:cNvPr>
+          <p:cNvCxnSpPr>
+            <a:stCxn id="10" idx="2"/>
+            <a:endCxn id="35" idx="1"/>
+          </p:cNvCxnSpPr>
+          <p:nvPr/>
+        </p:nvCxnSpPr>
+        <p:spPr>
+          <a:xfrm rot="16200000" flipH="1">
+            <a:off x="1284683" y="2440781"/>
+            <a:ext cx="2131616" cy="2036365"/>
+          </a:xfrm>
+          <a:prstGeom prst="bentConnector2">
+            <a:avLst/>
+          </a:prstGeom>
+          <a:ln>
+            <a:solidFill>
+              <a:schemeClr val="tx1"/>
+            </a:solidFill>
+            <a:tailEnd type="triangle"/>
+          </a:ln>
+        </p:spPr>
+        <p:style>
+          <a:lnRef idx="1">
+            <a:schemeClr val="accent1"/>
+          </a:lnRef>
+          <a:fillRef idx="0">
+            <a:schemeClr val="accent1"/>
+          </a:fillRef>
+          <a:effectRef idx="0">
+            <a:schemeClr val="accent1"/>
+          </a:effectRef>
+          <a:fontRef idx="minor">
+            <a:schemeClr val="tx1"/>
+          </a:fontRef>
+        </p:style>
+      </p:cxnSp>
+      <p:cxnSp>
+        <p:nvCxnSpPr>
+          <p:cNvPr id="38" name="Connector: Elbow 37">
+            <a:extLst>
+              <a:ext uri="{FF2B5EF4-FFF2-40B4-BE49-F238E27FC236}">
+                <a16:creationId xmlns:a16="http://schemas.microsoft.com/office/drawing/2014/main" id="{9BEA8A70-418C-FF66-F797-BA688070E9CF}"/>
+              </a:ext>
+            </a:extLst>
+          </p:cNvPr>
+          <p:cNvCxnSpPr>
+            <a:cxnSpLocks/>
+            <a:stCxn id="24" idx="2"/>
+            <a:endCxn id="35" idx="3"/>
+          </p:cNvCxnSpPr>
+          <p:nvPr/>
+        </p:nvCxnSpPr>
+        <p:spPr>
+          <a:xfrm rot="5400000">
+            <a:off x="6008984" y="3007418"/>
+            <a:ext cx="637583" cy="2397125"/>
+          </a:xfrm>
+          <a:prstGeom prst="bentConnector2">
+            <a:avLst/>
+          </a:prstGeom>
+          <a:ln>
+            <a:solidFill>
+              <a:schemeClr val="tx1"/>
+            </a:solidFill>
+            <a:tailEnd type="triangle"/>
+          </a:ln>
+        </p:spPr>
+        <p:style>
+          <a:lnRef idx="1">
+            <a:schemeClr val="accent1"/>
+          </a:lnRef>
+          <a:fillRef idx="0">
+            <a:schemeClr val="accent1"/>
+          </a:fillRef>
+          <a:effectRef idx="0">
+            <a:schemeClr val="accent1"/>
+          </a:effectRef>
+          <a:fontRef idx="minor">
+            <a:schemeClr val="tx1"/>
+          </a:fontRef>
+        </p:style>
+      </p:cxnSp>
     </p:spTree>
     <p:extLst>
       <p:ext uri="{BB962C8B-B14F-4D97-AF65-F5344CB8AC3E}">
-        <p14:creationId xmlns:p14="http://schemas.microsoft.com/office/powerpoint/2010/main" val="3186577974"/>
+        <p14:creationId xmlns:p14="http://schemas.microsoft.com/office/powerpoint/2010/main" val="931853778"/>
       </p:ext>
     </p:extLst>
   </p:cSld>

--- a/P9_03_Presentation.pptx
+++ b/P9_03_Presentation.pptx
@@ -21339,8 +21339,8 @@
         </p:blipFill>
         <p:spPr bwMode="auto">
           <a:xfrm>
-            <a:off x="5208059" y="2586037"/>
-            <a:ext cx="3355287" cy="2557462"/>
+            <a:off x="5186363" y="2569500"/>
+            <a:ext cx="3376983" cy="2573999"/>
           </a:xfrm>
           <a:prstGeom prst="rect">
             <a:avLst/>
